--- a/Presentación/Presentacion Proyecto 2.pptx
+++ b/Presentación/Presentacion Proyecto 2.pptx
@@ -96,7 +96,7 @@
           </a:bodyPr>
           <a:p>
             <a:pPr algn="ctr"/>
-            <a:endParaRPr b="0" lang="es-AR" sz="4400" spc="-1" strike="noStrike">
+            <a:endParaRPr b="0" lang="en-GB" sz="4400" spc="-1" strike="noStrike">
               <a:latin typeface="Arial"/>
             </a:endParaRPr>
           </a:p>
@@ -126,7 +126,7 @@
             <a:normAutofit/>
           </a:bodyPr>
           <a:p>
-            <a:endParaRPr b="0" lang="es-AR" sz="3200" spc="-1" strike="noStrike">
+            <a:endParaRPr b="0" lang="en-GB" sz="3200" spc="-1" strike="noStrike">
               <a:latin typeface="Arial"/>
             </a:endParaRPr>
           </a:p>
@@ -156,7 +156,7 @@
             <a:normAutofit/>
           </a:bodyPr>
           <a:p>
-            <a:endParaRPr b="0" lang="es-AR" sz="3200" spc="-1" strike="noStrike">
+            <a:endParaRPr b="0" lang="en-GB" sz="3200" spc="-1" strike="noStrike">
               <a:latin typeface="Arial"/>
             </a:endParaRPr>
           </a:p>
@@ -209,7 +209,7 @@
           </a:bodyPr>
           <a:p>
             <a:pPr algn="ctr"/>
-            <a:endParaRPr b="0" lang="es-AR" sz="4400" spc="-1" strike="noStrike">
+            <a:endParaRPr b="0" lang="en-GB" sz="4400" spc="-1" strike="noStrike">
               <a:latin typeface="Arial"/>
             </a:endParaRPr>
           </a:p>
@@ -239,7 +239,7 @@
             <a:normAutofit/>
           </a:bodyPr>
           <a:p>
-            <a:endParaRPr b="0" lang="es-AR" sz="3200" spc="-1" strike="noStrike">
+            <a:endParaRPr b="0" lang="en-GB" sz="3200" spc="-1" strike="noStrike">
               <a:latin typeface="Arial"/>
             </a:endParaRPr>
           </a:p>
@@ -269,7 +269,7 @@
             <a:normAutofit/>
           </a:bodyPr>
           <a:p>
-            <a:endParaRPr b="0" lang="es-AR" sz="3200" spc="-1" strike="noStrike">
+            <a:endParaRPr b="0" lang="en-GB" sz="3200" spc="-1" strike="noStrike">
               <a:latin typeface="Arial"/>
             </a:endParaRPr>
           </a:p>
@@ -299,7 +299,7 @@
             <a:normAutofit/>
           </a:bodyPr>
           <a:p>
-            <a:endParaRPr b="0" lang="es-AR" sz="3200" spc="-1" strike="noStrike">
+            <a:endParaRPr b="0" lang="en-GB" sz="3200" spc="-1" strike="noStrike">
               <a:latin typeface="Arial"/>
             </a:endParaRPr>
           </a:p>
@@ -329,7 +329,7 @@
             <a:normAutofit/>
           </a:bodyPr>
           <a:p>
-            <a:endParaRPr b="0" lang="es-AR" sz="3200" spc="-1" strike="noStrike">
+            <a:endParaRPr b="0" lang="en-GB" sz="3200" spc="-1" strike="noStrike">
               <a:latin typeface="Arial"/>
             </a:endParaRPr>
           </a:p>
@@ -382,7 +382,7 @@
           </a:bodyPr>
           <a:p>
             <a:pPr algn="ctr"/>
-            <a:endParaRPr b="0" lang="es-AR" sz="4400" spc="-1" strike="noStrike">
+            <a:endParaRPr b="0" lang="en-GB" sz="4400" spc="-1" strike="noStrike">
               <a:latin typeface="Arial"/>
             </a:endParaRPr>
           </a:p>
@@ -412,7 +412,7 @@
             <a:normAutofit/>
           </a:bodyPr>
           <a:p>
-            <a:endParaRPr b="0" lang="es-AR" sz="3200" spc="-1" strike="noStrike">
+            <a:endParaRPr b="0" lang="en-GB" sz="3200" spc="-1" strike="noStrike">
               <a:latin typeface="Arial"/>
             </a:endParaRPr>
           </a:p>
@@ -442,7 +442,7 @@
             <a:normAutofit/>
           </a:bodyPr>
           <a:p>
-            <a:endParaRPr b="0" lang="es-AR" sz="3200" spc="-1" strike="noStrike">
+            <a:endParaRPr b="0" lang="en-GB" sz="3200" spc="-1" strike="noStrike">
               <a:latin typeface="Arial"/>
             </a:endParaRPr>
           </a:p>
@@ -472,7 +472,7 @@
             <a:normAutofit/>
           </a:bodyPr>
           <a:p>
-            <a:endParaRPr b="0" lang="es-AR" sz="3200" spc="-1" strike="noStrike">
+            <a:endParaRPr b="0" lang="en-GB" sz="3200" spc="-1" strike="noStrike">
               <a:latin typeface="Arial"/>
             </a:endParaRPr>
           </a:p>
@@ -502,7 +502,7 @@
             <a:normAutofit/>
           </a:bodyPr>
           <a:p>
-            <a:endParaRPr b="0" lang="es-AR" sz="3200" spc="-1" strike="noStrike">
+            <a:endParaRPr b="0" lang="en-GB" sz="3200" spc="-1" strike="noStrike">
               <a:latin typeface="Arial"/>
             </a:endParaRPr>
           </a:p>
@@ -532,7 +532,7 @@
             <a:normAutofit/>
           </a:bodyPr>
           <a:p>
-            <a:endParaRPr b="0" lang="es-AR" sz="3200" spc="-1" strike="noStrike">
+            <a:endParaRPr b="0" lang="en-GB" sz="3200" spc="-1" strike="noStrike">
               <a:latin typeface="Arial"/>
             </a:endParaRPr>
           </a:p>
@@ -562,7 +562,7 @@
             <a:normAutofit/>
           </a:bodyPr>
           <a:p>
-            <a:endParaRPr b="0" lang="es-AR" sz="3200" spc="-1" strike="noStrike">
+            <a:endParaRPr b="0" lang="en-GB" sz="3200" spc="-1" strike="noStrike">
               <a:latin typeface="Arial"/>
             </a:endParaRPr>
           </a:p>
@@ -637,7 +637,7 @@
           </a:bodyPr>
           <a:p>
             <a:pPr algn="ctr"/>
-            <a:endParaRPr b="0" lang="es-AR" sz="4400" spc="-1" strike="noStrike">
+            <a:endParaRPr b="0" lang="en-GB" sz="4400" spc="-1" strike="noStrike">
               <a:latin typeface="Arial"/>
             </a:endParaRPr>
           </a:p>
@@ -668,7 +668,7 @@
           </a:bodyPr>
           <a:p>
             <a:pPr algn="ctr"/>
-            <a:endParaRPr b="0" lang="es-AR" sz="3200" spc="-1" strike="noStrike">
+            <a:endParaRPr b="0" lang="en-GB" sz="3200" spc="-1" strike="noStrike">
               <a:latin typeface="Arial"/>
             </a:endParaRPr>
           </a:p>
@@ -721,7 +721,7 @@
           </a:bodyPr>
           <a:p>
             <a:pPr algn="ctr"/>
-            <a:endParaRPr b="0" lang="es-AR" sz="4400" spc="-1" strike="noStrike">
+            <a:endParaRPr b="0" lang="en-GB" sz="4400" spc="-1" strike="noStrike">
               <a:latin typeface="Arial"/>
             </a:endParaRPr>
           </a:p>
@@ -751,7 +751,7 @@
             <a:normAutofit/>
           </a:bodyPr>
           <a:p>
-            <a:endParaRPr b="0" lang="es-AR" sz="3200" spc="-1" strike="noStrike">
+            <a:endParaRPr b="0" lang="en-GB" sz="3200" spc="-1" strike="noStrike">
               <a:latin typeface="Arial"/>
             </a:endParaRPr>
           </a:p>
@@ -804,7 +804,7 @@
           </a:bodyPr>
           <a:p>
             <a:pPr algn="ctr"/>
-            <a:endParaRPr b="0" lang="es-AR" sz="4400" spc="-1" strike="noStrike">
+            <a:endParaRPr b="0" lang="en-GB" sz="4400" spc="-1" strike="noStrike">
               <a:latin typeface="Arial"/>
             </a:endParaRPr>
           </a:p>
@@ -834,7 +834,7 @@
             <a:normAutofit/>
           </a:bodyPr>
           <a:p>
-            <a:endParaRPr b="0" lang="es-AR" sz="3200" spc="-1" strike="noStrike">
+            <a:endParaRPr b="0" lang="en-GB" sz="3200" spc="-1" strike="noStrike">
               <a:latin typeface="Arial"/>
             </a:endParaRPr>
           </a:p>
@@ -864,7 +864,7 @@
             <a:normAutofit/>
           </a:bodyPr>
           <a:p>
-            <a:endParaRPr b="0" lang="es-AR" sz="3200" spc="-1" strike="noStrike">
+            <a:endParaRPr b="0" lang="en-GB" sz="3200" spc="-1" strike="noStrike">
               <a:latin typeface="Arial"/>
             </a:endParaRPr>
           </a:p>
@@ -917,7 +917,7 @@
           </a:bodyPr>
           <a:p>
             <a:pPr algn="ctr"/>
-            <a:endParaRPr b="0" lang="es-AR" sz="4400" spc="-1" strike="noStrike">
+            <a:endParaRPr b="0" lang="en-GB" sz="4400" spc="-1" strike="noStrike">
               <a:latin typeface="Arial"/>
             </a:endParaRPr>
           </a:p>
@@ -970,7 +970,7 @@
           </a:bodyPr>
           <a:p>
             <a:pPr algn="ctr"/>
-            <a:endParaRPr b="0" lang="es-AR" sz="3200" spc="-1" strike="noStrike">
+            <a:endParaRPr b="0" lang="en-GB" sz="3200" spc="-1" strike="noStrike">
               <a:latin typeface="Arial"/>
             </a:endParaRPr>
           </a:p>
@@ -1023,7 +1023,7 @@
           </a:bodyPr>
           <a:p>
             <a:pPr algn="ctr"/>
-            <a:endParaRPr b="0" lang="es-AR" sz="4400" spc="-1" strike="noStrike">
+            <a:endParaRPr b="0" lang="en-GB" sz="4400" spc="-1" strike="noStrike">
               <a:latin typeface="Arial"/>
             </a:endParaRPr>
           </a:p>
@@ -1053,7 +1053,7 @@
             <a:normAutofit/>
           </a:bodyPr>
           <a:p>
-            <a:endParaRPr b="0" lang="es-AR" sz="3200" spc="-1" strike="noStrike">
+            <a:endParaRPr b="0" lang="en-GB" sz="3200" spc="-1" strike="noStrike">
               <a:latin typeface="Arial"/>
             </a:endParaRPr>
           </a:p>
@@ -1083,7 +1083,7 @@
             <a:normAutofit/>
           </a:bodyPr>
           <a:p>
-            <a:endParaRPr b="0" lang="es-AR" sz="3200" spc="-1" strike="noStrike">
+            <a:endParaRPr b="0" lang="en-GB" sz="3200" spc="-1" strike="noStrike">
               <a:latin typeface="Arial"/>
             </a:endParaRPr>
           </a:p>
@@ -1113,7 +1113,7 @@
             <a:normAutofit/>
           </a:bodyPr>
           <a:p>
-            <a:endParaRPr b="0" lang="es-AR" sz="3200" spc="-1" strike="noStrike">
+            <a:endParaRPr b="0" lang="en-GB" sz="3200" spc="-1" strike="noStrike">
               <a:latin typeface="Arial"/>
             </a:endParaRPr>
           </a:p>
@@ -1166,7 +1166,7 @@
           </a:bodyPr>
           <a:p>
             <a:pPr algn="ctr"/>
-            <a:endParaRPr b="0" lang="es-AR" sz="4400" spc="-1" strike="noStrike">
+            <a:endParaRPr b="0" lang="en-GB" sz="4400" spc="-1" strike="noStrike">
               <a:latin typeface="Arial"/>
             </a:endParaRPr>
           </a:p>
@@ -1197,7 +1197,7 @@
           </a:bodyPr>
           <a:p>
             <a:pPr algn="ctr"/>
-            <a:endParaRPr b="0" lang="es-AR" sz="3200" spc="-1" strike="noStrike">
+            <a:endParaRPr b="0" lang="en-GB" sz="3200" spc="-1" strike="noStrike">
               <a:latin typeface="Arial"/>
             </a:endParaRPr>
           </a:p>
@@ -1250,7 +1250,7 @@
           </a:bodyPr>
           <a:p>
             <a:pPr algn="ctr"/>
-            <a:endParaRPr b="0" lang="es-AR" sz="4400" spc="-1" strike="noStrike">
+            <a:endParaRPr b="0" lang="en-GB" sz="4400" spc="-1" strike="noStrike">
               <a:latin typeface="Arial"/>
             </a:endParaRPr>
           </a:p>
@@ -1280,7 +1280,7 @@
             <a:normAutofit/>
           </a:bodyPr>
           <a:p>
-            <a:endParaRPr b="0" lang="es-AR" sz="3200" spc="-1" strike="noStrike">
+            <a:endParaRPr b="0" lang="en-GB" sz="3200" spc="-1" strike="noStrike">
               <a:latin typeface="Arial"/>
             </a:endParaRPr>
           </a:p>
@@ -1310,7 +1310,7 @@
             <a:normAutofit/>
           </a:bodyPr>
           <a:p>
-            <a:endParaRPr b="0" lang="es-AR" sz="3200" spc="-1" strike="noStrike">
+            <a:endParaRPr b="0" lang="en-GB" sz="3200" spc="-1" strike="noStrike">
               <a:latin typeface="Arial"/>
             </a:endParaRPr>
           </a:p>
@@ -1340,7 +1340,7 @@
             <a:normAutofit/>
           </a:bodyPr>
           <a:p>
-            <a:endParaRPr b="0" lang="es-AR" sz="3200" spc="-1" strike="noStrike">
+            <a:endParaRPr b="0" lang="en-GB" sz="3200" spc="-1" strike="noStrike">
               <a:latin typeface="Arial"/>
             </a:endParaRPr>
           </a:p>
@@ -1393,7 +1393,7 @@
           </a:bodyPr>
           <a:p>
             <a:pPr algn="ctr"/>
-            <a:endParaRPr b="0" lang="es-AR" sz="4400" spc="-1" strike="noStrike">
+            <a:endParaRPr b="0" lang="en-GB" sz="4400" spc="-1" strike="noStrike">
               <a:latin typeface="Arial"/>
             </a:endParaRPr>
           </a:p>
@@ -1423,7 +1423,7 @@
             <a:normAutofit/>
           </a:bodyPr>
           <a:p>
-            <a:endParaRPr b="0" lang="es-AR" sz="3200" spc="-1" strike="noStrike">
+            <a:endParaRPr b="0" lang="en-GB" sz="3200" spc="-1" strike="noStrike">
               <a:latin typeface="Arial"/>
             </a:endParaRPr>
           </a:p>
@@ -1453,7 +1453,7 @@
             <a:normAutofit/>
           </a:bodyPr>
           <a:p>
-            <a:endParaRPr b="0" lang="es-AR" sz="3200" spc="-1" strike="noStrike">
+            <a:endParaRPr b="0" lang="en-GB" sz="3200" spc="-1" strike="noStrike">
               <a:latin typeface="Arial"/>
             </a:endParaRPr>
           </a:p>
@@ -1483,7 +1483,7 @@
             <a:normAutofit/>
           </a:bodyPr>
           <a:p>
-            <a:endParaRPr b="0" lang="es-AR" sz="3200" spc="-1" strike="noStrike">
+            <a:endParaRPr b="0" lang="en-GB" sz="3200" spc="-1" strike="noStrike">
               <a:latin typeface="Arial"/>
             </a:endParaRPr>
           </a:p>
@@ -1536,7 +1536,7 @@
           </a:bodyPr>
           <a:p>
             <a:pPr algn="ctr"/>
-            <a:endParaRPr b="0" lang="es-AR" sz="4400" spc="-1" strike="noStrike">
+            <a:endParaRPr b="0" lang="en-GB" sz="4400" spc="-1" strike="noStrike">
               <a:latin typeface="Arial"/>
             </a:endParaRPr>
           </a:p>
@@ -1566,7 +1566,7 @@
             <a:normAutofit/>
           </a:bodyPr>
           <a:p>
-            <a:endParaRPr b="0" lang="es-AR" sz="3200" spc="-1" strike="noStrike">
+            <a:endParaRPr b="0" lang="en-GB" sz="3200" spc="-1" strike="noStrike">
               <a:latin typeface="Arial"/>
             </a:endParaRPr>
           </a:p>
@@ -1596,7 +1596,7 @@
             <a:normAutofit/>
           </a:bodyPr>
           <a:p>
-            <a:endParaRPr b="0" lang="es-AR" sz="3200" spc="-1" strike="noStrike">
+            <a:endParaRPr b="0" lang="en-GB" sz="3200" spc="-1" strike="noStrike">
               <a:latin typeface="Arial"/>
             </a:endParaRPr>
           </a:p>
@@ -1649,7 +1649,7 @@
           </a:bodyPr>
           <a:p>
             <a:pPr algn="ctr"/>
-            <a:endParaRPr b="0" lang="es-AR" sz="4400" spc="-1" strike="noStrike">
+            <a:endParaRPr b="0" lang="en-GB" sz="4400" spc="-1" strike="noStrike">
               <a:latin typeface="Arial"/>
             </a:endParaRPr>
           </a:p>
@@ -1679,7 +1679,7 @@
             <a:normAutofit/>
           </a:bodyPr>
           <a:p>
-            <a:endParaRPr b="0" lang="es-AR" sz="3200" spc="-1" strike="noStrike">
+            <a:endParaRPr b="0" lang="en-GB" sz="3200" spc="-1" strike="noStrike">
               <a:latin typeface="Arial"/>
             </a:endParaRPr>
           </a:p>
@@ -1709,7 +1709,7 @@
             <a:normAutofit/>
           </a:bodyPr>
           <a:p>
-            <a:endParaRPr b="0" lang="es-AR" sz="3200" spc="-1" strike="noStrike">
+            <a:endParaRPr b="0" lang="en-GB" sz="3200" spc="-1" strike="noStrike">
               <a:latin typeface="Arial"/>
             </a:endParaRPr>
           </a:p>
@@ -1739,7 +1739,7 @@
             <a:normAutofit/>
           </a:bodyPr>
           <a:p>
-            <a:endParaRPr b="0" lang="es-AR" sz="3200" spc="-1" strike="noStrike">
+            <a:endParaRPr b="0" lang="en-GB" sz="3200" spc="-1" strike="noStrike">
               <a:latin typeface="Arial"/>
             </a:endParaRPr>
           </a:p>
@@ -1769,7 +1769,7 @@
             <a:normAutofit/>
           </a:bodyPr>
           <a:p>
-            <a:endParaRPr b="0" lang="es-AR" sz="3200" spc="-1" strike="noStrike">
+            <a:endParaRPr b="0" lang="en-GB" sz="3200" spc="-1" strike="noStrike">
               <a:latin typeface="Arial"/>
             </a:endParaRPr>
           </a:p>
@@ -1822,7 +1822,7 @@
           </a:bodyPr>
           <a:p>
             <a:pPr algn="ctr"/>
-            <a:endParaRPr b="0" lang="es-AR" sz="4400" spc="-1" strike="noStrike">
+            <a:endParaRPr b="0" lang="en-GB" sz="4400" spc="-1" strike="noStrike">
               <a:latin typeface="Arial"/>
             </a:endParaRPr>
           </a:p>
@@ -1852,7 +1852,7 @@
             <a:normAutofit/>
           </a:bodyPr>
           <a:p>
-            <a:endParaRPr b="0" lang="es-AR" sz="3200" spc="-1" strike="noStrike">
+            <a:endParaRPr b="0" lang="en-GB" sz="3200" spc="-1" strike="noStrike">
               <a:latin typeface="Arial"/>
             </a:endParaRPr>
           </a:p>
@@ -1882,7 +1882,7 @@
             <a:normAutofit/>
           </a:bodyPr>
           <a:p>
-            <a:endParaRPr b="0" lang="es-AR" sz="3200" spc="-1" strike="noStrike">
+            <a:endParaRPr b="0" lang="en-GB" sz="3200" spc="-1" strike="noStrike">
               <a:latin typeface="Arial"/>
             </a:endParaRPr>
           </a:p>
@@ -1912,7 +1912,7 @@
             <a:normAutofit/>
           </a:bodyPr>
           <a:p>
-            <a:endParaRPr b="0" lang="es-AR" sz="3200" spc="-1" strike="noStrike">
+            <a:endParaRPr b="0" lang="en-GB" sz="3200" spc="-1" strike="noStrike">
               <a:latin typeface="Arial"/>
             </a:endParaRPr>
           </a:p>
@@ -1942,7 +1942,7 @@
             <a:normAutofit/>
           </a:bodyPr>
           <a:p>
-            <a:endParaRPr b="0" lang="es-AR" sz="3200" spc="-1" strike="noStrike">
+            <a:endParaRPr b="0" lang="en-GB" sz="3200" spc="-1" strike="noStrike">
               <a:latin typeface="Arial"/>
             </a:endParaRPr>
           </a:p>
@@ -1972,7 +1972,7 @@
             <a:normAutofit/>
           </a:bodyPr>
           <a:p>
-            <a:endParaRPr b="0" lang="es-AR" sz="3200" spc="-1" strike="noStrike">
+            <a:endParaRPr b="0" lang="en-GB" sz="3200" spc="-1" strike="noStrike">
               <a:latin typeface="Arial"/>
             </a:endParaRPr>
           </a:p>
@@ -2002,7 +2002,7 @@
             <a:normAutofit/>
           </a:bodyPr>
           <a:p>
-            <a:endParaRPr b="0" lang="es-AR" sz="3200" spc="-1" strike="noStrike">
+            <a:endParaRPr b="0" lang="en-GB" sz="3200" spc="-1" strike="noStrike">
               <a:latin typeface="Arial"/>
             </a:endParaRPr>
           </a:p>
@@ -2077,7 +2077,7 @@
           </a:bodyPr>
           <a:p>
             <a:pPr algn="ctr"/>
-            <a:endParaRPr b="0" lang="es-AR" sz="4400" spc="-1" strike="noStrike">
+            <a:endParaRPr b="0" lang="en-GB" sz="4400" spc="-1" strike="noStrike">
               <a:latin typeface="Arial"/>
             </a:endParaRPr>
           </a:p>
@@ -2108,7 +2108,7 @@
           </a:bodyPr>
           <a:p>
             <a:pPr algn="ctr"/>
-            <a:endParaRPr b="0" lang="es-AR" sz="3200" spc="-1" strike="noStrike">
+            <a:endParaRPr b="0" lang="en-GB" sz="3200" spc="-1" strike="noStrike">
               <a:latin typeface="Arial"/>
             </a:endParaRPr>
           </a:p>
@@ -2161,7 +2161,7 @@
           </a:bodyPr>
           <a:p>
             <a:pPr algn="ctr"/>
-            <a:endParaRPr b="0" lang="es-AR" sz="4400" spc="-1" strike="noStrike">
+            <a:endParaRPr b="0" lang="en-GB" sz="4400" spc="-1" strike="noStrike">
               <a:latin typeface="Arial"/>
             </a:endParaRPr>
           </a:p>
@@ -2191,7 +2191,7 @@
             <a:normAutofit/>
           </a:bodyPr>
           <a:p>
-            <a:endParaRPr b="0" lang="es-AR" sz="3200" spc="-1" strike="noStrike">
+            <a:endParaRPr b="0" lang="en-GB" sz="3200" spc="-1" strike="noStrike">
               <a:latin typeface="Arial"/>
             </a:endParaRPr>
           </a:p>
@@ -2244,7 +2244,7 @@
           </a:bodyPr>
           <a:p>
             <a:pPr algn="ctr"/>
-            <a:endParaRPr b="0" lang="es-AR" sz="4400" spc="-1" strike="noStrike">
+            <a:endParaRPr b="0" lang="en-GB" sz="4400" spc="-1" strike="noStrike">
               <a:latin typeface="Arial"/>
             </a:endParaRPr>
           </a:p>
@@ -2274,7 +2274,7 @@
             <a:normAutofit/>
           </a:bodyPr>
           <a:p>
-            <a:endParaRPr b="0" lang="es-AR" sz="3200" spc="-1" strike="noStrike">
+            <a:endParaRPr b="0" lang="en-GB" sz="3200" spc="-1" strike="noStrike">
               <a:latin typeface="Arial"/>
             </a:endParaRPr>
           </a:p>
@@ -2304,7 +2304,7 @@
             <a:normAutofit/>
           </a:bodyPr>
           <a:p>
-            <a:endParaRPr b="0" lang="es-AR" sz="3200" spc="-1" strike="noStrike">
+            <a:endParaRPr b="0" lang="en-GB" sz="3200" spc="-1" strike="noStrike">
               <a:latin typeface="Arial"/>
             </a:endParaRPr>
           </a:p>
@@ -2357,7 +2357,7 @@
           </a:bodyPr>
           <a:p>
             <a:pPr algn="ctr"/>
-            <a:endParaRPr b="0" lang="es-AR" sz="4400" spc="-1" strike="noStrike">
+            <a:endParaRPr b="0" lang="en-GB" sz="4400" spc="-1" strike="noStrike">
               <a:latin typeface="Arial"/>
             </a:endParaRPr>
           </a:p>
@@ -2410,7 +2410,7 @@
           </a:bodyPr>
           <a:p>
             <a:pPr algn="ctr"/>
-            <a:endParaRPr b="0" lang="es-AR" sz="4400" spc="-1" strike="noStrike">
+            <a:endParaRPr b="0" lang="en-GB" sz="4400" spc="-1" strike="noStrike">
               <a:latin typeface="Arial"/>
             </a:endParaRPr>
           </a:p>
@@ -2440,7 +2440,7 @@
             <a:normAutofit/>
           </a:bodyPr>
           <a:p>
-            <a:endParaRPr b="0" lang="es-AR" sz="3200" spc="-1" strike="noStrike">
+            <a:endParaRPr b="0" lang="en-GB" sz="3200" spc="-1" strike="noStrike">
               <a:latin typeface="Arial"/>
             </a:endParaRPr>
           </a:p>
@@ -2493,7 +2493,7 @@
           </a:bodyPr>
           <a:p>
             <a:pPr algn="ctr"/>
-            <a:endParaRPr b="0" lang="es-AR" sz="3200" spc="-1" strike="noStrike">
+            <a:endParaRPr b="0" lang="en-GB" sz="3200" spc="-1" strike="noStrike">
               <a:latin typeface="Arial"/>
             </a:endParaRPr>
           </a:p>
@@ -2546,7 +2546,7 @@
           </a:bodyPr>
           <a:p>
             <a:pPr algn="ctr"/>
-            <a:endParaRPr b="0" lang="es-AR" sz="4400" spc="-1" strike="noStrike">
+            <a:endParaRPr b="0" lang="en-GB" sz="4400" spc="-1" strike="noStrike">
               <a:latin typeface="Arial"/>
             </a:endParaRPr>
           </a:p>
@@ -2576,7 +2576,7 @@
             <a:normAutofit/>
           </a:bodyPr>
           <a:p>
-            <a:endParaRPr b="0" lang="es-AR" sz="3200" spc="-1" strike="noStrike">
+            <a:endParaRPr b="0" lang="en-GB" sz="3200" spc="-1" strike="noStrike">
               <a:latin typeface="Arial"/>
             </a:endParaRPr>
           </a:p>
@@ -2606,7 +2606,7 @@
             <a:normAutofit/>
           </a:bodyPr>
           <a:p>
-            <a:endParaRPr b="0" lang="es-AR" sz="3200" spc="-1" strike="noStrike">
+            <a:endParaRPr b="0" lang="en-GB" sz="3200" spc="-1" strike="noStrike">
               <a:latin typeface="Arial"/>
             </a:endParaRPr>
           </a:p>
@@ -2636,7 +2636,7 @@
             <a:normAutofit/>
           </a:bodyPr>
           <a:p>
-            <a:endParaRPr b="0" lang="es-AR" sz="3200" spc="-1" strike="noStrike">
+            <a:endParaRPr b="0" lang="en-GB" sz="3200" spc="-1" strike="noStrike">
               <a:latin typeface="Arial"/>
             </a:endParaRPr>
           </a:p>
@@ -2689,7 +2689,7 @@
           </a:bodyPr>
           <a:p>
             <a:pPr algn="ctr"/>
-            <a:endParaRPr b="0" lang="es-AR" sz="4400" spc="-1" strike="noStrike">
+            <a:endParaRPr b="0" lang="en-GB" sz="4400" spc="-1" strike="noStrike">
               <a:latin typeface="Arial"/>
             </a:endParaRPr>
           </a:p>
@@ -2719,7 +2719,7 @@
             <a:normAutofit/>
           </a:bodyPr>
           <a:p>
-            <a:endParaRPr b="0" lang="es-AR" sz="3200" spc="-1" strike="noStrike">
+            <a:endParaRPr b="0" lang="en-GB" sz="3200" spc="-1" strike="noStrike">
               <a:latin typeface="Arial"/>
             </a:endParaRPr>
           </a:p>
@@ -2749,7 +2749,7 @@
             <a:normAutofit/>
           </a:bodyPr>
           <a:p>
-            <a:endParaRPr b="0" lang="es-AR" sz="3200" spc="-1" strike="noStrike">
+            <a:endParaRPr b="0" lang="en-GB" sz="3200" spc="-1" strike="noStrike">
               <a:latin typeface="Arial"/>
             </a:endParaRPr>
           </a:p>
@@ -2779,7 +2779,7 @@
             <a:normAutofit/>
           </a:bodyPr>
           <a:p>
-            <a:endParaRPr b="0" lang="es-AR" sz="3200" spc="-1" strike="noStrike">
+            <a:endParaRPr b="0" lang="en-GB" sz="3200" spc="-1" strike="noStrike">
               <a:latin typeface="Arial"/>
             </a:endParaRPr>
           </a:p>
@@ -2832,7 +2832,7 @@
           </a:bodyPr>
           <a:p>
             <a:pPr algn="ctr"/>
-            <a:endParaRPr b="0" lang="es-AR" sz="4400" spc="-1" strike="noStrike">
+            <a:endParaRPr b="0" lang="en-GB" sz="4400" spc="-1" strike="noStrike">
               <a:latin typeface="Arial"/>
             </a:endParaRPr>
           </a:p>
@@ -2862,7 +2862,7 @@
             <a:normAutofit/>
           </a:bodyPr>
           <a:p>
-            <a:endParaRPr b="0" lang="es-AR" sz="3200" spc="-1" strike="noStrike">
+            <a:endParaRPr b="0" lang="en-GB" sz="3200" spc="-1" strike="noStrike">
               <a:latin typeface="Arial"/>
             </a:endParaRPr>
           </a:p>
@@ -2892,7 +2892,7 @@
             <a:normAutofit/>
           </a:bodyPr>
           <a:p>
-            <a:endParaRPr b="0" lang="es-AR" sz="3200" spc="-1" strike="noStrike">
+            <a:endParaRPr b="0" lang="en-GB" sz="3200" spc="-1" strike="noStrike">
               <a:latin typeface="Arial"/>
             </a:endParaRPr>
           </a:p>
@@ -2922,7 +2922,7 @@
             <a:normAutofit/>
           </a:bodyPr>
           <a:p>
-            <a:endParaRPr b="0" lang="es-AR" sz="3200" spc="-1" strike="noStrike">
+            <a:endParaRPr b="0" lang="en-GB" sz="3200" spc="-1" strike="noStrike">
               <a:latin typeface="Arial"/>
             </a:endParaRPr>
           </a:p>
@@ -2975,7 +2975,7 @@
           </a:bodyPr>
           <a:p>
             <a:pPr algn="ctr"/>
-            <a:endParaRPr b="0" lang="es-AR" sz="4400" spc="-1" strike="noStrike">
+            <a:endParaRPr b="0" lang="en-GB" sz="4400" spc="-1" strike="noStrike">
               <a:latin typeface="Arial"/>
             </a:endParaRPr>
           </a:p>
@@ -3005,7 +3005,7 @@
             <a:normAutofit/>
           </a:bodyPr>
           <a:p>
-            <a:endParaRPr b="0" lang="es-AR" sz="3200" spc="-1" strike="noStrike">
+            <a:endParaRPr b="0" lang="en-GB" sz="3200" spc="-1" strike="noStrike">
               <a:latin typeface="Arial"/>
             </a:endParaRPr>
           </a:p>
@@ -3035,7 +3035,7 @@
             <a:normAutofit/>
           </a:bodyPr>
           <a:p>
-            <a:endParaRPr b="0" lang="es-AR" sz="3200" spc="-1" strike="noStrike">
+            <a:endParaRPr b="0" lang="en-GB" sz="3200" spc="-1" strike="noStrike">
               <a:latin typeface="Arial"/>
             </a:endParaRPr>
           </a:p>
@@ -3088,7 +3088,7 @@
           </a:bodyPr>
           <a:p>
             <a:pPr algn="ctr"/>
-            <a:endParaRPr b="0" lang="es-AR" sz="4400" spc="-1" strike="noStrike">
+            <a:endParaRPr b="0" lang="en-GB" sz="4400" spc="-1" strike="noStrike">
               <a:latin typeface="Arial"/>
             </a:endParaRPr>
           </a:p>
@@ -3118,7 +3118,7 @@
             <a:normAutofit/>
           </a:bodyPr>
           <a:p>
-            <a:endParaRPr b="0" lang="es-AR" sz="3200" spc="-1" strike="noStrike">
+            <a:endParaRPr b="0" lang="en-GB" sz="3200" spc="-1" strike="noStrike">
               <a:latin typeface="Arial"/>
             </a:endParaRPr>
           </a:p>
@@ -3148,7 +3148,7 @@
             <a:normAutofit/>
           </a:bodyPr>
           <a:p>
-            <a:endParaRPr b="0" lang="es-AR" sz="3200" spc="-1" strike="noStrike">
+            <a:endParaRPr b="0" lang="en-GB" sz="3200" spc="-1" strike="noStrike">
               <a:latin typeface="Arial"/>
             </a:endParaRPr>
           </a:p>
@@ -3178,7 +3178,7 @@
             <a:normAutofit/>
           </a:bodyPr>
           <a:p>
-            <a:endParaRPr b="0" lang="es-AR" sz="3200" spc="-1" strike="noStrike">
+            <a:endParaRPr b="0" lang="en-GB" sz="3200" spc="-1" strike="noStrike">
               <a:latin typeface="Arial"/>
             </a:endParaRPr>
           </a:p>
@@ -3208,7 +3208,7 @@
             <a:normAutofit/>
           </a:bodyPr>
           <a:p>
-            <a:endParaRPr b="0" lang="es-AR" sz="3200" spc="-1" strike="noStrike">
+            <a:endParaRPr b="0" lang="en-GB" sz="3200" spc="-1" strike="noStrike">
               <a:latin typeface="Arial"/>
             </a:endParaRPr>
           </a:p>
@@ -3261,7 +3261,7 @@
           </a:bodyPr>
           <a:p>
             <a:pPr algn="ctr"/>
-            <a:endParaRPr b="0" lang="es-AR" sz="4400" spc="-1" strike="noStrike">
+            <a:endParaRPr b="0" lang="en-GB" sz="4400" spc="-1" strike="noStrike">
               <a:latin typeface="Arial"/>
             </a:endParaRPr>
           </a:p>
@@ -3291,7 +3291,7 @@
             <a:normAutofit/>
           </a:bodyPr>
           <a:p>
-            <a:endParaRPr b="0" lang="es-AR" sz="3200" spc="-1" strike="noStrike">
+            <a:endParaRPr b="0" lang="en-GB" sz="3200" spc="-1" strike="noStrike">
               <a:latin typeface="Arial"/>
             </a:endParaRPr>
           </a:p>
@@ -3321,7 +3321,7 @@
             <a:normAutofit/>
           </a:bodyPr>
           <a:p>
-            <a:endParaRPr b="0" lang="es-AR" sz="3200" spc="-1" strike="noStrike">
+            <a:endParaRPr b="0" lang="en-GB" sz="3200" spc="-1" strike="noStrike">
               <a:latin typeface="Arial"/>
             </a:endParaRPr>
           </a:p>
@@ -3351,7 +3351,7 @@
             <a:normAutofit/>
           </a:bodyPr>
           <a:p>
-            <a:endParaRPr b="0" lang="es-AR" sz="3200" spc="-1" strike="noStrike">
+            <a:endParaRPr b="0" lang="en-GB" sz="3200" spc="-1" strike="noStrike">
               <a:latin typeface="Arial"/>
             </a:endParaRPr>
           </a:p>
@@ -3381,7 +3381,7 @@
             <a:normAutofit/>
           </a:bodyPr>
           <a:p>
-            <a:endParaRPr b="0" lang="es-AR" sz="3200" spc="-1" strike="noStrike">
+            <a:endParaRPr b="0" lang="en-GB" sz="3200" spc="-1" strike="noStrike">
               <a:latin typeface="Arial"/>
             </a:endParaRPr>
           </a:p>
@@ -3411,7 +3411,7 @@
             <a:normAutofit/>
           </a:bodyPr>
           <a:p>
-            <a:endParaRPr b="0" lang="es-AR" sz="3200" spc="-1" strike="noStrike">
+            <a:endParaRPr b="0" lang="en-GB" sz="3200" spc="-1" strike="noStrike">
               <a:latin typeface="Arial"/>
             </a:endParaRPr>
           </a:p>
@@ -3441,7 +3441,7 @@
             <a:normAutofit/>
           </a:bodyPr>
           <a:p>
-            <a:endParaRPr b="0" lang="es-AR" sz="3200" spc="-1" strike="noStrike">
+            <a:endParaRPr b="0" lang="en-GB" sz="3200" spc="-1" strike="noStrike">
               <a:latin typeface="Arial"/>
             </a:endParaRPr>
           </a:p>
@@ -3516,7 +3516,7 @@
           </a:bodyPr>
           <a:p>
             <a:pPr algn="ctr"/>
-            <a:endParaRPr b="0" lang="es-AR" sz="4400" spc="-1" strike="noStrike">
+            <a:endParaRPr b="0" lang="en-GB" sz="4400" spc="-1" strike="noStrike">
               <a:latin typeface="Arial"/>
             </a:endParaRPr>
           </a:p>
@@ -3547,7 +3547,7 @@
           </a:bodyPr>
           <a:p>
             <a:pPr algn="ctr"/>
-            <a:endParaRPr b="0" lang="es-AR" sz="3200" spc="-1" strike="noStrike">
+            <a:endParaRPr b="0" lang="en-GB" sz="3200" spc="-1" strike="noStrike">
               <a:latin typeface="Arial"/>
             </a:endParaRPr>
           </a:p>
@@ -3600,7 +3600,7 @@
           </a:bodyPr>
           <a:p>
             <a:pPr algn="ctr"/>
-            <a:endParaRPr b="0" lang="es-AR" sz="4400" spc="-1" strike="noStrike">
+            <a:endParaRPr b="0" lang="en-GB" sz="4400" spc="-1" strike="noStrike">
               <a:latin typeface="Arial"/>
             </a:endParaRPr>
           </a:p>
@@ -3630,7 +3630,7 @@
             <a:normAutofit/>
           </a:bodyPr>
           <a:p>
-            <a:endParaRPr b="0" lang="es-AR" sz="3200" spc="-1" strike="noStrike">
+            <a:endParaRPr b="0" lang="en-GB" sz="3200" spc="-1" strike="noStrike">
               <a:latin typeface="Arial"/>
             </a:endParaRPr>
           </a:p>
@@ -3683,7 +3683,7 @@
           </a:bodyPr>
           <a:p>
             <a:pPr algn="ctr"/>
-            <a:endParaRPr b="0" lang="es-AR" sz="4400" spc="-1" strike="noStrike">
+            <a:endParaRPr b="0" lang="en-GB" sz="4400" spc="-1" strike="noStrike">
               <a:latin typeface="Arial"/>
             </a:endParaRPr>
           </a:p>
@@ -3713,7 +3713,7 @@
             <a:normAutofit/>
           </a:bodyPr>
           <a:p>
-            <a:endParaRPr b="0" lang="es-AR" sz="3200" spc="-1" strike="noStrike">
+            <a:endParaRPr b="0" lang="en-GB" sz="3200" spc="-1" strike="noStrike">
               <a:latin typeface="Arial"/>
             </a:endParaRPr>
           </a:p>
@@ -3743,7 +3743,7 @@
             <a:normAutofit/>
           </a:bodyPr>
           <a:p>
-            <a:endParaRPr b="0" lang="es-AR" sz="3200" spc="-1" strike="noStrike">
+            <a:endParaRPr b="0" lang="en-GB" sz="3200" spc="-1" strike="noStrike">
               <a:latin typeface="Arial"/>
             </a:endParaRPr>
           </a:p>
@@ -3796,7 +3796,7 @@
           </a:bodyPr>
           <a:p>
             <a:pPr algn="ctr"/>
-            <a:endParaRPr b="0" lang="es-AR" sz="4400" spc="-1" strike="noStrike">
+            <a:endParaRPr b="0" lang="en-GB" sz="4400" spc="-1" strike="noStrike">
               <a:latin typeface="Arial"/>
             </a:endParaRPr>
           </a:p>
@@ -3826,7 +3826,7 @@
             <a:normAutofit/>
           </a:bodyPr>
           <a:p>
-            <a:endParaRPr b="0" lang="es-AR" sz="3200" spc="-1" strike="noStrike">
+            <a:endParaRPr b="0" lang="en-GB" sz="3200" spc="-1" strike="noStrike">
               <a:latin typeface="Arial"/>
             </a:endParaRPr>
           </a:p>
@@ -3856,7 +3856,7 @@
             <a:normAutofit/>
           </a:bodyPr>
           <a:p>
-            <a:endParaRPr b="0" lang="es-AR" sz="3200" spc="-1" strike="noStrike">
+            <a:endParaRPr b="0" lang="en-GB" sz="3200" spc="-1" strike="noStrike">
               <a:latin typeface="Arial"/>
             </a:endParaRPr>
           </a:p>
@@ -3909,7 +3909,7 @@
           </a:bodyPr>
           <a:p>
             <a:pPr algn="ctr"/>
-            <a:endParaRPr b="0" lang="es-AR" sz="4400" spc="-1" strike="noStrike">
+            <a:endParaRPr b="0" lang="en-GB" sz="4400" spc="-1" strike="noStrike">
               <a:latin typeface="Arial"/>
             </a:endParaRPr>
           </a:p>
@@ -3962,7 +3962,7 @@
           </a:bodyPr>
           <a:p>
             <a:pPr algn="ctr"/>
-            <a:endParaRPr b="0" lang="es-AR" sz="3200" spc="-1" strike="noStrike">
+            <a:endParaRPr b="0" lang="en-GB" sz="3200" spc="-1" strike="noStrike">
               <a:latin typeface="Arial"/>
             </a:endParaRPr>
           </a:p>
@@ -4015,7 +4015,7 @@
           </a:bodyPr>
           <a:p>
             <a:pPr algn="ctr"/>
-            <a:endParaRPr b="0" lang="es-AR" sz="4400" spc="-1" strike="noStrike">
+            <a:endParaRPr b="0" lang="en-GB" sz="4400" spc="-1" strike="noStrike">
               <a:latin typeface="Arial"/>
             </a:endParaRPr>
           </a:p>
@@ -4045,7 +4045,7 @@
             <a:normAutofit/>
           </a:bodyPr>
           <a:p>
-            <a:endParaRPr b="0" lang="es-AR" sz="3200" spc="-1" strike="noStrike">
+            <a:endParaRPr b="0" lang="en-GB" sz="3200" spc="-1" strike="noStrike">
               <a:latin typeface="Arial"/>
             </a:endParaRPr>
           </a:p>
@@ -4075,7 +4075,7 @@
             <a:normAutofit/>
           </a:bodyPr>
           <a:p>
-            <a:endParaRPr b="0" lang="es-AR" sz="3200" spc="-1" strike="noStrike">
+            <a:endParaRPr b="0" lang="en-GB" sz="3200" spc="-1" strike="noStrike">
               <a:latin typeface="Arial"/>
             </a:endParaRPr>
           </a:p>
@@ -4105,7 +4105,7 @@
             <a:normAutofit/>
           </a:bodyPr>
           <a:p>
-            <a:endParaRPr b="0" lang="es-AR" sz="3200" spc="-1" strike="noStrike">
+            <a:endParaRPr b="0" lang="en-GB" sz="3200" spc="-1" strike="noStrike">
               <a:latin typeface="Arial"/>
             </a:endParaRPr>
           </a:p>
@@ -4158,7 +4158,7 @@
           </a:bodyPr>
           <a:p>
             <a:pPr algn="ctr"/>
-            <a:endParaRPr b="0" lang="es-AR" sz="4400" spc="-1" strike="noStrike">
+            <a:endParaRPr b="0" lang="en-GB" sz="4400" spc="-1" strike="noStrike">
               <a:latin typeface="Arial"/>
             </a:endParaRPr>
           </a:p>
@@ -4188,7 +4188,7 @@
             <a:normAutofit/>
           </a:bodyPr>
           <a:p>
-            <a:endParaRPr b="0" lang="es-AR" sz="3200" spc="-1" strike="noStrike">
+            <a:endParaRPr b="0" lang="en-GB" sz="3200" spc="-1" strike="noStrike">
               <a:latin typeface="Arial"/>
             </a:endParaRPr>
           </a:p>
@@ -4218,7 +4218,7 @@
             <a:normAutofit/>
           </a:bodyPr>
           <a:p>
-            <a:endParaRPr b="0" lang="es-AR" sz="3200" spc="-1" strike="noStrike">
+            <a:endParaRPr b="0" lang="en-GB" sz="3200" spc="-1" strike="noStrike">
               <a:latin typeface="Arial"/>
             </a:endParaRPr>
           </a:p>
@@ -4248,7 +4248,7 @@
             <a:normAutofit/>
           </a:bodyPr>
           <a:p>
-            <a:endParaRPr b="0" lang="es-AR" sz="3200" spc="-1" strike="noStrike">
+            <a:endParaRPr b="0" lang="en-GB" sz="3200" spc="-1" strike="noStrike">
               <a:latin typeface="Arial"/>
             </a:endParaRPr>
           </a:p>
@@ -4301,7 +4301,7 @@
           </a:bodyPr>
           <a:p>
             <a:pPr algn="ctr"/>
-            <a:endParaRPr b="0" lang="es-AR" sz="4400" spc="-1" strike="noStrike">
+            <a:endParaRPr b="0" lang="en-GB" sz="4400" spc="-1" strike="noStrike">
               <a:latin typeface="Arial"/>
             </a:endParaRPr>
           </a:p>
@@ -4331,7 +4331,7 @@
             <a:normAutofit/>
           </a:bodyPr>
           <a:p>
-            <a:endParaRPr b="0" lang="es-AR" sz="3200" spc="-1" strike="noStrike">
+            <a:endParaRPr b="0" lang="en-GB" sz="3200" spc="-1" strike="noStrike">
               <a:latin typeface="Arial"/>
             </a:endParaRPr>
           </a:p>
@@ -4361,7 +4361,7 @@
             <a:normAutofit/>
           </a:bodyPr>
           <a:p>
-            <a:endParaRPr b="0" lang="es-AR" sz="3200" spc="-1" strike="noStrike">
+            <a:endParaRPr b="0" lang="en-GB" sz="3200" spc="-1" strike="noStrike">
               <a:latin typeface="Arial"/>
             </a:endParaRPr>
           </a:p>
@@ -4391,7 +4391,7 @@
             <a:normAutofit/>
           </a:bodyPr>
           <a:p>
-            <a:endParaRPr b="0" lang="es-AR" sz="3200" spc="-1" strike="noStrike">
+            <a:endParaRPr b="0" lang="en-GB" sz="3200" spc="-1" strike="noStrike">
               <a:latin typeface="Arial"/>
             </a:endParaRPr>
           </a:p>
@@ -4444,7 +4444,7 @@
           </a:bodyPr>
           <a:p>
             <a:pPr algn="ctr"/>
-            <a:endParaRPr b="0" lang="es-AR" sz="4400" spc="-1" strike="noStrike">
+            <a:endParaRPr b="0" lang="en-GB" sz="4400" spc="-1" strike="noStrike">
               <a:latin typeface="Arial"/>
             </a:endParaRPr>
           </a:p>
@@ -4474,7 +4474,7 @@
             <a:normAutofit/>
           </a:bodyPr>
           <a:p>
-            <a:endParaRPr b="0" lang="es-AR" sz="3200" spc="-1" strike="noStrike">
+            <a:endParaRPr b="0" lang="en-GB" sz="3200" spc="-1" strike="noStrike">
               <a:latin typeface="Arial"/>
             </a:endParaRPr>
           </a:p>
@@ -4504,7 +4504,7 @@
             <a:normAutofit/>
           </a:bodyPr>
           <a:p>
-            <a:endParaRPr b="0" lang="es-AR" sz="3200" spc="-1" strike="noStrike">
+            <a:endParaRPr b="0" lang="en-GB" sz="3200" spc="-1" strike="noStrike">
               <a:latin typeface="Arial"/>
             </a:endParaRPr>
           </a:p>
@@ -4557,7 +4557,7 @@
           </a:bodyPr>
           <a:p>
             <a:pPr algn="ctr"/>
-            <a:endParaRPr b="0" lang="es-AR" sz="4400" spc="-1" strike="noStrike">
+            <a:endParaRPr b="0" lang="en-GB" sz="4400" spc="-1" strike="noStrike">
               <a:latin typeface="Arial"/>
             </a:endParaRPr>
           </a:p>
@@ -4587,7 +4587,7 @@
             <a:normAutofit/>
           </a:bodyPr>
           <a:p>
-            <a:endParaRPr b="0" lang="es-AR" sz="3200" spc="-1" strike="noStrike">
+            <a:endParaRPr b="0" lang="en-GB" sz="3200" spc="-1" strike="noStrike">
               <a:latin typeface="Arial"/>
             </a:endParaRPr>
           </a:p>
@@ -4617,7 +4617,7 @@
             <a:normAutofit/>
           </a:bodyPr>
           <a:p>
-            <a:endParaRPr b="0" lang="es-AR" sz="3200" spc="-1" strike="noStrike">
+            <a:endParaRPr b="0" lang="en-GB" sz="3200" spc="-1" strike="noStrike">
               <a:latin typeface="Arial"/>
             </a:endParaRPr>
           </a:p>
@@ -4647,7 +4647,7 @@
             <a:normAutofit/>
           </a:bodyPr>
           <a:p>
-            <a:endParaRPr b="0" lang="es-AR" sz="3200" spc="-1" strike="noStrike">
+            <a:endParaRPr b="0" lang="en-GB" sz="3200" spc="-1" strike="noStrike">
               <a:latin typeface="Arial"/>
             </a:endParaRPr>
           </a:p>
@@ -4677,7 +4677,7 @@
             <a:normAutofit/>
           </a:bodyPr>
           <a:p>
-            <a:endParaRPr b="0" lang="es-AR" sz="3200" spc="-1" strike="noStrike">
+            <a:endParaRPr b="0" lang="en-GB" sz="3200" spc="-1" strike="noStrike">
               <a:latin typeface="Arial"/>
             </a:endParaRPr>
           </a:p>
@@ -4730,7 +4730,7 @@
           </a:bodyPr>
           <a:p>
             <a:pPr algn="ctr"/>
-            <a:endParaRPr b="0" lang="es-AR" sz="4400" spc="-1" strike="noStrike">
+            <a:endParaRPr b="0" lang="en-GB" sz="4400" spc="-1" strike="noStrike">
               <a:latin typeface="Arial"/>
             </a:endParaRPr>
           </a:p>
@@ -4760,7 +4760,7 @@
             <a:normAutofit/>
           </a:bodyPr>
           <a:p>
-            <a:endParaRPr b="0" lang="es-AR" sz="3200" spc="-1" strike="noStrike">
+            <a:endParaRPr b="0" lang="en-GB" sz="3200" spc="-1" strike="noStrike">
               <a:latin typeface="Arial"/>
             </a:endParaRPr>
           </a:p>
@@ -4790,7 +4790,7 @@
             <a:normAutofit/>
           </a:bodyPr>
           <a:p>
-            <a:endParaRPr b="0" lang="es-AR" sz="3200" spc="-1" strike="noStrike">
+            <a:endParaRPr b="0" lang="en-GB" sz="3200" spc="-1" strike="noStrike">
               <a:latin typeface="Arial"/>
             </a:endParaRPr>
           </a:p>
@@ -4820,7 +4820,7 @@
             <a:normAutofit/>
           </a:bodyPr>
           <a:p>
-            <a:endParaRPr b="0" lang="es-AR" sz="3200" spc="-1" strike="noStrike">
+            <a:endParaRPr b="0" lang="en-GB" sz="3200" spc="-1" strike="noStrike">
               <a:latin typeface="Arial"/>
             </a:endParaRPr>
           </a:p>
@@ -4850,7 +4850,7 @@
             <a:normAutofit/>
           </a:bodyPr>
           <a:p>
-            <a:endParaRPr b="0" lang="es-AR" sz="3200" spc="-1" strike="noStrike">
+            <a:endParaRPr b="0" lang="en-GB" sz="3200" spc="-1" strike="noStrike">
               <a:latin typeface="Arial"/>
             </a:endParaRPr>
           </a:p>
@@ -4880,7 +4880,7 @@
             <a:normAutofit/>
           </a:bodyPr>
           <a:p>
-            <a:endParaRPr b="0" lang="es-AR" sz="3200" spc="-1" strike="noStrike">
+            <a:endParaRPr b="0" lang="en-GB" sz="3200" spc="-1" strike="noStrike">
               <a:latin typeface="Arial"/>
             </a:endParaRPr>
           </a:p>
@@ -4910,7 +4910,7 @@
             <a:normAutofit/>
           </a:bodyPr>
           <a:p>
-            <a:endParaRPr b="0" lang="es-AR" sz="3200" spc="-1" strike="noStrike">
+            <a:endParaRPr b="0" lang="en-GB" sz="3200" spc="-1" strike="noStrike">
               <a:latin typeface="Arial"/>
             </a:endParaRPr>
           </a:p>
@@ -4985,7 +4985,7 @@
           </a:bodyPr>
           <a:p>
             <a:pPr algn="ctr"/>
-            <a:endParaRPr b="0" lang="es-AR" sz="4400" spc="-1" strike="noStrike">
+            <a:endParaRPr b="0" lang="en-GB" sz="4400" spc="-1" strike="noStrike">
               <a:latin typeface="Arial"/>
             </a:endParaRPr>
           </a:p>
@@ -5038,7 +5038,7 @@
           </a:bodyPr>
           <a:p>
             <a:pPr algn="ctr"/>
-            <a:endParaRPr b="0" lang="es-AR" sz="4400" spc="-1" strike="noStrike">
+            <a:endParaRPr b="0" lang="en-GB" sz="4400" spc="-1" strike="noStrike">
               <a:latin typeface="Arial"/>
             </a:endParaRPr>
           </a:p>
@@ -5069,7 +5069,7 @@
           </a:bodyPr>
           <a:p>
             <a:pPr algn="ctr"/>
-            <a:endParaRPr b="0" lang="es-AR" sz="3200" spc="-1" strike="noStrike">
+            <a:endParaRPr b="0" lang="en-GB" sz="3200" spc="-1" strike="noStrike">
               <a:latin typeface="Arial"/>
             </a:endParaRPr>
           </a:p>
@@ -5122,7 +5122,7 @@
           </a:bodyPr>
           <a:p>
             <a:pPr algn="ctr"/>
-            <a:endParaRPr b="0" lang="es-AR" sz="4400" spc="-1" strike="noStrike">
+            <a:endParaRPr b="0" lang="en-GB" sz="4400" spc="-1" strike="noStrike">
               <a:latin typeface="Arial"/>
             </a:endParaRPr>
           </a:p>
@@ -5152,7 +5152,7 @@
             <a:normAutofit/>
           </a:bodyPr>
           <a:p>
-            <a:endParaRPr b="0" lang="es-AR" sz="3200" spc="-1" strike="noStrike">
+            <a:endParaRPr b="0" lang="en-GB" sz="3200" spc="-1" strike="noStrike">
               <a:latin typeface="Arial"/>
             </a:endParaRPr>
           </a:p>
@@ -5205,7 +5205,7 @@
           </a:bodyPr>
           <a:p>
             <a:pPr algn="ctr"/>
-            <a:endParaRPr b="0" lang="es-AR" sz="4400" spc="-1" strike="noStrike">
+            <a:endParaRPr b="0" lang="en-GB" sz="4400" spc="-1" strike="noStrike">
               <a:latin typeface="Arial"/>
             </a:endParaRPr>
           </a:p>
@@ -5235,7 +5235,7 @@
             <a:normAutofit/>
           </a:bodyPr>
           <a:p>
-            <a:endParaRPr b="0" lang="es-AR" sz="3200" spc="-1" strike="noStrike">
+            <a:endParaRPr b="0" lang="en-GB" sz="3200" spc="-1" strike="noStrike">
               <a:latin typeface="Arial"/>
             </a:endParaRPr>
           </a:p>
@@ -5265,7 +5265,7 @@
             <a:normAutofit/>
           </a:bodyPr>
           <a:p>
-            <a:endParaRPr b="0" lang="es-AR" sz="3200" spc="-1" strike="noStrike">
+            <a:endParaRPr b="0" lang="en-GB" sz="3200" spc="-1" strike="noStrike">
               <a:latin typeface="Arial"/>
             </a:endParaRPr>
           </a:p>
@@ -5318,7 +5318,7 @@
           </a:bodyPr>
           <a:p>
             <a:pPr algn="ctr"/>
-            <a:endParaRPr b="0" lang="es-AR" sz="4400" spc="-1" strike="noStrike">
+            <a:endParaRPr b="0" lang="en-GB" sz="4400" spc="-1" strike="noStrike">
               <a:latin typeface="Arial"/>
             </a:endParaRPr>
           </a:p>
@@ -5371,7 +5371,7 @@
           </a:bodyPr>
           <a:p>
             <a:pPr algn="ctr"/>
-            <a:endParaRPr b="0" lang="es-AR" sz="3200" spc="-1" strike="noStrike">
+            <a:endParaRPr b="0" lang="en-GB" sz="3200" spc="-1" strike="noStrike">
               <a:latin typeface="Arial"/>
             </a:endParaRPr>
           </a:p>
@@ -5424,7 +5424,7 @@
           </a:bodyPr>
           <a:p>
             <a:pPr algn="ctr"/>
-            <a:endParaRPr b="0" lang="es-AR" sz="4400" spc="-1" strike="noStrike">
+            <a:endParaRPr b="0" lang="en-GB" sz="4400" spc="-1" strike="noStrike">
               <a:latin typeface="Arial"/>
             </a:endParaRPr>
           </a:p>
@@ -5454,7 +5454,7 @@
             <a:normAutofit/>
           </a:bodyPr>
           <a:p>
-            <a:endParaRPr b="0" lang="es-AR" sz="3200" spc="-1" strike="noStrike">
+            <a:endParaRPr b="0" lang="en-GB" sz="3200" spc="-1" strike="noStrike">
               <a:latin typeface="Arial"/>
             </a:endParaRPr>
           </a:p>
@@ -5484,7 +5484,7 @@
             <a:normAutofit/>
           </a:bodyPr>
           <a:p>
-            <a:endParaRPr b="0" lang="es-AR" sz="3200" spc="-1" strike="noStrike">
+            <a:endParaRPr b="0" lang="en-GB" sz="3200" spc="-1" strike="noStrike">
               <a:latin typeface="Arial"/>
             </a:endParaRPr>
           </a:p>
@@ -5514,7 +5514,7 @@
             <a:normAutofit/>
           </a:bodyPr>
           <a:p>
-            <a:endParaRPr b="0" lang="es-AR" sz="3200" spc="-1" strike="noStrike">
+            <a:endParaRPr b="0" lang="en-GB" sz="3200" spc="-1" strike="noStrike">
               <a:latin typeface="Arial"/>
             </a:endParaRPr>
           </a:p>
@@ -5567,7 +5567,7 @@
           </a:bodyPr>
           <a:p>
             <a:pPr algn="ctr"/>
-            <a:endParaRPr b="0" lang="es-AR" sz="4400" spc="-1" strike="noStrike">
+            <a:endParaRPr b="0" lang="en-GB" sz="4400" spc="-1" strike="noStrike">
               <a:latin typeface="Arial"/>
             </a:endParaRPr>
           </a:p>
@@ -5597,7 +5597,7 @@
             <a:normAutofit/>
           </a:bodyPr>
           <a:p>
-            <a:endParaRPr b="0" lang="es-AR" sz="3200" spc="-1" strike="noStrike">
+            <a:endParaRPr b="0" lang="en-GB" sz="3200" spc="-1" strike="noStrike">
               <a:latin typeface="Arial"/>
             </a:endParaRPr>
           </a:p>
@@ -5627,7 +5627,7 @@
             <a:normAutofit/>
           </a:bodyPr>
           <a:p>
-            <a:endParaRPr b="0" lang="es-AR" sz="3200" spc="-1" strike="noStrike">
+            <a:endParaRPr b="0" lang="en-GB" sz="3200" spc="-1" strike="noStrike">
               <a:latin typeface="Arial"/>
             </a:endParaRPr>
           </a:p>
@@ -5657,7 +5657,7 @@
             <a:normAutofit/>
           </a:bodyPr>
           <a:p>
-            <a:endParaRPr b="0" lang="es-AR" sz="3200" spc="-1" strike="noStrike">
+            <a:endParaRPr b="0" lang="en-GB" sz="3200" spc="-1" strike="noStrike">
               <a:latin typeface="Arial"/>
             </a:endParaRPr>
           </a:p>
@@ -5710,7 +5710,7 @@
           </a:bodyPr>
           <a:p>
             <a:pPr algn="ctr"/>
-            <a:endParaRPr b="0" lang="es-AR" sz="4400" spc="-1" strike="noStrike">
+            <a:endParaRPr b="0" lang="en-GB" sz="4400" spc="-1" strike="noStrike">
               <a:latin typeface="Arial"/>
             </a:endParaRPr>
           </a:p>
@@ -5740,7 +5740,7 @@
             <a:normAutofit/>
           </a:bodyPr>
           <a:p>
-            <a:endParaRPr b="0" lang="es-AR" sz="3200" spc="-1" strike="noStrike">
+            <a:endParaRPr b="0" lang="en-GB" sz="3200" spc="-1" strike="noStrike">
               <a:latin typeface="Arial"/>
             </a:endParaRPr>
           </a:p>
@@ -5770,7 +5770,7 @@
             <a:normAutofit/>
           </a:bodyPr>
           <a:p>
-            <a:endParaRPr b="0" lang="es-AR" sz="3200" spc="-1" strike="noStrike">
+            <a:endParaRPr b="0" lang="en-GB" sz="3200" spc="-1" strike="noStrike">
               <a:latin typeface="Arial"/>
             </a:endParaRPr>
           </a:p>
@@ -5800,7 +5800,7 @@
             <a:normAutofit/>
           </a:bodyPr>
           <a:p>
-            <a:endParaRPr b="0" lang="es-AR" sz="3200" spc="-1" strike="noStrike">
+            <a:endParaRPr b="0" lang="en-GB" sz="3200" spc="-1" strike="noStrike">
               <a:latin typeface="Arial"/>
             </a:endParaRPr>
           </a:p>
@@ -5853,7 +5853,7 @@
           </a:bodyPr>
           <a:p>
             <a:pPr algn="ctr"/>
-            <a:endParaRPr b="0" lang="es-AR" sz="4400" spc="-1" strike="noStrike">
+            <a:endParaRPr b="0" lang="en-GB" sz="4400" spc="-1" strike="noStrike">
               <a:latin typeface="Arial"/>
             </a:endParaRPr>
           </a:p>
@@ -5883,7 +5883,7 @@
             <a:normAutofit/>
           </a:bodyPr>
           <a:p>
-            <a:endParaRPr b="0" lang="es-AR" sz="3200" spc="-1" strike="noStrike">
+            <a:endParaRPr b="0" lang="en-GB" sz="3200" spc="-1" strike="noStrike">
               <a:latin typeface="Arial"/>
             </a:endParaRPr>
           </a:p>
@@ -5913,7 +5913,7 @@
             <a:normAutofit/>
           </a:bodyPr>
           <a:p>
-            <a:endParaRPr b="0" lang="es-AR" sz="3200" spc="-1" strike="noStrike">
+            <a:endParaRPr b="0" lang="en-GB" sz="3200" spc="-1" strike="noStrike">
               <a:latin typeface="Arial"/>
             </a:endParaRPr>
           </a:p>
@@ -5966,7 +5966,7 @@
           </a:bodyPr>
           <a:p>
             <a:pPr algn="ctr"/>
-            <a:endParaRPr b="0" lang="es-AR" sz="4400" spc="-1" strike="noStrike">
+            <a:endParaRPr b="0" lang="en-GB" sz="4400" spc="-1" strike="noStrike">
               <a:latin typeface="Arial"/>
             </a:endParaRPr>
           </a:p>
@@ -5996,7 +5996,7 @@
             <a:normAutofit/>
           </a:bodyPr>
           <a:p>
-            <a:endParaRPr b="0" lang="es-AR" sz="3200" spc="-1" strike="noStrike">
+            <a:endParaRPr b="0" lang="en-GB" sz="3200" spc="-1" strike="noStrike">
               <a:latin typeface="Arial"/>
             </a:endParaRPr>
           </a:p>
@@ -6026,7 +6026,7 @@
             <a:normAutofit/>
           </a:bodyPr>
           <a:p>
-            <a:endParaRPr b="0" lang="es-AR" sz="3200" spc="-1" strike="noStrike">
+            <a:endParaRPr b="0" lang="en-GB" sz="3200" spc="-1" strike="noStrike">
               <a:latin typeface="Arial"/>
             </a:endParaRPr>
           </a:p>
@@ -6056,7 +6056,7 @@
             <a:normAutofit/>
           </a:bodyPr>
           <a:p>
-            <a:endParaRPr b="0" lang="es-AR" sz="3200" spc="-1" strike="noStrike">
+            <a:endParaRPr b="0" lang="en-GB" sz="3200" spc="-1" strike="noStrike">
               <a:latin typeface="Arial"/>
             </a:endParaRPr>
           </a:p>
@@ -6086,7 +6086,7 @@
             <a:normAutofit/>
           </a:bodyPr>
           <a:p>
-            <a:endParaRPr b="0" lang="es-AR" sz="3200" spc="-1" strike="noStrike">
+            <a:endParaRPr b="0" lang="en-GB" sz="3200" spc="-1" strike="noStrike">
               <a:latin typeface="Arial"/>
             </a:endParaRPr>
           </a:p>
@@ -6139,7 +6139,7 @@
           </a:bodyPr>
           <a:p>
             <a:pPr algn="ctr"/>
-            <a:endParaRPr b="0" lang="es-AR" sz="3200" spc="-1" strike="noStrike">
+            <a:endParaRPr b="0" lang="en-GB" sz="3200" spc="-1" strike="noStrike">
               <a:latin typeface="Arial"/>
             </a:endParaRPr>
           </a:p>
@@ -6192,7 +6192,7 @@
           </a:bodyPr>
           <a:p>
             <a:pPr algn="ctr"/>
-            <a:endParaRPr b="0" lang="es-AR" sz="4400" spc="-1" strike="noStrike">
+            <a:endParaRPr b="0" lang="en-GB" sz="4400" spc="-1" strike="noStrike">
               <a:latin typeface="Arial"/>
             </a:endParaRPr>
           </a:p>
@@ -6222,7 +6222,7 @@
             <a:normAutofit/>
           </a:bodyPr>
           <a:p>
-            <a:endParaRPr b="0" lang="es-AR" sz="3200" spc="-1" strike="noStrike">
+            <a:endParaRPr b="0" lang="en-GB" sz="3200" spc="-1" strike="noStrike">
               <a:latin typeface="Arial"/>
             </a:endParaRPr>
           </a:p>
@@ -6252,7 +6252,7 @@
             <a:normAutofit/>
           </a:bodyPr>
           <a:p>
-            <a:endParaRPr b="0" lang="es-AR" sz="3200" spc="-1" strike="noStrike">
+            <a:endParaRPr b="0" lang="en-GB" sz="3200" spc="-1" strike="noStrike">
               <a:latin typeface="Arial"/>
             </a:endParaRPr>
           </a:p>
@@ -6282,7 +6282,7 @@
             <a:normAutofit/>
           </a:bodyPr>
           <a:p>
-            <a:endParaRPr b="0" lang="es-AR" sz="3200" spc="-1" strike="noStrike">
+            <a:endParaRPr b="0" lang="en-GB" sz="3200" spc="-1" strike="noStrike">
               <a:latin typeface="Arial"/>
             </a:endParaRPr>
           </a:p>
@@ -6312,7 +6312,7 @@
             <a:normAutofit/>
           </a:bodyPr>
           <a:p>
-            <a:endParaRPr b="0" lang="es-AR" sz="3200" spc="-1" strike="noStrike">
+            <a:endParaRPr b="0" lang="en-GB" sz="3200" spc="-1" strike="noStrike">
               <a:latin typeface="Arial"/>
             </a:endParaRPr>
           </a:p>
@@ -6342,7 +6342,7 @@
             <a:normAutofit/>
           </a:bodyPr>
           <a:p>
-            <a:endParaRPr b="0" lang="es-AR" sz="3200" spc="-1" strike="noStrike">
+            <a:endParaRPr b="0" lang="en-GB" sz="3200" spc="-1" strike="noStrike">
               <a:latin typeface="Arial"/>
             </a:endParaRPr>
           </a:p>
@@ -6372,7 +6372,7 @@
             <a:normAutofit/>
           </a:bodyPr>
           <a:p>
-            <a:endParaRPr b="0" lang="es-AR" sz="3200" spc="-1" strike="noStrike">
+            <a:endParaRPr b="0" lang="en-GB" sz="3200" spc="-1" strike="noStrike">
               <a:latin typeface="Arial"/>
             </a:endParaRPr>
           </a:p>
@@ -6447,7 +6447,7 @@
           </a:bodyPr>
           <a:p>
             <a:pPr algn="ctr"/>
-            <a:endParaRPr b="0" lang="es-AR" sz="4400" spc="-1" strike="noStrike">
+            <a:endParaRPr b="0" lang="en-GB" sz="4400" spc="-1" strike="noStrike">
               <a:latin typeface="Arial"/>
             </a:endParaRPr>
           </a:p>
@@ -6478,7 +6478,7 @@
           </a:bodyPr>
           <a:p>
             <a:pPr algn="ctr"/>
-            <a:endParaRPr b="0" lang="es-AR" sz="3200" spc="-1" strike="noStrike">
+            <a:endParaRPr b="0" lang="en-GB" sz="3200" spc="-1" strike="noStrike">
               <a:latin typeface="Arial"/>
             </a:endParaRPr>
           </a:p>
@@ -6531,7 +6531,7 @@
           </a:bodyPr>
           <a:p>
             <a:pPr algn="ctr"/>
-            <a:endParaRPr b="0" lang="es-AR" sz="4400" spc="-1" strike="noStrike">
+            <a:endParaRPr b="0" lang="en-GB" sz="4400" spc="-1" strike="noStrike">
               <a:latin typeface="Arial"/>
             </a:endParaRPr>
           </a:p>
@@ -6561,7 +6561,7 @@
             <a:normAutofit/>
           </a:bodyPr>
           <a:p>
-            <a:endParaRPr b="0" lang="es-AR" sz="3200" spc="-1" strike="noStrike">
+            <a:endParaRPr b="0" lang="en-GB" sz="3200" spc="-1" strike="noStrike">
               <a:latin typeface="Arial"/>
             </a:endParaRPr>
           </a:p>
@@ -6614,7 +6614,7 @@
           </a:bodyPr>
           <a:p>
             <a:pPr algn="ctr"/>
-            <a:endParaRPr b="0" lang="es-AR" sz="4400" spc="-1" strike="noStrike">
+            <a:endParaRPr b="0" lang="en-GB" sz="4400" spc="-1" strike="noStrike">
               <a:latin typeface="Arial"/>
             </a:endParaRPr>
           </a:p>
@@ -6644,7 +6644,7 @@
             <a:normAutofit/>
           </a:bodyPr>
           <a:p>
-            <a:endParaRPr b="0" lang="es-AR" sz="3200" spc="-1" strike="noStrike">
+            <a:endParaRPr b="0" lang="en-GB" sz="3200" spc="-1" strike="noStrike">
               <a:latin typeface="Arial"/>
             </a:endParaRPr>
           </a:p>
@@ -6674,7 +6674,7 @@
             <a:normAutofit/>
           </a:bodyPr>
           <a:p>
-            <a:endParaRPr b="0" lang="es-AR" sz="3200" spc="-1" strike="noStrike">
+            <a:endParaRPr b="0" lang="en-GB" sz="3200" spc="-1" strike="noStrike">
               <a:latin typeface="Arial"/>
             </a:endParaRPr>
           </a:p>
@@ -6727,7 +6727,7 @@
           </a:bodyPr>
           <a:p>
             <a:pPr algn="ctr"/>
-            <a:endParaRPr b="0" lang="es-AR" sz="4400" spc="-1" strike="noStrike">
+            <a:endParaRPr b="0" lang="en-GB" sz="4400" spc="-1" strike="noStrike">
               <a:latin typeface="Arial"/>
             </a:endParaRPr>
           </a:p>
@@ -6780,7 +6780,7 @@
           </a:bodyPr>
           <a:p>
             <a:pPr algn="ctr"/>
-            <a:endParaRPr b="0" lang="es-AR" sz="3200" spc="-1" strike="noStrike">
+            <a:endParaRPr b="0" lang="en-GB" sz="3200" spc="-1" strike="noStrike">
               <a:latin typeface="Arial"/>
             </a:endParaRPr>
           </a:p>
@@ -6833,7 +6833,7 @@
           </a:bodyPr>
           <a:p>
             <a:pPr algn="ctr"/>
-            <a:endParaRPr b="0" lang="es-AR" sz="4400" spc="-1" strike="noStrike">
+            <a:endParaRPr b="0" lang="en-GB" sz="4400" spc="-1" strike="noStrike">
               <a:latin typeface="Arial"/>
             </a:endParaRPr>
           </a:p>
@@ -6863,7 +6863,7 @@
             <a:normAutofit/>
           </a:bodyPr>
           <a:p>
-            <a:endParaRPr b="0" lang="es-AR" sz="3200" spc="-1" strike="noStrike">
+            <a:endParaRPr b="0" lang="en-GB" sz="3200" spc="-1" strike="noStrike">
               <a:latin typeface="Arial"/>
             </a:endParaRPr>
           </a:p>
@@ -6893,7 +6893,7 @@
             <a:normAutofit/>
           </a:bodyPr>
           <a:p>
-            <a:endParaRPr b="0" lang="es-AR" sz="3200" spc="-1" strike="noStrike">
+            <a:endParaRPr b="0" lang="en-GB" sz="3200" spc="-1" strike="noStrike">
               <a:latin typeface="Arial"/>
             </a:endParaRPr>
           </a:p>
@@ -6923,7 +6923,7 @@
             <a:normAutofit/>
           </a:bodyPr>
           <a:p>
-            <a:endParaRPr b="0" lang="es-AR" sz="3200" spc="-1" strike="noStrike">
+            <a:endParaRPr b="0" lang="en-GB" sz="3200" spc="-1" strike="noStrike">
               <a:latin typeface="Arial"/>
             </a:endParaRPr>
           </a:p>
@@ -6976,7 +6976,7 @@
           </a:bodyPr>
           <a:p>
             <a:pPr algn="ctr"/>
-            <a:endParaRPr b="0" lang="es-AR" sz="4400" spc="-1" strike="noStrike">
+            <a:endParaRPr b="0" lang="en-GB" sz="4400" spc="-1" strike="noStrike">
               <a:latin typeface="Arial"/>
             </a:endParaRPr>
           </a:p>
@@ -7006,7 +7006,7 @@
             <a:normAutofit/>
           </a:bodyPr>
           <a:p>
-            <a:endParaRPr b="0" lang="es-AR" sz="3200" spc="-1" strike="noStrike">
+            <a:endParaRPr b="0" lang="en-GB" sz="3200" spc="-1" strike="noStrike">
               <a:latin typeface="Arial"/>
             </a:endParaRPr>
           </a:p>
@@ -7036,7 +7036,7 @@
             <a:normAutofit/>
           </a:bodyPr>
           <a:p>
-            <a:endParaRPr b="0" lang="es-AR" sz="3200" spc="-1" strike="noStrike">
+            <a:endParaRPr b="0" lang="en-GB" sz="3200" spc="-1" strike="noStrike">
               <a:latin typeface="Arial"/>
             </a:endParaRPr>
           </a:p>
@@ -7066,7 +7066,7 @@
             <a:normAutofit/>
           </a:bodyPr>
           <a:p>
-            <a:endParaRPr b="0" lang="es-AR" sz="3200" spc="-1" strike="noStrike">
+            <a:endParaRPr b="0" lang="en-GB" sz="3200" spc="-1" strike="noStrike">
               <a:latin typeface="Arial"/>
             </a:endParaRPr>
           </a:p>
@@ -7119,7 +7119,7 @@
           </a:bodyPr>
           <a:p>
             <a:pPr algn="ctr"/>
-            <a:endParaRPr b="0" lang="es-AR" sz="4400" spc="-1" strike="noStrike">
+            <a:endParaRPr b="0" lang="en-GB" sz="4400" spc="-1" strike="noStrike">
               <a:latin typeface="Arial"/>
             </a:endParaRPr>
           </a:p>
@@ -7149,7 +7149,7 @@
             <a:normAutofit/>
           </a:bodyPr>
           <a:p>
-            <a:endParaRPr b="0" lang="es-AR" sz="3200" spc="-1" strike="noStrike">
+            <a:endParaRPr b="0" lang="en-GB" sz="3200" spc="-1" strike="noStrike">
               <a:latin typeface="Arial"/>
             </a:endParaRPr>
           </a:p>
@@ -7179,7 +7179,7 @@
             <a:normAutofit/>
           </a:bodyPr>
           <a:p>
-            <a:endParaRPr b="0" lang="es-AR" sz="3200" spc="-1" strike="noStrike">
+            <a:endParaRPr b="0" lang="en-GB" sz="3200" spc="-1" strike="noStrike">
               <a:latin typeface="Arial"/>
             </a:endParaRPr>
           </a:p>
@@ -7209,7 +7209,7 @@
             <a:normAutofit/>
           </a:bodyPr>
           <a:p>
-            <a:endParaRPr b="0" lang="es-AR" sz="3200" spc="-1" strike="noStrike">
+            <a:endParaRPr b="0" lang="en-GB" sz="3200" spc="-1" strike="noStrike">
               <a:latin typeface="Arial"/>
             </a:endParaRPr>
           </a:p>
@@ -7262,7 +7262,7 @@
           </a:bodyPr>
           <a:p>
             <a:pPr algn="ctr"/>
-            <a:endParaRPr b="0" lang="es-AR" sz="4400" spc="-1" strike="noStrike">
+            <a:endParaRPr b="0" lang="en-GB" sz="4400" spc="-1" strike="noStrike">
               <a:latin typeface="Arial"/>
             </a:endParaRPr>
           </a:p>
@@ -7292,7 +7292,7 @@
             <a:normAutofit/>
           </a:bodyPr>
           <a:p>
-            <a:endParaRPr b="0" lang="es-AR" sz="3200" spc="-1" strike="noStrike">
+            <a:endParaRPr b="0" lang="en-GB" sz="3200" spc="-1" strike="noStrike">
               <a:latin typeface="Arial"/>
             </a:endParaRPr>
           </a:p>
@@ -7322,7 +7322,7 @@
             <a:normAutofit/>
           </a:bodyPr>
           <a:p>
-            <a:endParaRPr b="0" lang="es-AR" sz="3200" spc="-1" strike="noStrike">
+            <a:endParaRPr b="0" lang="en-GB" sz="3200" spc="-1" strike="noStrike">
               <a:latin typeface="Arial"/>
             </a:endParaRPr>
           </a:p>
@@ -7352,7 +7352,7 @@
             <a:normAutofit/>
           </a:bodyPr>
           <a:p>
-            <a:endParaRPr b="0" lang="es-AR" sz="3200" spc="-1" strike="noStrike">
+            <a:endParaRPr b="0" lang="en-GB" sz="3200" spc="-1" strike="noStrike">
               <a:latin typeface="Arial"/>
             </a:endParaRPr>
           </a:p>
@@ -7405,7 +7405,7 @@
           </a:bodyPr>
           <a:p>
             <a:pPr algn="ctr"/>
-            <a:endParaRPr b="0" lang="es-AR" sz="4400" spc="-1" strike="noStrike">
+            <a:endParaRPr b="0" lang="en-GB" sz="4400" spc="-1" strike="noStrike">
               <a:latin typeface="Arial"/>
             </a:endParaRPr>
           </a:p>
@@ -7435,7 +7435,7 @@
             <a:normAutofit/>
           </a:bodyPr>
           <a:p>
-            <a:endParaRPr b="0" lang="es-AR" sz="3200" spc="-1" strike="noStrike">
+            <a:endParaRPr b="0" lang="en-GB" sz="3200" spc="-1" strike="noStrike">
               <a:latin typeface="Arial"/>
             </a:endParaRPr>
           </a:p>
@@ -7465,7 +7465,7 @@
             <a:normAutofit/>
           </a:bodyPr>
           <a:p>
-            <a:endParaRPr b="0" lang="es-AR" sz="3200" spc="-1" strike="noStrike">
+            <a:endParaRPr b="0" lang="en-GB" sz="3200" spc="-1" strike="noStrike">
               <a:latin typeface="Arial"/>
             </a:endParaRPr>
           </a:p>
@@ -7518,7 +7518,7 @@
           </a:bodyPr>
           <a:p>
             <a:pPr algn="ctr"/>
-            <a:endParaRPr b="0" lang="es-AR" sz="4400" spc="-1" strike="noStrike">
+            <a:endParaRPr b="0" lang="en-GB" sz="4400" spc="-1" strike="noStrike">
               <a:latin typeface="Arial"/>
             </a:endParaRPr>
           </a:p>
@@ -7548,7 +7548,7 @@
             <a:normAutofit/>
           </a:bodyPr>
           <a:p>
-            <a:endParaRPr b="0" lang="es-AR" sz="3200" spc="-1" strike="noStrike">
+            <a:endParaRPr b="0" lang="en-GB" sz="3200" spc="-1" strike="noStrike">
               <a:latin typeface="Arial"/>
             </a:endParaRPr>
           </a:p>
@@ -7578,7 +7578,7 @@
             <a:normAutofit/>
           </a:bodyPr>
           <a:p>
-            <a:endParaRPr b="0" lang="es-AR" sz="3200" spc="-1" strike="noStrike">
+            <a:endParaRPr b="0" lang="en-GB" sz="3200" spc="-1" strike="noStrike">
               <a:latin typeface="Arial"/>
             </a:endParaRPr>
           </a:p>
@@ -7608,7 +7608,7 @@
             <a:normAutofit/>
           </a:bodyPr>
           <a:p>
-            <a:endParaRPr b="0" lang="es-AR" sz="3200" spc="-1" strike="noStrike">
+            <a:endParaRPr b="0" lang="en-GB" sz="3200" spc="-1" strike="noStrike">
               <a:latin typeface="Arial"/>
             </a:endParaRPr>
           </a:p>
@@ -7638,7 +7638,7 @@
             <a:normAutofit/>
           </a:bodyPr>
           <a:p>
-            <a:endParaRPr b="0" lang="es-AR" sz="3200" spc="-1" strike="noStrike">
+            <a:endParaRPr b="0" lang="en-GB" sz="3200" spc="-1" strike="noStrike">
               <a:latin typeface="Arial"/>
             </a:endParaRPr>
           </a:p>
@@ -7691,7 +7691,7 @@
           </a:bodyPr>
           <a:p>
             <a:pPr algn="ctr"/>
-            <a:endParaRPr b="0" lang="es-AR" sz="4400" spc="-1" strike="noStrike">
+            <a:endParaRPr b="0" lang="en-GB" sz="4400" spc="-1" strike="noStrike">
               <a:latin typeface="Arial"/>
             </a:endParaRPr>
           </a:p>
@@ -7721,7 +7721,7 @@
             <a:normAutofit/>
           </a:bodyPr>
           <a:p>
-            <a:endParaRPr b="0" lang="es-AR" sz="3200" spc="-1" strike="noStrike">
+            <a:endParaRPr b="0" lang="en-GB" sz="3200" spc="-1" strike="noStrike">
               <a:latin typeface="Arial"/>
             </a:endParaRPr>
           </a:p>
@@ -7751,7 +7751,7 @@
             <a:normAutofit/>
           </a:bodyPr>
           <a:p>
-            <a:endParaRPr b="0" lang="es-AR" sz="3200" spc="-1" strike="noStrike">
+            <a:endParaRPr b="0" lang="en-GB" sz="3200" spc="-1" strike="noStrike">
               <a:latin typeface="Arial"/>
             </a:endParaRPr>
           </a:p>
@@ -7781,7 +7781,7 @@
             <a:normAutofit/>
           </a:bodyPr>
           <a:p>
-            <a:endParaRPr b="0" lang="es-AR" sz="3200" spc="-1" strike="noStrike">
+            <a:endParaRPr b="0" lang="en-GB" sz="3200" spc="-1" strike="noStrike">
               <a:latin typeface="Arial"/>
             </a:endParaRPr>
           </a:p>
@@ -7811,7 +7811,7 @@
             <a:normAutofit/>
           </a:bodyPr>
           <a:p>
-            <a:endParaRPr b="0" lang="es-AR" sz="3200" spc="-1" strike="noStrike">
+            <a:endParaRPr b="0" lang="en-GB" sz="3200" spc="-1" strike="noStrike">
               <a:latin typeface="Arial"/>
             </a:endParaRPr>
           </a:p>
@@ -7841,7 +7841,7 @@
             <a:normAutofit/>
           </a:bodyPr>
           <a:p>
-            <a:endParaRPr b="0" lang="es-AR" sz="3200" spc="-1" strike="noStrike">
+            <a:endParaRPr b="0" lang="en-GB" sz="3200" spc="-1" strike="noStrike">
               <a:latin typeface="Arial"/>
             </a:endParaRPr>
           </a:p>
@@ -7871,7 +7871,7 @@
             <a:normAutofit/>
           </a:bodyPr>
           <a:p>
-            <a:endParaRPr b="0" lang="es-AR" sz="3200" spc="-1" strike="noStrike">
+            <a:endParaRPr b="0" lang="en-GB" sz="3200" spc="-1" strike="noStrike">
               <a:latin typeface="Arial"/>
             </a:endParaRPr>
           </a:p>
@@ -7924,7 +7924,7 @@
           </a:bodyPr>
           <a:p>
             <a:pPr algn="ctr"/>
-            <a:endParaRPr b="0" lang="es-AR" sz="4400" spc="-1" strike="noStrike">
+            <a:endParaRPr b="0" lang="en-GB" sz="4400" spc="-1" strike="noStrike">
               <a:latin typeface="Arial"/>
             </a:endParaRPr>
           </a:p>
@@ -7954,7 +7954,7 @@
             <a:normAutofit/>
           </a:bodyPr>
           <a:p>
-            <a:endParaRPr b="0" lang="es-AR" sz="3200" spc="-1" strike="noStrike">
+            <a:endParaRPr b="0" lang="en-GB" sz="3200" spc="-1" strike="noStrike">
               <a:latin typeface="Arial"/>
             </a:endParaRPr>
           </a:p>
@@ -7984,7 +7984,7 @@
             <a:normAutofit/>
           </a:bodyPr>
           <a:p>
-            <a:endParaRPr b="0" lang="es-AR" sz="3200" spc="-1" strike="noStrike">
+            <a:endParaRPr b="0" lang="en-GB" sz="3200" spc="-1" strike="noStrike">
               <a:latin typeface="Arial"/>
             </a:endParaRPr>
           </a:p>
@@ -8014,7 +8014,7 @@
             <a:normAutofit/>
           </a:bodyPr>
           <a:p>
-            <a:endParaRPr b="0" lang="es-AR" sz="3200" spc="-1" strike="noStrike">
+            <a:endParaRPr b="0" lang="en-GB" sz="3200" spc="-1" strike="noStrike">
               <a:latin typeface="Arial"/>
             </a:endParaRPr>
           </a:p>
@@ -8067,7 +8067,7 @@
           </a:bodyPr>
           <a:p>
             <a:pPr algn="ctr"/>
-            <a:endParaRPr b="0" lang="es-AR" sz="4400" spc="-1" strike="noStrike">
+            <a:endParaRPr b="0" lang="en-GB" sz="4400" spc="-1" strike="noStrike">
               <a:latin typeface="Arial"/>
             </a:endParaRPr>
           </a:p>
@@ -8097,7 +8097,7 @@
             <a:normAutofit/>
           </a:bodyPr>
           <a:p>
-            <a:endParaRPr b="0" lang="es-AR" sz="3200" spc="-1" strike="noStrike">
+            <a:endParaRPr b="0" lang="en-GB" sz="3200" spc="-1" strike="noStrike">
               <a:latin typeface="Arial"/>
             </a:endParaRPr>
           </a:p>
@@ -8127,7 +8127,7 @@
             <a:normAutofit/>
           </a:bodyPr>
           <a:p>
-            <a:endParaRPr b="0" lang="es-AR" sz="3200" spc="-1" strike="noStrike">
+            <a:endParaRPr b="0" lang="en-GB" sz="3200" spc="-1" strike="noStrike">
               <a:latin typeface="Arial"/>
             </a:endParaRPr>
           </a:p>
@@ -8157,7 +8157,7 @@
             <a:normAutofit/>
           </a:bodyPr>
           <a:p>
-            <a:endParaRPr b="0" lang="es-AR" sz="3200" spc="-1" strike="noStrike">
+            <a:endParaRPr b="0" lang="en-GB" sz="3200" spc="-1" strike="noStrike">
               <a:latin typeface="Arial"/>
             </a:endParaRPr>
           </a:p>
@@ -8201,9 +8201,9 @@
         <p:grpSpPr>
           <a:xfrm>
             <a:off x="0" y="228600"/>
-            <a:ext cx="2849760" cy="6636960"/>
+            <a:ext cx="2849400" cy="6636600"/>
             <a:chOff x="0" y="228600"/>
-            <a:chExt cx="2849760" cy="6636960"/>
+            <a:chExt cx="2849400" cy="6636600"/>
           </a:xfrm>
         </p:grpSpPr>
         <p:sp>
@@ -8215,7 +8215,7 @@
           <p:spPr>
             <a:xfrm>
               <a:off x="0" y="2575080"/>
-              <a:ext cx="99000" cy="624240"/>
+              <a:ext cx="98640" cy="623880"/>
             </a:xfrm>
             <a:custGeom>
               <a:avLst/>
@@ -8281,7 +8281,7 @@
           <p:spPr>
             <a:xfrm>
               <a:off x="128520" y="3156480"/>
-              <a:ext cx="644760" cy="2320560"/>
+              <a:ext cx="644400" cy="2320200"/>
             </a:xfrm>
             <a:custGeom>
               <a:avLst/>
@@ -8352,7 +8352,7 @@
           <p:spPr>
             <a:xfrm>
               <a:off x="807120" y="5447160"/>
-              <a:ext cx="607680" cy="1418400"/>
+              <a:ext cx="607320" cy="1418040"/>
             </a:xfrm>
             <a:custGeom>
               <a:avLst/>
@@ -8428,7 +8428,7 @@
           <p:spPr>
             <a:xfrm>
               <a:off x="959760" y="6503760"/>
-              <a:ext cx="169560" cy="361800"/>
+              <a:ext cx="169200" cy="361440"/>
             </a:xfrm>
             <a:custGeom>
               <a:avLst/>
@@ -8484,7 +8484,7 @@
           <p:spPr>
             <a:xfrm>
               <a:off x="100800" y="3201120"/>
-              <a:ext cx="820080" cy="3326760"/>
+              <a:ext cx="819720" cy="3326400"/>
             </a:xfrm>
             <a:custGeom>
               <a:avLst/>
@@ -8575,7 +8575,7 @@
           <p:spPr>
             <a:xfrm>
               <a:off x="22320" y="228600"/>
-              <a:ext cx="104400" cy="2926080"/>
+              <a:ext cx="104040" cy="2925720"/>
             </a:xfrm>
             <a:custGeom>
               <a:avLst/>
@@ -8661,7 +8661,7 @@
           <p:spPr>
             <a:xfrm>
               <a:off x="78120" y="2944080"/>
-              <a:ext cx="76320" cy="492120"/>
+              <a:ext cx="75960" cy="491760"/>
             </a:xfrm>
             <a:custGeom>
               <a:avLst/>
@@ -8727,7 +8727,7 @@
           <p:spPr>
             <a:xfrm>
               <a:off x="769680" y="5478840"/>
-              <a:ext cx="188280" cy="1023120"/>
+              <a:ext cx="187920" cy="1022760"/>
             </a:xfrm>
             <a:custGeom>
               <a:avLst/>
@@ -8813,7 +8813,7 @@
           <p:spPr>
             <a:xfrm>
               <a:off x="775440" y="1398960"/>
-              <a:ext cx="2074320" cy="4046400"/>
+              <a:ext cx="2073960" cy="4046040"/>
             </a:xfrm>
             <a:custGeom>
               <a:avLst/>
@@ -8934,7 +8934,7 @@
           <p:spPr>
             <a:xfrm>
               <a:off x="922680" y="6530040"/>
-              <a:ext cx="160200" cy="335520"/>
+              <a:ext cx="159840" cy="335160"/>
             </a:xfrm>
             <a:custGeom>
               <a:avLst/>
@@ -8990,7 +8990,7 @@
           <p:spPr>
             <a:xfrm>
               <a:off x="769680" y="5359320"/>
-              <a:ext cx="35640" cy="219960"/>
+              <a:ext cx="35280" cy="219600"/>
             </a:xfrm>
             <a:custGeom>
               <a:avLst/>
@@ -9056,7 +9056,7 @@
           <p:spPr>
             <a:xfrm>
               <a:off x="849960" y="6244560"/>
-              <a:ext cx="236880" cy="620640"/>
+              <a:ext cx="236520" cy="620280"/>
             </a:xfrm>
             <a:custGeom>
               <a:avLst/>
@@ -9133,9 +9133,9 @@
         <p:grpSpPr>
           <a:xfrm>
             <a:off x="27360" y="-720"/>
-            <a:ext cx="2354760" cy="6852240"/>
+            <a:ext cx="2354400" cy="6851880"/>
             <a:chOff x="27360" y="-720"/>
-            <a:chExt cx="2354760" cy="6852240"/>
+            <a:chExt cx="2354400" cy="6851880"/>
           </a:xfrm>
         </p:grpSpPr>
         <p:sp>
@@ -9147,7 +9147,7 @@
           <p:spPr>
             <a:xfrm>
               <a:off x="27360" y="-720"/>
-              <a:ext cx="492480" cy="4399200"/>
+              <a:ext cx="492120" cy="4398840"/>
             </a:xfrm>
             <a:custGeom>
               <a:avLst/>
@@ -9256,7 +9256,7 @@
           <p:spPr>
             <a:xfrm>
               <a:off x="550440" y="4316400"/>
-              <a:ext cx="421560" cy="1578960"/>
+              <a:ext cx="421200" cy="1578600"/>
             </a:xfrm>
             <a:custGeom>
               <a:avLst/>
@@ -9330,7 +9330,7 @@
           <p:spPr>
             <a:xfrm>
               <a:off x="1006200" y="5862600"/>
-              <a:ext cx="429120" cy="988920"/>
+              <a:ext cx="428760" cy="988560"/>
             </a:xfrm>
             <a:custGeom>
               <a:avLst/>
@@ -9404,7 +9404,7 @@
           <p:spPr>
             <a:xfrm>
               <a:off x="521640" y="4364280"/>
-              <a:ext cx="550080" cy="2234160"/>
+              <a:ext cx="549720" cy="2233800"/>
             </a:xfrm>
             <a:custGeom>
               <a:avLst/>
@@ -9493,7 +9493,7 @@
           <p:spPr>
             <a:xfrm>
               <a:off x="468000" y="1289160"/>
-              <a:ext cx="172440" cy="3025440"/>
+              <a:ext cx="172080" cy="3025080"/>
             </a:xfrm>
             <a:custGeom>
               <a:avLst/>
@@ -9592,7 +9592,7 @@
           <p:spPr>
             <a:xfrm>
               <a:off x="1111680" y="6571440"/>
-              <a:ext cx="132480" cy="279720"/>
+              <a:ext cx="132120" cy="279360"/>
             </a:xfrm>
             <a:custGeom>
               <a:avLst/>
@@ -9646,7 +9646,7 @@
           <p:spPr>
             <a:xfrm>
               <a:off x="502560" y="4107600"/>
-              <a:ext cx="80640" cy="509760"/>
+              <a:ext cx="80280" cy="509400"/>
             </a:xfrm>
             <a:custGeom>
               <a:avLst/>
@@ -9715,7 +9715,7 @@
           <p:spPr>
             <a:xfrm>
               <a:off x="973800" y="3145680"/>
-              <a:ext cx="1408320" cy="2715120"/>
+              <a:ext cx="1407960" cy="2714760"/>
             </a:xfrm>
             <a:custGeom>
               <a:avLst/>
@@ -9829,7 +9829,7 @@
           <p:spPr>
             <a:xfrm>
               <a:off x="1073520" y="6600240"/>
-              <a:ext cx="118800" cy="251280"/>
+              <a:ext cx="118440" cy="250920"/>
             </a:xfrm>
             <a:custGeom>
               <a:avLst/>
@@ -9883,7 +9883,7 @@
           <p:spPr>
             <a:xfrm>
               <a:off x="973800" y="5897160"/>
-              <a:ext cx="136080" cy="672480"/>
+              <a:ext cx="135720" cy="672120"/>
             </a:xfrm>
             <a:custGeom>
               <a:avLst/>
@@ -9957,7 +9957,7 @@
           <p:spPr>
             <a:xfrm>
               <a:off x="973800" y="5772600"/>
-              <a:ext cx="36360" cy="226080"/>
+              <a:ext cx="36000" cy="225720"/>
             </a:xfrm>
             <a:custGeom>
               <a:avLst/>
@@ -10026,7 +10026,7 @@
           <p:spPr>
             <a:xfrm>
               <a:off x="1006200" y="6322680"/>
-              <a:ext cx="208800" cy="528840"/>
+              <a:ext cx="208440" cy="528480"/>
             </a:xfrm>
             <a:custGeom>
               <a:avLst/>
@@ -10101,7 +10101,7 @@
         <p:spPr>
           <a:xfrm>
             <a:off x="0" y="0"/>
-            <a:ext cx="181080" cy="6856200"/>
+            <a:ext cx="180720" cy="6855840"/>
           </a:xfrm>
           <a:prstGeom prst="rect">
             <a:avLst/>
@@ -10142,7 +10142,7 @@
         <p:spPr>
           <a:xfrm>
             <a:off x="0" y="4323960"/>
-            <a:ext cx="1742760" cy="776880"/>
+            <a:ext cx="1742400" cy="776520"/>
           </a:xfrm>
           <a:custGeom>
             <a:avLst/>
@@ -10246,12 +10246,12 @@
           <a:p>
             <a:pPr algn="ctr"/>
             <a:r>
-              <a:rPr b="0" lang="es-AR" sz="4400" spc="-1" strike="noStrike">
+              <a:rPr b="0" lang="en-GB" sz="4400" spc="-1" strike="noStrike">
                 <a:latin typeface="Arial"/>
               </a:rPr>
-              <a:t>Click to edit the title text format</a:t>
+              <a:t>Pulse para editar el formato del texto de título</a:t>
             </a:r>
-            <a:endParaRPr b="0" lang="es-AR" sz="4400" spc="-1" strike="noStrike">
+            <a:endParaRPr b="0" lang="en-GB" sz="4400" spc="-1" strike="noStrike">
               <a:latin typeface="Arial"/>
             </a:endParaRPr>
           </a:p>
@@ -10293,12 +10293,12 @@
               <a:buChar char=""/>
             </a:pPr>
             <a:r>
-              <a:rPr b="0" lang="es-AR" sz="3200" spc="-1" strike="noStrike">
+              <a:rPr b="0" lang="en-GB" sz="3200" spc="-1" strike="noStrike">
                 <a:latin typeface="Arial"/>
               </a:rPr>
-              <a:t>Click to edit the outline text format</a:t>
+              <a:t>Pulse para editar el formato de esquema del texto</a:t>
             </a:r>
-            <a:endParaRPr b="0" lang="es-AR" sz="3200" spc="-1" strike="noStrike">
+            <a:endParaRPr b="0" lang="en-GB" sz="3200" spc="-1" strike="noStrike">
               <a:latin typeface="Arial"/>
             </a:endParaRPr>
           </a:p>
@@ -10315,12 +10315,12 @@
               <a:buChar char=""/>
             </a:pPr>
             <a:r>
-              <a:rPr b="0" lang="es-AR" sz="2800" spc="-1" strike="noStrike">
+              <a:rPr b="0" lang="en-GB" sz="2800" spc="-1" strike="noStrike">
                 <a:latin typeface="Arial"/>
               </a:rPr>
-              <a:t>Second Outline Level</a:t>
+              <a:t>Segundo nivel del esquema</a:t>
             </a:r>
-            <a:endParaRPr b="0" lang="es-AR" sz="2800" spc="-1" strike="noStrike">
+            <a:endParaRPr b="0" lang="en-GB" sz="2800" spc="-1" strike="noStrike">
               <a:latin typeface="Arial"/>
             </a:endParaRPr>
           </a:p>
@@ -10337,12 +10337,12 @@
               <a:buChar char=""/>
             </a:pPr>
             <a:r>
-              <a:rPr b="0" lang="es-AR" sz="2400" spc="-1" strike="noStrike">
+              <a:rPr b="0" lang="en-GB" sz="2400" spc="-1" strike="noStrike">
                 <a:latin typeface="Arial"/>
               </a:rPr>
-              <a:t>Third Outline Level</a:t>
+              <a:t>Tercer nivel del esquema</a:t>
             </a:r>
-            <a:endParaRPr b="0" lang="es-AR" sz="2400" spc="-1" strike="noStrike">
+            <a:endParaRPr b="0" lang="en-GB" sz="2400" spc="-1" strike="noStrike">
               <a:latin typeface="Arial"/>
             </a:endParaRPr>
           </a:p>
@@ -10359,12 +10359,12 @@
               <a:buChar char=""/>
             </a:pPr>
             <a:r>
-              <a:rPr b="0" lang="es-AR" sz="2000" spc="-1" strike="noStrike">
+              <a:rPr b="0" lang="en-GB" sz="2000" spc="-1" strike="noStrike">
                 <a:latin typeface="Arial"/>
               </a:rPr>
-              <a:t>Fourth Outline Level</a:t>
+              <a:t>Cuarto nivel del esquema</a:t>
             </a:r>
-            <a:endParaRPr b="0" lang="es-AR" sz="2000" spc="-1" strike="noStrike">
+            <a:endParaRPr b="0" lang="en-GB" sz="2000" spc="-1" strike="noStrike">
               <a:latin typeface="Arial"/>
             </a:endParaRPr>
           </a:p>
@@ -10381,12 +10381,12 @@
               <a:buChar char=""/>
             </a:pPr>
             <a:r>
-              <a:rPr b="0" lang="es-AR" sz="2000" spc="-1" strike="noStrike">
+              <a:rPr b="0" lang="en-GB" sz="2000" spc="-1" strike="noStrike">
                 <a:latin typeface="Arial"/>
               </a:rPr>
-              <a:t>Fifth Outline Level</a:t>
+              <a:t>Quinto nivel del esquema</a:t>
             </a:r>
-            <a:endParaRPr b="0" lang="es-AR" sz="2000" spc="-1" strike="noStrike">
+            <a:endParaRPr b="0" lang="en-GB" sz="2000" spc="-1" strike="noStrike">
               <a:latin typeface="Arial"/>
             </a:endParaRPr>
           </a:p>
@@ -10403,12 +10403,12 @@
               <a:buChar char=""/>
             </a:pPr>
             <a:r>
-              <a:rPr b="0" lang="es-AR" sz="2000" spc="-1" strike="noStrike">
+              <a:rPr b="0" lang="en-GB" sz="2000" spc="-1" strike="noStrike">
                 <a:latin typeface="Arial"/>
               </a:rPr>
-              <a:t>Sixth Outline Level</a:t>
+              <a:t>Sexto nivel del esquema</a:t>
             </a:r>
-            <a:endParaRPr b="0" lang="es-AR" sz="2000" spc="-1" strike="noStrike">
+            <a:endParaRPr b="0" lang="en-GB" sz="2000" spc="-1" strike="noStrike">
               <a:latin typeface="Arial"/>
             </a:endParaRPr>
           </a:p>
@@ -10425,12 +10425,12 @@
               <a:buChar char=""/>
             </a:pPr>
             <a:r>
-              <a:rPr b="0" lang="es-AR" sz="2000" spc="-1" strike="noStrike">
+              <a:rPr b="0" lang="en-GB" sz="2000" spc="-1" strike="noStrike">
                 <a:latin typeface="Arial"/>
               </a:rPr>
-              <a:t>Seventh Outline Level</a:t>
+              <a:t>Séptimo nivel del esquema</a:t>
             </a:r>
-            <a:endParaRPr b="0" lang="es-AR" sz="2000" spc="-1" strike="noStrike">
+            <a:endParaRPr b="0" lang="en-GB" sz="2000" spc="-1" strike="noStrike">
               <a:latin typeface="Arial"/>
             </a:endParaRPr>
           </a:p>
@@ -10489,9 +10489,9 @@
         <p:grpSpPr>
           <a:xfrm>
             <a:off x="0" y="228600"/>
-            <a:ext cx="2849760" cy="6636960"/>
+            <a:ext cx="2849400" cy="6636600"/>
             <a:chOff x="0" y="228600"/>
-            <a:chExt cx="2849760" cy="6636960"/>
+            <a:chExt cx="2849400" cy="6636600"/>
           </a:xfrm>
         </p:grpSpPr>
         <p:sp>
@@ -10503,7 +10503,7 @@
           <p:spPr>
             <a:xfrm>
               <a:off x="0" y="2575080"/>
-              <a:ext cx="99000" cy="624240"/>
+              <a:ext cx="98640" cy="623880"/>
             </a:xfrm>
             <a:custGeom>
               <a:avLst/>
@@ -10569,7 +10569,7 @@
           <p:spPr>
             <a:xfrm>
               <a:off x="128520" y="3156480"/>
-              <a:ext cx="644760" cy="2320560"/>
+              <a:ext cx="644400" cy="2320200"/>
             </a:xfrm>
             <a:custGeom>
               <a:avLst/>
@@ -10640,7 +10640,7 @@
           <p:spPr>
             <a:xfrm>
               <a:off x="807120" y="5447160"/>
-              <a:ext cx="607680" cy="1418400"/>
+              <a:ext cx="607320" cy="1418040"/>
             </a:xfrm>
             <a:custGeom>
               <a:avLst/>
@@ -10716,7 +10716,7 @@
           <p:spPr>
             <a:xfrm>
               <a:off x="959760" y="6503760"/>
-              <a:ext cx="169560" cy="361800"/>
+              <a:ext cx="169200" cy="361440"/>
             </a:xfrm>
             <a:custGeom>
               <a:avLst/>
@@ -10772,7 +10772,7 @@
           <p:spPr>
             <a:xfrm>
               <a:off x="100800" y="3201120"/>
-              <a:ext cx="820080" cy="3326760"/>
+              <a:ext cx="819720" cy="3326400"/>
             </a:xfrm>
             <a:custGeom>
               <a:avLst/>
@@ -10863,7 +10863,7 @@
           <p:spPr>
             <a:xfrm>
               <a:off x="22320" y="228600"/>
-              <a:ext cx="104400" cy="2926080"/>
+              <a:ext cx="104040" cy="2925720"/>
             </a:xfrm>
             <a:custGeom>
               <a:avLst/>
@@ -10949,7 +10949,7 @@
           <p:spPr>
             <a:xfrm>
               <a:off x="78120" y="2944080"/>
-              <a:ext cx="76320" cy="492120"/>
+              <a:ext cx="75960" cy="491760"/>
             </a:xfrm>
             <a:custGeom>
               <a:avLst/>
@@ -11015,7 +11015,7 @@
           <p:spPr>
             <a:xfrm>
               <a:off x="769680" y="5478840"/>
-              <a:ext cx="188280" cy="1023120"/>
+              <a:ext cx="187920" cy="1022760"/>
             </a:xfrm>
             <a:custGeom>
               <a:avLst/>
@@ -11101,7 +11101,7 @@
           <p:spPr>
             <a:xfrm>
               <a:off x="775440" y="1398960"/>
-              <a:ext cx="2074320" cy="4046400"/>
+              <a:ext cx="2073960" cy="4046040"/>
             </a:xfrm>
             <a:custGeom>
               <a:avLst/>
@@ -11222,7 +11222,7 @@
           <p:spPr>
             <a:xfrm>
               <a:off x="922680" y="6530040"/>
-              <a:ext cx="160200" cy="335520"/>
+              <a:ext cx="159840" cy="335160"/>
             </a:xfrm>
             <a:custGeom>
               <a:avLst/>
@@ -11278,7 +11278,7 @@
           <p:spPr>
             <a:xfrm>
               <a:off x="769680" y="5359320"/>
-              <a:ext cx="35640" cy="219960"/>
+              <a:ext cx="35280" cy="219600"/>
             </a:xfrm>
             <a:custGeom>
               <a:avLst/>
@@ -11344,7 +11344,7 @@
           <p:spPr>
             <a:xfrm>
               <a:off x="849960" y="6244560"/>
-              <a:ext cx="236880" cy="620640"/>
+              <a:ext cx="236520" cy="620280"/>
             </a:xfrm>
             <a:custGeom>
               <a:avLst/>
@@ -11421,9 +11421,9 @@
         <p:grpSpPr>
           <a:xfrm>
             <a:off x="27360" y="-720"/>
-            <a:ext cx="2354760" cy="6852240"/>
+            <a:ext cx="2354400" cy="6851880"/>
             <a:chOff x="27360" y="-720"/>
-            <a:chExt cx="2354760" cy="6852240"/>
+            <a:chExt cx="2354400" cy="6851880"/>
           </a:xfrm>
         </p:grpSpPr>
         <p:sp>
@@ -11435,7 +11435,7 @@
           <p:spPr>
             <a:xfrm>
               <a:off x="27360" y="-720"/>
-              <a:ext cx="492480" cy="4399200"/>
+              <a:ext cx="492120" cy="4398840"/>
             </a:xfrm>
             <a:custGeom>
               <a:avLst/>
@@ -11544,7 +11544,7 @@
           <p:spPr>
             <a:xfrm>
               <a:off x="550440" y="4316400"/>
-              <a:ext cx="421560" cy="1578960"/>
+              <a:ext cx="421200" cy="1578600"/>
             </a:xfrm>
             <a:custGeom>
               <a:avLst/>
@@ -11618,7 +11618,7 @@
           <p:spPr>
             <a:xfrm>
               <a:off x="1006200" y="5862600"/>
-              <a:ext cx="429120" cy="988920"/>
+              <a:ext cx="428760" cy="988560"/>
             </a:xfrm>
             <a:custGeom>
               <a:avLst/>
@@ -11692,7 +11692,7 @@
           <p:spPr>
             <a:xfrm>
               <a:off x="521640" y="4364280"/>
-              <a:ext cx="550080" cy="2234160"/>
+              <a:ext cx="549720" cy="2233800"/>
             </a:xfrm>
             <a:custGeom>
               <a:avLst/>
@@ -11781,7 +11781,7 @@
           <p:spPr>
             <a:xfrm>
               <a:off x="468000" y="1289160"/>
-              <a:ext cx="172440" cy="3025440"/>
+              <a:ext cx="172080" cy="3025080"/>
             </a:xfrm>
             <a:custGeom>
               <a:avLst/>
@@ -11880,7 +11880,7 @@
           <p:spPr>
             <a:xfrm>
               <a:off x="1111680" y="6571440"/>
-              <a:ext cx="132480" cy="279720"/>
+              <a:ext cx="132120" cy="279360"/>
             </a:xfrm>
             <a:custGeom>
               <a:avLst/>
@@ -11934,7 +11934,7 @@
           <p:spPr>
             <a:xfrm>
               <a:off x="502560" y="4107600"/>
-              <a:ext cx="80640" cy="509760"/>
+              <a:ext cx="80280" cy="509400"/>
             </a:xfrm>
             <a:custGeom>
               <a:avLst/>
@@ -12003,7 +12003,7 @@
           <p:spPr>
             <a:xfrm>
               <a:off x="973800" y="3145680"/>
-              <a:ext cx="1408320" cy="2715120"/>
+              <a:ext cx="1407960" cy="2714760"/>
             </a:xfrm>
             <a:custGeom>
               <a:avLst/>
@@ -12117,7 +12117,7 @@
           <p:spPr>
             <a:xfrm>
               <a:off x="1073520" y="6600240"/>
-              <a:ext cx="118800" cy="251280"/>
+              <a:ext cx="118440" cy="250920"/>
             </a:xfrm>
             <a:custGeom>
               <a:avLst/>
@@ -12171,7 +12171,7 @@
           <p:spPr>
             <a:xfrm>
               <a:off x="973800" y="5897160"/>
-              <a:ext cx="136080" cy="672480"/>
+              <a:ext cx="135720" cy="672120"/>
             </a:xfrm>
             <a:custGeom>
               <a:avLst/>
@@ -12245,7 +12245,7 @@
           <p:spPr>
             <a:xfrm>
               <a:off x="973800" y="5772600"/>
-              <a:ext cx="36360" cy="226080"/>
+              <a:ext cx="36000" cy="225720"/>
             </a:xfrm>
             <a:custGeom>
               <a:avLst/>
@@ -12314,7 +12314,7 @@
           <p:spPr>
             <a:xfrm>
               <a:off x="1006200" y="6322680"/>
-              <a:ext cx="208800" cy="528840"/>
+              <a:ext cx="208440" cy="528480"/>
             </a:xfrm>
             <a:custGeom>
               <a:avLst/>
@@ -12389,7 +12389,7 @@
         <p:spPr>
           <a:xfrm>
             <a:off x="0" y="0"/>
-            <a:ext cx="181080" cy="6856200"/>
+            <a:ext cx="180720" cy="6855840"/>
           </a:xfrm>
           <a:prstGeom prst="rect">
             <a:avLst/>
@@ -12429,8 +12429,8 @@
         </p:nvSpPr>
         <p:spPr>
           <a:xfrm flipV="1">
-            <a:off x="-2880" y="711360"/>
-            <a:ext cx="1586880" cy="505440"/>
+            <a:off x="-2880" y="710640"/>
+            <a:ext cx="1586520" cy="505080"/>
           </a:xfrm>
           <a:custGeom>
             <a:avLst/>
@@ -12534,12 +12534,12 @@
           <a:p>
             <a:pPr algn="ctr"/>
             <a:r>
-              <a:rPr b="0" lang="es-AR" sz="4400" spc="-1" strike="noStrike">
+              <a:rPr b="0" lang="en-GB" sz="4400" spc="-1" strike="noStrike">
                 <a:latin typeface="Arial"/>
               </a:rPr>
-              <a:t>Click to edit the title text format</a:t>
+              <a:t>Pulse para editar el formato del texto de título</a:t>
             </a:r>
-            <a:endParaRPr b="0" lang="es-AR" sz="4400" spc="-1" strike="noStrike">
+            <a:endParaRPr b="0" lang="en-GB" sz="4400" spc="-1" strike="noStrike">
               <a:latin typeface="Arial"/>
             </a:endParaRPr>
           </a:p>
@@ -12581,12 +12581,12 @@
               <a:buChar char=""/>
             </a:pPr>
             <a:r>
-              <a:rPr b="0" lang="es-AR" sz="3200" spc="-1" strike="noStrike">
+              <a:rPr b="0" lang="en-GB" sz="3200" spc="-1" strike="noStrike">
                 <a:latin typeface="Arial"/>
               </a:rPr>
-              <a:t>Click to edit the outline text format</a:t>
+              <a:t>Pulse para editar el formato de esquema del texto</a:t>
             </a:r>
-            <a:endParaRPr b="0" lang="es-AR" sz="3200" spc="-1" strike="noStrike">
+            <a:endParaRPr b="0" lang="en-GB" sz="3200" spc="-1" strike="noStrike">
               <a:latin typeface="Arial"/>
             </a:endParaRPr>
           </a:p>
@@ -12603,12 +12603,12 @@
               <a:buChar char=""/>
             </a:pPr>
             <a:r>
-              <a:rPr b="0" lang="es-AR" sz="2800" spc="-1" strike="noStrike">
+              <a:rPr b="0" lang="en-GB" sz="2800" spc="-1" strike="noStrike">
                 <a:latin typeface="Arial"/>
               </a:rPr>
-              <a:t>Second Outline Level</a:t>
+              <a:t>Segundo nivel del esquema</a:t>
             </a:r>
-            <a:endParaRPr b="0" lang="es-AR" sz="2800" spc="-1" strike="noStrike">
+            <a:endParaRPr b="0" lang="en-GB" sz="2800" spc="-1" strike="noStrike">
               <a:latin typeface="Arial"/>
             </a:endParaRPr>
           </a:p>
@@ -12625,12 +12625,12 @@
               <a:buChar char=""/>
             </a:pPr>
             <a:r>
-              <a:rPr b="0" lang="es-AR" sz="2400" spc="-1" strike="noStrike">
+              <a:rPr b="0" lang="en-GB" sz="2400" spc="-1" strike="noStrike">
                 <a:latin typeface="Arial"/>
               </a:rPr>
-              <a:t>Third Outline Level</a:t>
+              <a:t>Tercer nivel del esquema</a:t>
             </a:r>
-            <a:endParaRPr b="0" lang="es-AR" sz="2400" spc="-1" strike="noStrike">
+            <a:endParaRPr b="0" lang="en-GB" sz="2400" spc="-1" strike="noStrike">
               <a:latin typeface="Arial"/>
             </a:endParaRPr>
           </a:p>
@@ -12647,12 +12647,12 @@
               <a:buChar char=""/>
             </a:pPr>
             <a:r>
-              <a:rPr b="0" lang="es-AR" sz="2000" spc="-1" strike="noStrike">
+              <a:rPr b="0" lang="en-GB" sz="2000" spc="-1" strike="noStrike">
                 <a:latin typeface="Arial"/>
               </a:rPr>
-              <a:t>Fourth Outline Level</a:t>
+              <a:t>Cuarto nivel del esquema</a:t>
             </a:r>
-            <a:endParaRPr b="0" lang="es-AR" sz="2000" spc="-1" strike="noStrike">
+            <a:endParaRPr b="0" lang="en-GB" sz="2000" spc="-1" strike="noStrike">
               <a:latin typeface="Arial"/>
             </a:endParaRPr>
           </a:p>
@@ -12669,12 +12669,12 @@
               <a:buChar char=""/>
             </a:pPr>
             <a:r>
-              <a:rPr b="0" lang="es-AR" sz="2000" spc="-1" strike="noStrike">
+              <a:rPr b="0" lang="en-GB" sz="2000" spc="-1" strike="noStrike">
                 <a:latin typeface="Arial"/>
               </a:rPr>
-              <a:t>Fifth Outline Level</a:t>
+              <a:t>Quinto nivel del esquema</a:t>
             </a:r>
-            <a:endParaRPr b="0" lang="es-AR" sz="2000" spc="-1" strike="noStrike">
+            <a:endParaRPr b="0" lang="en-GB" sz="2000" spc="-1" strike="noStrike">
               <a:latin typeface="Arial"/>
             </a:endParaRPr>
           </a:p>
@@ -12691,12 +12691,12 @@
               <a:buChar char=""/>
             </a:pPr>
             <a:r>
-              <a:rPr b="0" lang="es-AR" sz="2000" spc="-1" strike="noStrike">
+              <a:rPr b="0" lang="en-GB" sz="2000" spc="-1" strike="noStrike">
                 <a:latin typeface="Arial"/>
               </a:rPr>
-              <a:t>Sixth Outline Level</a:t>
+              <a:t>Sexto nivel del esquema</a:t>
             </a:r>
-            <a:endParaRPr b="0" lang="es-AR" sz="2000" spc="-1" strike="noStrike">
+            <a:endParaRPr b="0" lang="en-GB" sz="2000" spc="-1" strike="noStrike">
               <a:latin typeface="Arial"/>
             </a:endParaRPr>
           </a:p>
@@ -12713,12 +12713,12 @@
               <a:buChar char=""/>
             </a:pPr>
             <a:r>
-              <a:rPr b="0" lang="es-AR" sz="2000" spc="-1" strike="noStrike">
+              <a:rPr b="0" lang="en-GB" sz="2000" spc="-1" strike="noStrike">
                 <a:latin typeface="Arial"/>
               </a:rPr>
-              <a:t>Seventh Outline Level</a:t>
+              <a:t>Séptimo nivel del esquema</a:t>
             </a:r>
-            <a:endParaRPr b="0" lang="es-AR" sz="2000" spc="-1" strike="noStrike">
+            <a:endParaRPr b="0" lang="en-GB" sz="2000" spc="-1" strike="noStrike">
               <a:latin typeface="Arial"/>
             </a:endParaRPr>
           </a:p>
@@ -12777,9 +12777,9 @@
         <p:grpSpPr>
           <a:xfrm>
             <a:off x="0" y="228600"/>
-            <a:ext cx="2849760" cy="6636960"/>
+            <a:ext cx="2849400" cy="6636600"/>
             <a:chOff x="0" y="228600"/>
-            <a:chExt cx="2849760" cy="6636960"/>
+            <a:chExt cx="2849400" cy="6636600"/>
           </a:xfrm>
         </p:grpSpPr>
         <p:sp>
@@ -12791,7 +12791,7 @@
           <p:spPr>
             <a:xfrm>
               <a:off x="0" y="2575080"/>
-              <a:ext cx="99000" cy="624240"/>
+              <a:ext cx="98640" cy="623880"/>
             </a:xfrm>
             <a:custGeom>
               <a:avLst/>
@@ -12857,7 +12857,7 @@
           <p:spPr>
             <a:xfrm>
               <a:off x="128520" y="3156480"/>
-              <a:ext cx="644760" cy="2320560"/>
+              <a:ext cx="644400" cy="2320200"/>
             </a:xfrm>
             <a:custGeom>
               <a:avLst/>
@@ -12928,7 +12928,7 @@
           <p:spPr>
             <a:xfrm>
               <a:off x="807120" y="5447160"/>
-              <a:ext cx="607680" cy="1418400"/>
+              <a:ext cx="607320" cy="1418040"/>
             </a:xfrm>
             <a:custGeom>
               <a:avLst/>
@@ -13004,7 +13004,7 @@
           <p:spPr>
             <a:xfrm>
               <a:off x="959760" y="6503760"/>
-              <a:ext cx="169560" cy="361800"/>
+              <a:ext cx="169200" cy="361440"/>
             </a:xfrm>
             <a:custGeom>
               <a:avLst/>
@@ -13060,7 +13060,7 @@
           <p:spPr>
             <a:xfrm>
               <a:off x="100800" y="3201120"/>
-              <a:ext cx="820080" cy="3326760"/>
+              <a:ext cx="819720" cy="3326400"/>
             </a:xfrm>
             <a:custGeom>
               <a:avLst/>
@@ -13151,7 +13151,7 @@
           <p:spPr>
             <a:xfrm>
               <a:off x="22320" y="228600"/>
-              <a:ext cx="104400" cy="2926080"/>
+              <a:ext cx="104040" cy="2925720"/>
             </a:xfrm>
             <a:custGeom>
               <a:avLst/>
@@ -13237,7 +13237,7 @@
           <p:spPr>
             <a:xfrm>
               <a:off x="78120" y="2944080"/>
-              <a:ext cx="76320" cy="492120"/>
+              <a:ext cx="75960" cy="491760"/>
             </a:xfrm>
             <a:custGeom>
               <a:avLst/>
@@ -13303,7 +13303,7 @@
           <p:spPr>
             <a:xfrm>
               <a:off x="769680" y="5478840"/>
-              <a:ext cx="188280" cy="1023120"/>
+              <a:ext cx="187920" cy="1022760"/>
             </a:xfrm>
             <a:custGeom>
               <a:avLst/>
@@ -13389,7 +13389,7 @@
           <p:spPr>
             <a:xfrm>
               <a:off x="775440" y="1398960"/>
-              <a:ext cx="2074320" cy="4046400"/>
+              <a:ext cx="2073960" cy="4046040"/>
             </a:xfrm>
             <a:custGeom>
               <a:avLst/>
@@ -13510,7 +13510,7 @@
           <p:spPr>
             <a:xfrm>
               <a:off x="922680" y="6530040"/>
-              <a:ext cx="160200" cy="335520"/>
+              <a:ext cx="159840" cy="335160"/>
             </a:xfrm>
             <a:custGeom>
               <a:avLst/>
@@ -13566,7 +13566,7 @@
           <p:spPr>
             <a:xfrm>
               <a:off x="769680" y="5359320"/>
-              <a:ext cx="35640" cy="219960"/>
+              <a:ext cx="35280" cy="219600"/>
             </a:xfrm>
             <a:custGeom>
               <a:avLst/>
@@ -13632,7 +13632,7 @@
           <p:spPr>
             <a:xfrm>
               <a:off x="849960" y="6244560"/>
-              <a:ext cx="236880" cy="620640"/>
+              <a:ext cx="236520" cy="620280"/>
             </a:xfrm>
             <a:custGeom>
               <a:avLst/>
@@ -13709,9 +13709,9 @@
         <p:grpSpPr>
           <a:xfrm>
             <a:off x="27360" y="-720"/>
-            <a:ext cx="2354760" cy="6852240"/>
+            <a:ext cx="2354400" cy="6851880"/>
             <a:chOff x="27360" y="-720"/>
-            <a:chExt cx="2354760" cy="6852240"/>
+            <a:chExt cx="2354400" cy="6851880"/>
           </a:xfrm>
         </p:grpSpPr>
         <p:sp>
@@ -13723,7 +13723,7 @@
           <p:spPr>
             <a:xfrm>
               <a:off x="27360" y="-720"/>
-              <a:ext cx="492480" cy="4399200"/>
+              <a:ext cx="492120" cy="4398840"/>
             </a:xfrm>
             <a:custGeom>
               <a:avLst/>
@@ -13832,7 +13832,7 @@
           <p:spPr>
             <a:xfrm>
               <a:off x="550440" y="4316400"/>
-              <a:ext cx="421560" cy="1578960"/>
+              <a:ext cx="421200" cy="1578600"/>
             </a:xfrm>
             <a:custGeom>
               <a:avLst/>
@@ -13906,7 +13906,7 @@
           <p:spPr>
             <a:xfrm>
               <a:off x="1006200" y="5862600"/>
-              <a:ext cx="429120" cy="988920"/>
+              <a:ext cx="428760" cy="988560"/>
             </a:xfrm>
             <a:custGeom>
               <a:avLst/>
@@ -13980,7 +13980,7 @@
           <p:spPr>
             <a:xfrm>
               <a:off x="521640" y="4364280"/>
-              <a:ext cx="550080" cy="2234160"/>
+              <a:ext cx="549720" cy="2233800"/>
             </a:xfrm>
             <a:custGeom>
               <a:avLst/>
@@ -14069,7 +14069,7 @@
           <p:spPr>
             <a:xfrm>
               <a:off x="468000" y="1289160"/>
-              <a:ext cx="172440" cy="3025440"/>
+              <a:ext cx="172080" cy="3025080"/>
             </a:xfrm>
             <a:custGeom>
               <a:avLst/>
@@ -14168,7 +14168,7 @@
           <p:spPr>
             <a:xfrm>
               <a:off x="1111680" y="6571440"/>
-              <a:ext cx="132480" cy="279720"/>
+              <a:ext cx="132120" cy="279360"/>
             </a:xfrm>
             <a:custGeom>
               <a:avLst/>
@@ -14222,7 +14222,7 @@
           <p:spPr>
             <a:xfrm>
               <a:off x="502560" y="4107600"/>
-              <a:ext cx="80640" cy="509760"/>
+              <a:ext cx="80280" cy="509400"/>
             </a:xfrm>
             <a:custGeom>
               <a:avLst/>
@@ -14291,7 +14291,7 @@
           <p:spPr>
             <a:xfrm>
               <a:off x="973800" y="3145680"/>
-              <a:ext cx="1408320" cy="2715120"/>
+              <a:ext cx="1407960" cy="2714760"/>
             </a:xfrm>
             <a:custGeom>
               <a:avLst/>
@@ -14405,7 +14405,7 @@
           <p:spPr>
             <a:xfrm>
               <a:off x="1073520" y="6600240"/>
-              <a:ext cx="118800" cy="251280"/>
+              <a:ext cx="118440" cy="250920"/>
             </a:xfrm>
             <a:custGeom>
               <a:avLst/>
@@ -14459,7 +14459,7 @@
           <p:spPr>
             <a:xfrm>
               <a:off x="973800" y="5897160"/>
-              <a:ext cx="136080" cy="672480"/>
+              <a:ext cx="135720" cy="672120"/>
             </a:xfrm>
             <a:custGeom>
               <a:avLst/>
@@ -14533,7 +14533,7 @@
           <p:spPr>
             <a:xfrm>
               <a:off x="973800" y="5772600"/>
-              <a:ext cx="36360" cy="226080"/>
+              <a:ext cx="36000" cy="225720"/>
             </a:xfrm>
             <a:custGeom>
               <a:avLst/>
@@ -14602,7 +14602,7 @@
           <p:spPr>
             <a:xfrm>
               <a:off x="1006200" y="6322680"/>
-              <a:ext cx="208800" cy="528840"/>
+              <a:ext cx="208440" cy="528480"/>
             </a:xfrm>
             <a:custGeom>
               <a:avLst/>
@@ -14677,7 +14677,7 @@
         <p:spPr>
           <a:xfrm>
             <a:off x="0" y="0"/>
-            <a:ext cx="181080" cy="6856200"/>
+            <a:ext cx="180720" cy="6855840"/>
           </a:xfrm>
           <a:prstGeom prst="rect">
             <a:avLst/>
@@ -14717,8 +14717,8 @@
         </p:nvSpPr>
         <p:spPr>
           <a:xfrm flipV="1">
-            <a:off x="-2880" y="711360"/>
-            <a:ext cx="1586880" cy="505440"/>
+            <a:off x="-2880" y="710640"/>
+            <a:ext cx="1586520" cy="505080"/>
           </a:xfrm>
           <a:custGeom>
             <a:avLst/>
@@ -14821,12 +14821,12 @@
           </a:bodyPr>
           <a:p>
             <a:r>
-              <a:rPr b="0" lang="es-AR" sz="1800" spc="-1" strike="noStrike">
+              <a:rPr b="0" lang="en-GB" sz="1800" spc="-1" strike="noStrike">
                 <a:latin typeface="Arial"/>
               </a:rPr>
-              <a:t>Click to edit the title text format</a:t>
+              <a:t>Pulse para editar el formato del texto de título</a:t>
             </a:r>
-            <a:endParaRPr b="0" lang="es-AR" sz="1800" spc="-1" strike="noStrike">
+            <a:endParaRPr b="0" lang="en-GB" sz="1800" spc="-1" strike="noStrike">
               <a:latin typeface="Arial"/>
             </a:endParaRPr>
           </a:p>
@@ -14868,12 +14868,12 @@
               <a:buChar char=""/>
             </a:pPr>
             <a:r>
-              <a:rPr b="0" lang="es-AR" sz="1800" spc="-1" strike="noStrike">
+              <a:rPr b="0" lang="en-GB" sz="1800" spc="-1" strike="noStrike">
                 <a:latin typeface="Arial"/>
               </a:rPr>
-              <a:t>Click to edit the outline text format</a:t>
+              <a:t>Pulse para editar el formato de esquema del texto</a:t>
             </a:r>
-            <a:endParaRPr b="0" lang="es-AR" sz="1800" spc="-1" strike="noStrike">
+            <a:endParaRPr b="0" lang="en-GB" sz="1800" spc="-1" strike="noStrike">
               <a:latin typeface="Arial"/>
             </a:endParaRPr>
           </a:p>
@@ -14890,12 +14890,12 @@
               <a:buChar char=""/>
             </a:pPr>
             <a:r>
-              <a:rPr b="0" lang="es-AR" sz="1800" spc="-1" strike="noStrike">
+              <a:rPr b="0" lang="en-GB" sz="1800" spc="-1" strike="noStrike">
                 <a:latin typeface="Arial"/>
               </a:rPr>
-              <a:t>Second Outline Level</a:t>
+              <a:t>Segundo nivel del esquema</a:t>
             </a:r>
-            <a:endParaRPr b="0" lang="es-AR" sz="1800" spc="-1" strike="noStrike">
+            <a:endParaRPr b="0" lang="en-GB" sz="1800" spc="-1" strike="noStrike">
               <a:latin typeface="Arial"/>
             </a:endParaRPr>
           </a:p>
@@ -14912,12 +14912,12 @@
               <a:buChar char=""/>
             </a:pPr>
             <a:r>
-              <a:rPr b="0" lang="es-AR" sz="1800" spc="-1" strike="noStrike">
+              <a:rPr b="0" lang="en-GB" sz="1800" spc="-1" strike="noStrike">
                 <a:latin typeface="Arial"/>
               </a:rPr>
-              <a:t>Third Outline Level</a:t>
+              <a:t>Tercer nivel del esquema</a:t>
             </a:r>
-            <a:endParaRPr b="0" lang="es-AR" sz="1800" spc="-1" strike="noStrike">
+            <a:endParaRPr b="0" lang="en-GB" sz="1800" spc="-1" strike="noStrike">
               <a:latin typeface="Arial"/>
             </a:endParaRPr>
           </a:p>
@@ -14934,12 +14934,12 @@
               <a:buChar char=""/>
             </a:pPr>
             <a:r>
-              <a:rPr b="0" lang="es-AR" sz="1800" spc="-1" strike="noStrike">
+              <a:rPr b="0" lang="en-GB" sz="1800" spc="-1" strike="noStrike">
                 <a:latin typeface="Arial"/>
               </a:rPr>
-              <a:t>Fourth Outline Level</a:t>
+              <a:t>Cuarto nivel del esquema</a:t>
             </a:r>
-            <a:endParaRPr b="0" lang="es-AR" sz="1800" spc="-1" strike="noStrike">
+            <a:endParaRPr b="0" lang="en-GB" sz="1800" spc="-1" strike="noStrike">
               <a:latin typeface="Arial"/>
             </a:endParaRPr>
           </a:p>
@@ -14956,12 +14956,12 @@
               <a:buChar char=""/>
             </a:pPr>
             <a:r>
-              <a:rPr b="0" lang="es-AR" sz="1800" spc="-1" strike="noStrike">
+              <a:rPr b="0" lang="en-GB" sz="1800" spc="-1" strike="noStrike">
                 <a:latin typeface="Arial"/>
               </a:rPr>
-              <a:t>Fifth Outline Level</a:t>
+              <a:t>Quinto nivel del esquema</a:t>
             </a:r>
-            <a:endParaRPr b="0" lang="es-AR" sz="1800" spc="-1" strike="noStrike">
+            <a:endParaRPr b="0" lang="en-GB" sz="1800" spc="-1" strike="noStrike">
               <a:latin typeface="Arial"/>
             </a:endParaRPr>
           </a:p>
@@ -14978,12 +14978,12 @@
               <a:buChar char=""/>
             </a:pPr>
             <a:r>
-              <a:rPr b="0" lang="es-AR" sz="1800" spc="-1" strike="noStrike">
+              <a:rPr b="0" lang="en-GB" sz="1800" spc="-1" strike="noStrike">
                 <a:latin typeface="Arial"/>
               </a:rPr>
-              <a:t>Sixth Outline Level</a:t>
+              <a:t>Sexto nivel del esquema</a:t>
             </a:r>
-            <a:endParaRPr b="0" lang="es-AR" sz="1800" spc="-1" strike="noStrike">
+            <a:endParaRPr b="0" lang="en-GB" sz="1800" spc="-1" strike="noStrike">
               <a:latin typeface="Arial"/>
             </a:endParaRPr>
           </a:p>
@@ -15000,12 +15000,12 @@
               <a:buChar char=""/>
             </a:pPr>
             <a:r>
-              <a:rPr b="0" lang="es-AR" sz="1800" spc="-1" strike="noStrike">
+              <a:rPr b="0" lang="en-GB" sz="1800" spc="-1" strike="noStrike">
                 <a:latin typeface="Arial"/>
               </a:rPr>
-              <a:t>Seventh Outline Level</a:t>
+              <a:t>Séptimo nivel del esquema</a:t>
             </a:r>
-            <a:endParaRPr b="0" lang="es-AR" sz="1800" spc="-1" strike="noStrike">
+            <a:endParaRPr b="0" lang="en-GB" sz="1800" spc="-1" strike="noStrike">
               <a:latin typeface="Arial"/>
             </a:endParaRPr>
           </a:p>
@@ -15047,12 +15047,12 @@
               <a:buChar char=""/>
             </a:pPr>
             <a:r>
-              <a:rPr b="0" lang="es-AR" sz="1800" spc="-1" strike="noStrike">
+              <a:rPr b="0" lang="en-GB" sz="1800" spc="-1" strike="noStrike">
                 <a:latin typeface="Arial"/>
               </a:rPr>
-              <a:t>Click to edit the outline text format</a:t>
+              <a:t>Pulse para editar el formato de esquema del texto</a:t>
             </a:r>
-            <a:endParaRPr b="0" lang="es-AR" sz="1800" spc="-1" strike="noStrike">
+            <a:endParaRPr b="0" lang="en-GB" sz="1800" spc="-1" strike="noStrike">
               <a:latin typeface="Arial"/>
             </a:endParaRPr>
           </a:p>
@@ -15069,12 +15069,12 @@
               <a:buChar char=""/>
             </a:pPr>
             <a:r>
-              <a:rPr b="0" lang="es-AR" sz="1800" spc="-1" strike="noStrike">
+              <a:rPr b="0" lang="en-GB" sz="1800" spc="-1" strike="noStrike">
                 <a:latin typeface="Arial"/>
               </a:rPr>
-              <a:t>Second Outline Level</a:t>
+              <a:t>Segundo nivel del esquema</a:t>
             </a:r>
-            <a:endParaRPr b="0" lang="es-AR" sz="1800" spc="-1" strike="noStrike">
+            <a:endParaRPr b="0" lang="en-GB" sz="1800" spc="-1" strike="noStrike">
               <a:latin typeface="Arial"/>
             </a:endParaRPr>
           </a:p>
@@ -15091,12 +15091,12 @@
               <a:buChar char=""/>
             </a:pPr>
             <a:r>
-              <a:rPr b="0" lang="es-AR" sz="1800" spc="-1" strike="noStrike">
+              <a:rPr b="0" lang="en-GB" sz="1800" spc="-1" strike="noStrike">
                 <a:latin typeface="Arial"/>
               </a:rPr>
-              <a:t>Third Outline Level</a:t>
+              <a:t>Tercer nivel del esquema</a:t>
             </a:r>
-            <a:endParaRPr b="0" lang="es-AR" sz="1800" spc="-1" strike="noStrike">
+            <a:endParaRPr b="0" lang="en-GB" sz="1800" spc="-1" strike="noStrike">
               <a:latin typeface="Arial"/>
             </a:endParaRPr>
           </a:p>
@@ -15113,12 +15113,12 @@
               <a:buChar char=""/>
             </a:pPr>
             <a:r>
-              <a:rPr b="0" lang="es-AR" sz="1800" spc="-1" strike="noStrike">
+              <a:rPr b="0" lang="en-GB" sz="1800" spc="-1" strike="noStrike">
                 <a:latin typeface="Arial"/>
               </a:rPr>
-              <a:t>Fourth Outline Level</a:t>
+              <a:t>Cuarto nivel del esquema</a:t>
             </a:r>
-            <a:endParaRPr b="0" lang="es-AR" sz="1800" spc="-1" strike="noStrike">
+            <a:endParaRPr b="0" lang="en-GB" sz="1800" spc="-1" strike="noStrike">
               <a:latin typeface="Arial"/>
             </a:endParaRPr>
           </a:p>
@@ -15135,12 +15135,12 @@
               <a:buChar char=""/>
             </a:pPr>
             <a:r>
-              <a:rPr b="0" lang="es-AR" sz="1800" spc="-1" strike="noStrike">
+              <a:rPr b="0" lang="en-GB" sz="1800" spc="-1" strike="noStrike">
                 <a:latin typeface="Arial"/>
               </a:rPr>
-              <a:t>Fifth Outline Level</a:t>
+              <a:t>Quinto nivel del esquema</a:t>
             </a:r>
-            <a:endParaRPr b="0" lang="es-AR" sz="1800" spc="-1" strike="noStrike">
+            <a:endParaRPr b="0" lang="en-GB" sz="1800" spc="-1" strike="noStrike">
               <a:latin typeface="Arial"/>
             </a:endParaRPr>
           </a:p>
@@ -15157,12 +15157,12 @@
               <a:buChar char=""/>
             </a:pPr>
             <a:r>
-              <a:rPr b="0" lang="es-AR" sz="1800" spc="-1" strike="noStrike">
+              <a:rPr b="0" lang="en-GB" sz="1800" spc="-1" strike="noStrike">
                 <a:latin typeface="Arial"/>
               </a:rPr>
-              <a:t>Sixth Outline Level</a:t>
+              <a:t>Sexto nivel del esquema</a:t>
             </a:r>
-            <a:endParaRPr b="0" lang="es-AR" sz="1800" spc="-1" strike="noStrike">
+            <a:endParaRPr b="0" lang="en-GB" sz="1800" spc="-1" strike="noStrike">
               <a:latin typeface="Arial"/>
             </a:endParaRPr>
           </a:p>
@@ -15179,12 +15179,12 @@
               <a:buChar char=""/>
             </a:pPr>
             <a:r>
-              <a:rPr b="0" lang="es-AR" sz="1800" spc="-1" strike="noStrike">
+              <a:rPr b="0" lang="en-GB" sz="1800" spc="-1" strike="noStrike">
                 <a:latin typeface="Arial"/>
               </a:rPr>
-              <a:t>Seventh Outline Level</a:t>
+              <a:t>Séptimo nivel del esquema</a:t>
             </a:r>
-            <a:endParaRPr b="0" lang="es-AR" sz="1800" spc="-1" strike="noStrike">
+            <a:endParaRPr b="0" lang="en-GB" sz="1800" spc="-1" strike="noStrike">
               <a:latin typeface="Arial"/>
             </a:endParaRPr>
           </a:p>
@@ -15243,9 +15243,9 @@
         <p:grpSpPr>
           <a:xfrm>
             <a:off x="0" y="228600"/>
-            <a:ext cx="2849760" cy="6636960"/>
+            <a:ext cx="2849400" cy="6636600"/>
             <a:chOff x="0" y="228600"/>
-            <a:chExt cx="2849760" cy="6636960"/>
+            <a:chExt cx="2849400" cy="6636600"/>
           </a:xfrm>
         </p:grpSpPr>
         <p:sp>
@@ -15257,7 +15257,7 @@
           <p:spPr>
             <a:xfrm>
               <a:off x="0" y="2575080"/>
-              <a:ext cx="99000" cy="624240"/>
+              <a:ext cx="98640" cy="623880"/>
             </a:xfrm>
             <a:custGeom>
               <a:avLst/>
@@ -15323,7 +15323,7 @@
           <p:spPr>
             <a:xfrm>
               <a:off x="128520" y="3156480"/>
-              <a:ext cx="644760" cy="2320560"/>
+              <a:ext cx="644400" cy="2320200"/>
             </a:xfrm>
             <a:custGeom>
               <a:avLst/>
@@ -15394,7 +15394,7 @@
           <p:spPr>
             <a:xfrm>
               <a:off x="807120" y="5447160"/>
-              <a:ext cx="607680" cy="1418400"/>
+              <a:ext cx="607320" cy="1418040"/>
             </a:xfrm>
             <a:custGeom>
               <a:avLst/>
@@ -15470,7 +15470,7 @@
           <p:spPr>
             <a:xfrm>
               <a:off x="959760" y="6503760"/>
-              <a:ext cx="169560" cy="361800"/>
+              <a:ext cx="169200" cy="361440"/>
             </a:xfrm>
             <a:custGeom>
               <a:avLst/>
@@ -15526,7 +15526,7 @@
           <p:spPr>
             <a:xfrm>
               <a:off x="100800" y="3201120"/>
-              <a:ext cx="820080" cy="3326760"/>
+              <a:ext cx="819720" cy="3326400"/>
             </a:xfrm>
             <a:custGeom>
               <a:avLst/>
@@ -15617,7 +15617,7 @@
           <p:spPr>
             <a:xfrm>
               <a:off x="22320" y="228600"/>
-              <a:ext cx="104400" cy="2926080"/>
+              <a:ext cx="104040" cy="2925720"/>
             </a:xfrm>
             <a:custGeom>
               <a:avLst/>
@@ -15703,7 +15703,7 @@
           <p:spPr>
             <a:xfrm>
               <a:off x="78120" y="2944080"/>
-              <a:ext cx="76320" cy="492120"/>
+              <a:ext cx="75960" cy="491760"/>
             </a:xfrm>
             <a:custGeom>
               <a:avLst/>
@@ -15769,7 +15769,7 @@
           <p:spPr>
             <a:xfrm>
               <a:off x="769680" y="5478840"/>
-              <a:ext cx="188280" cy="1023120"/>
+              <a:ext cx="187920" cy="1022760"/>
             </a:xfrm>
             <a:custGeom>
               <a:avLst/>
@@ -15855,7 +15855,7 @@
           <p:spPr>
             <a:xfrm>
               <a:off x="775440" y="1398960"/>
-              <a:ext cx="2074320" cy="4046400"/>
+              <a:ext cx="2073960" cy="4046040"/>
             </a:xfrm>
             <a:custGeom>
               <a:avLst/>
@@ -15976,7 +15976,7 @@
           <p:spPr>
             <a:xfrm>
               <a:off x="922680" y="6530040"/>
-              <a:ext cx="160200" cy="335520"/>
+              <a:ext cx="159840" cy="335160"/>
             </a:xfrm>
             <a:custGeom>
               <a:avLst/>
@@ -16032,7 +16032,7 @@
           <p:spPr>
             <a:xfrm>
               <a:off x="769680" y="5359320"/>
-              <a:ext cx="35640" cy="219960"/>
+              <a:ext cx="35280" cy="219600"/>
             </a:xfrm>
             <a:custGeom>
               <a:avLst/>
@@ -16098,7 +16098,7 @@
           <p:spPr>
             <a:xfrm>
               <a:off x="849960" y="6244560"/>
-              <a:ext cx="236880" cy="620640"/>
+              <a:ext cx="236520" cy="620280"/>
             </a:xfrm>
             <a:custGeom>
               <a:avLst/>
@@ -16175,9 +16175,9 @@
         <p:grpSpPr>
           <a:xfrm>
             <a:off x="27360" y="-720"/>
-            <a:ext cx="2354760" cy="6852240"/>
+            <a:ext cx="2354400" cy="6851880"/>
             <a:chOff x="27360" y="-720"/>
-            <a:chExt cx="2354760" cy="6852240"/>
+            <a:chExt cx="2354400" cy="6851880"/>
           </a:xfrm>
         </p:grpSpPr>
         <p:sp>
@@ -16189,7 +16189,7 @@
           <p:spPr>
             <a:xfrm>
               <a:off x="27360" y="-720"/>
-              <a:ext cx="492480" cy="4399200"/>
+              <a:ext cx="492120" cy="4398840"/>
             </a:xfrm>
             <a:custGeom>
               <a:avLst/>
@@ -16298,7 +16298,7 @@
           <p:spPr>
             <a:xfrm>
               <a:off x="550440" y="4316400"/>
-              <a:ext cx="421560" cy="1578960"/>
+              <a:ext cx="421200" cy="1578600"/>
             </a:xfrm>
             <a:custGeom>
               <a:avLst/>
@@ -16372,7 +16372,7 @@
           <p:spPr>
             <a:xfrm>
               <a:off x="1006200" y="5862600"/>
-              <a:ext cx="429120" cy="988920"/>
+              <a:ext cx="428760" cy="988560"/>
             </a:xfrm>
             <a:custGeom>
               <a:avLst/>
@@ -16446,7 +16446,7 @@
           <p:spPr>
             <a:xfrm>
               <a:off x="521640" y="4364280"/>
-              <a:ext cx="550080" cy="2234160"/>
+              <a:ext cx="549720" cy="2233800"/>
             </a:xfrm>
             <a:custGeom>
               <a:avLst/>
@@ -16535,7 +16535,7 @@
           <p:spPr>
             <a:xfrm>
               <a:off x="468000" y="1289160"/>
-              <a:ext cx="172440" cy="3025440"/>
+              <a:ext cx="172080" cy="3025080"/>
             </a:xfrm>
             <a:custGeom>
               <a:avLst/>
@@ -16634,7 +16634,7 @@
           <p:spPr>
             <a:xfrm>
               <a:off x="1111680" y="6571440"/>
-              <a:ext cx="132480" cy="279720"/>
+              <a:ext cx="132120" cy="279360"/>
             </a:xfrm>
             <a:custGeom>
               <a:avLst/>
@@ -16688,7 +16688,7 @@
           <p:spPr>
             <a:xfrm>
               <a:off x="502560" y="4107600"/>
-              <a:ext cx="80640" cy="509760"/>
+              <a:ext cx="80280" cy="509400"/>
             </a:xfrm>
             <a:custGeom>
               <a:avLst/>
@@ -16757,7 +16757,7 @@
           <p:spPr>
             <a:xfrm>
               <a:off x="973800" y="3145680"/>
-              <a:ext cx="1408320" cy="2715120"/>
+              <a:ext cx="1407960" cy="2714760"/>
             </a:xfrm>
             <a:custGeom>
               <a:avLst/>
@@ -16871,7 +16871,7 @@
           <p:spPr>
             <a:xfrm>
               <a:off x="1073520" y="6600240"/>
-              <a:ext cx="118800" cy="251280"/>
+              <a:ext cx="118440" cy="250920"/>
             </a:xfrm>
             <a:custGeom>
               <a:avLst/>
@@ -16925,7 +16925,7 @@
           <p:spPr>
             <a:xfrm>
               <a:off x="973800" y="5897160"/>
-              <a:ext cx="136080" cy="672480"/>
+              <a:ext cx="135720" cy="672120"/>
             </a:xfrm>
             <a:custGeom>
               <a:avLst/>
@@ -16999,7 +16999,7 @@
           <p:spPr>
             <a:xfrm>
               <a:off x="973800" y="5772600"/>
-              <a:ext cx="36360" cy="226080"/>
+              <a:ext cx="36000" cy="225720"/>
             </a:xfrm>
             <a:custGeom>
               <a:avLst/>
@@ -17068,7 +17068,7 @@
           <p:spPr>
             <a:xfrm>
               <a:off x="1006200" y="6322680"/>
-              <a:ext cx="208800" cy="528840"/>
+              <a:ext cx="208440" cy="528480"/>
             </a:xfrm>
             <a:custGeom>
               <a:avLst/>
@@ -17143,7 +17143,7 @@
         <p:spPr>
           <a:xfrm>
             <a:off x="0" y="0"/>
-            <a:ext cx="181080" cy="6856200"/>
+            <a:ext cx="180720" cy="6855840"/>
           </a:xfrm>
           <a:prstGeom prst="rect">
             <a:avLst/>
@@ -17183,8 +17183,8 @@
         </p:nvSpPr>
         <p:spPr>
           <a:xfrm flipV="1">
-            <a:off x="-2880" y="711360"/>
-            <a:ext cx="1586880" cy="505440"/>
+            <a:off x="-2880" y="710640"/>
+            <a:ext cx="1586520" cy="505080"/>
           </a:xfrm>
           <a:custGeom>
             <a:avLst/>
@@ -17288,12 +17288,12 @@
           <a:p>
             <a:pPr algn="ctr"/>
             <a:r>
-              <a:rPr b="0" lang="es-AR" sz="4400" spc="-1" strike="noStrike">
+              <a:rPr b="0" lang="en-GB" sz="4400" spc="-1" strike="noStrike">
                 <a:latin typeface="Arial"/>
               </a:rPr>
-              <a:t>Click to edit the title text format</a:t>
+              <a:t>Pulse para editar el formato del texto de título</a:t>
             </a:r>
-            <a:endParaRPr b="0" lang="es-AR" sz="4400" spc="-1" strike="noStrike">
+            <a:endParaRPr b="0" lang="en-GB" sz="4400" spc="-1" strike="noStrike">
               <a:latin typeface="Arial"/>
             </a:endParaRPr>
           </a:p>
@@ -17335,12 +17335,12 @@
               <a:buChar char=""/>
             </a:pPr>
             <a:r>
-              <a:rPr b="0" lang="es-AR" sz="3200" spc="-1" strike="noStrike">
+              <a:rPr b="0" lang="en-GB" sz="3200" spc="-1" strike="noStrike">
                 <a:latin typeface="Arial"/>
               </a:rPr>
-              <a:t>Click to edit the outline text format</a:t>
+              <a:t>Pulse para editar el formato de esquema del texto</a:t>
             </a:r>
-            <a:endParaRPr b="0" lang="es-AR" sz="3200" spc="-1" strike="noStrike">
+            <a:endParaRPr b="0" lang="en-GB" sz="3200" spc="-1" strike="noStrike">
               <a:latin typeface="Arial"/>
             </a:endParaRPr>
           </a:p>
@@ -17357,12 +17357,12 @@
               <a:buChar char=""/>
             </a:pPr>
             <a:r>
-              <a:rPr b="0" lang="es-AR" sz="2800" spc="-1" strike="noStrike">
+              <a:rPr b="0" lang="en-GB" sz="2800" spc="-1" strike="noStrike">
                 <a:latin typeface="Arial"/>
               </a:rPr>
-              <a:t>Second Outline Level</a:t>
+              <a:t>Segundo nivel del esquema</a:t>
             </a:r>
-            <a:endParaRPr b="0" lang="es-AR" sz="2800" spc="-1" strike="noStrike">
+            <a:endParaRPr b="0" lang="en-GB" sz="2800" spc="-1" strike="noStrike">
               <a:latin typeface="Arial"/>
             </a:endParaRPr>
           </a:p>
@@ -17379,12 +17379,12 @@
               <a:buChar char=""/>
             </a:pPr>
             <a:r>
-              <a:rPr b="0" lang="es-AR" sz="2400" spc="-1" strike="noStrike">
+              <a:rPr b="0" lang="en-GB" sz="2400" spc="-1" strike="noStrike">
                 <a:latin typeface="Arial"/>
               </a:rPr>
-              <a:t>Third Outline Level</a:t>
+              <a:t>Tercer nivel del esquema</a:t>
             </a:r>
-            <a:endParaRPr b="0" lang="es-AR" sz="2400" spc="-1" strike="noStrike">
+            <a:endParaRPr b="0" lang="en-GB" sz="2400" spc="-1" strike="noStrike">
               <a:latin typeface="Arial"/>
             </a:endParaRPr>
           </a:p>
@@ -17401,12 +17401,12 @@
               <a:buChar char=""/>
             </a:pPr>
             <a:r>
-              <a:rPr b="0" lang="es-AR" sz="2000" spc="-1" strike="noStrike">
+              <a:rPr b="0" lang="en-GB" sz="2000" spc="-1" strike="noStrike">
                 <a:latin typeface="Arial"/>
               </a:rPr>
-              <a:t>Fourth Outline Level</a:t>
+              <a:t>Cuarto nivel del esquema</a:t>
             </a:r>
-            <a:endParaRPr b="0" lang="es-AR" sz="2000" spc="-1" strike="noStrike">
+            <a:endParaRPr b="0" lang="en-GB" sz="2000" spc="-1" strike="noStrike">
               <a:latin typeface="Arial"/>
             </a:endParaRPr>
           </a:p>
@@ -17423,12 +17423,12 @@
               <a:buChar char=""/>
             </a:pPr>
             <a:r>
-              <a:rPr b="0" lang="es-AR" sz="2000" spc="-1" strike="noStrike">
+              <a:rPr b="0" lang="en-GB" sz="2000" spc="-1" strike="noStrike">
                 <a:latin typeface="Arial"/>
               </a:rPr>
-              <a:t>Fifth Outline Level</a:t>
+              <a:t>Quinto nivel del esquema</a:t>
             </a:r>
-            <a:endParaRPr b="0" lang="es-AR" sz="2000" spc="-1" strike="noStrike">
+            <a:endParaRPr b="0" lang="en-GB" sz="2000" spc="-1" strike="noStrike">
               <a:latin typeface="Arial"/>
             </a:endParaRPr>
           </a:p>
@@ -17445,12 +17445,12 @@
               <a:buChar char=""/>
             </a:pPr>
             <a:r>
-              <a:rPr b="0" lang="es-AR" sz="2000" spc="-1" strike="noStrike">
+              <a:rPr b="0" lang="en-GB" sz="2000" spc="-1" strike="noStrike">
                 <a:latin typeface="Arial"/>
               </a:rPr>
-              <a:t>Sixth Outline Level</a:t>
+              <a:t>Sexto nivel del esquema</a:t>
             </a:r>
-            <a:endParaRPr b="0" lang="es-AR" sz="2000" spc="-1" strike="noStrike">
+            <a:endParaRPr b="0" lang="en-GB" sz="2000" spc="-1" strike="noStrike">
               <a:latin typeface="Arial"/>
             </a:endParaRPr>
           </a:p>
@@ -17467,12 +17467,12 @@
               <a:buChar char=""/>
             </a:pPr>
             <a:r>
-              <a:rPr b="0" lang="es-AR" sz="2000" spc="-1" strike="noStrike">
+              <a:rPr b="0" lang="en-GB" sz="2000" spc="-1" strike="noStrike">
                 <a:latin typeface="Arial"/>
               </a:rPr>
-              <a:t>Seventh Outline Level</a:t>
+              <a:t>Séptimo nivel del esquema</a:t>
             </a:r>
-            <a:endParaRPr b="0" lang="es-AR" sz="2000" spc="-1" strike="noStrike">
+            <a:endParaRPr b="0" lang="en-GB" sz="2000" spc="-1" strike="noStrike">
               <a:latin typeface="Arial"/>
             </a:endParaRPr>
           </a:p>
@@ -17531,9 +17531,9 @@
         <p:grpSpPr>
           <a:xfrm>
             <a:off x="0" y="228600"/>
-            <a:ext cx="2849760" cy="6636960"/>
+            <a:ext cx="2849400" cy="6636600"/>
             <a:chOff x="0" y="228600"/>
-            <a:chExt cx="2849760" cy="6636960"/>
+            <a:chExt cx="2849400" cy="6636600"/>
           </a:xfrm>
         </p:grpSpPr>
         <p:sp>
@@ -17545,7 +17545,7 @@
           <p:spPr>
             <a:xfrm>
               <a:off x="0" y="2575080"/>
-              <a:ext cx="99000" cy="624240"/>
+              <a:ext cx="98640" cy="623880"/>
             </a:xfrm>
             <a:custGeom>
               <a:avLst/>
@@ -17611,7 +17611,7 @@
           <p:spPr>
             <a:xfrm>
               <a:off x="128520" y="3156480"/>
-              <a:ext cx="644760" cy="2320560"/>
+              <a:ext cx="644400" cy="2320200"/>
             </a:xfrm>
             <a:custGeom>
               <a:avLst/>
@@ -17682,7 +17682,7 @@
           <p:spPr>
             <a:xfrm>
               <a:off x="807120" y="5447160"/>
-              <a:ext cx="607680" cy="1418400"/>
+              <a:ext cx="607320" cy="1418040"/>
             </a:xfrm>
             <a:custGeom>
               <a:avLst/>
@@ -17758,7 +17758,7 @@
           <p:spPr>
             <a:xfrm>
               <a:off x="959760" y="6503760"/>
-              <a:ext cx="169560" cy="361800"/>
+              <a:ext cx="169200" cy="361440"/>
             </a:xfrm>
             <a:custGeom>
               <a:avLst/>
@@ -17814,7 +17814,7 @@
           <p:spPr>
             <a:xfrm>
               <a:off x="100800" y="3201120"/>
-              <a:ext cx="820080" cy="3326760"/>
+              <a:ext cx="819720" cy="3326400"/>
             </a:xfrm>
             <a:custGeom>
               <a:avLst/>
@@ -17905,7 +17905,7 @@
           <p:spPr>
             <a:xfrm>
               <a:off x="22320" y="228600"/>
-              <a:ext cx="104400" cy="2926080"/>
+              <a:ext cx="104040" cy="2925720"/>
             </a:xfrm>
             <a:custGeom>
               <a:avLst/>
@@ -17991,7 +17991,7 @@
           <p:spPr>
             <a:xfrm>
               <a:off x="78120" y="2944080"/>
-              <a:ext cx="76320" cy="492120"/>
+              <a:ext cx="75960" cy="491760"/>
             </a:xfrm>
             <a:custGeom>
               <a:avLst/>
@@ -18057,7 +18057,7 @@
           <p:spPr>
             <a:xfrm>
               <a:off x="769680" y="5478840"/>
-              <a:ext cx="188280" cy="1023120"/>
+              <a:ext cx="187920" cy="1022760"/>
             </a:xfrm>
             <a:custGeom>
               <a:avLst/>
@@ -18143,7 +18143,7 @@
           <p:spPr>
             <a:xfrm>
               <a:off x="775440" y="1398960"/>
-              <a:ext cx="2074320" cy="4046400"/>
+              <a:ext cx="2073960" cy="4046040"/>
             </a:xfrm>
             <a:custGeom>
               <a:avLst/>
@@ -18264,7 +18264,7 @@
           <p:spPr>
             <a:xfrm>
               <a:off x="922680" y="6530040"/>
-              <a:ext cx="160200" cy="335520"/>
+              <a:ext cx="159840" cy="335160"/>
             </a:xfrm>
             <a:custGeom>
               <a:avLst/>
@@ -18320,7 +18320,7 @@
           <p:spPr>
             <a:xfrm>
               <a:off x="769680" y="5359320"/>
-              <a:ext cx="35640" cy="219960"/>
+              <a:ext cx="35280" cy="219600"/>
             </a:xfrm>
             <a:custGeom>
               <a:avLst/>
@@ -18386,7 +18386,7 @@
           <p:spPr>
             <a:xfrm>
               <a:off x="849960" y="6244560"/>
-              <a:ext cx="236880" cy="620640"/>
+              <a:ext cx="236520" cy="620280"/>
             </a:xfrm>
             <a:custGeom>
               <a:avLst/>
@@ -18463,9 +18463,9 @@
         <p:grpSpPr>
           <a:xfrm>
             <a:off x="27360" y="-720"/>
-            <a:ext cx="2354760" cy="6852240"/>
+            <a:ext cx="2354400" cy="6851880"/>
             <a:chOff x="27360" y="-720"/>
-            <a:chExt cx="2354760" cy="6852240"/>
+            <a:chExt cx="2354400" cy="6851880"/>
           </a:xfrm>
         </p:grpSpPr>
         <p:sp>
@@ -18477,7 +18477,7 @@
           <p:spPr>
             <a:xfrm>
               <a:off x="27360" y="-720"/>
-              <a:ext cx="492480" cy="4399200"/>
+              <a:ext cx="492120" cy="4398840"/>
             </a:xfrm>
             <a:custGeom>
               <a:avLst/>
@@ -18586,7 +18586,7 @@
           <p:spPr>
             <a:xfrm>
               <a:off x="550440" y="4316400"/>
-              <a:ext cx="421560" cy="1578960"/>
+              <a:ext cx="421200" cy="1578600"/>
             </a:xfrm>
             <a:custGeom>
               <a:avLst/>
@@ -18660,7 +18660,7 @@
           <p:spPr>
             <a:xfrm>
               <a:off x="1006200" y="5862600"/>
-              <a:ext cx="429120" cy="988920"/>
+              <a:ext cx="428760" cy="988560"/>
             </a:xfrm>
             <a:custGeom>
               <a:avLst/>
@@ -18734,7 +18734,7 @@
           <p:spPr>
             <a:xfrm>
               <a:off x="521640" y="4364280"/>
-              <a:ext cx="550080" cy="2234160"/>
+              <a:ext cx="549720" cy="2233800"/>
             </a:xfrm>
             <a:custGeom>
               <a:avLst/>
@@ -18823,7 +18823,7 @@
           <p:spPr>
             <a:xfrm>
               <a:off x="468000" y="1289160"/>
-              <a:ext cx="172440" cy="3025440"/>
+              <a:ext cx="172080" cy="3025080"/>
             </a:xfrm>
             <a:custGeom>
               <a:avLst/>
@@ -18922,7 +18922,7 @@
           <p:spPr>
             <a:xfrm>
               <a:off x="1111680" y="6571440"/>
-              <a:ext cx="132480" cy="279720"/>
+              <a:ext cx="132120" cy="279360"/>
             </a:xfrm>
             <a:custGeom>
               <a:avLst/>
@@ -18976,7 +18976,7 @@
           <p:spPr>
             <a:xfrm>
               <a:off x="502560" y="4107600"/>
-              <a:ext cx="80640" cy="509760"/>
+              <a:ext cx="80280" cy="509400"/>
             </a:xfrm>
             <a:custGeom>
               <a:avLst/>
@@ -19045,7 +19045,7 @@
           <p:spPr>
             <a:xfrm>
               <a:off x="973800" y="3145680"/>
-              <a:ext cx="1408320" cy="2715120"/>
+              <a:ext cx="1407960" cy="2714760"/>
             </a:xfrm>
             <a:custGeom>
               <a:avLst/>
@@ -19159,7 +19159,7 @@
           <p:spPr>
             <a:xfrm>
               <a:off x="1073520" y="6600240"/>
-              <a:ext cx="118800" cy="251280"/>
+              <a:ext cx="118440" cy="250920"/>
             </a:xfrm>
             <a:custGeom>
               <a:avLst/>
@@ -19213,7 +19213,7 @@
           <p:spPr>
             <a:xfrm>
               <a:off x="973800" y="5897160"/>
-              <a:ext cx="136080" cy="672480"/>
+              <a:ext cx="135720" cy="672120"/>
             </a:xfrm>
             <a:custGeom>
               <a:avLst/>
@@ -19287,7 +19287,7 @@
           <p:spPr>
             <a:xfrm>
               <a:off x="973800" y="5772600"/>
-              <a:ext cx="36360" cy="226080"/>
+              <a:ext cx="36000" cy="225720"/>
             </a:xfrm>
             <a:custGeom>
               <a:avLst/>
@@ -19356,7 +19356,7 @@
           <p:spPr>
             <a:xfrm>
               <a:off x="1006200" y="6322680"/>
-              <a:ext cx="208800" cy="528840"/>
+              <a:ext cx="208440" cy="528480"/>
             </a:xfrm>
             <a:custGeom>
               <a:avLst/>
@@ -19431,7 +19431,7 @@
         <p:spPr>
           <a:xfrm>
             <a:off x="0" y="0"/>
-            <a:ext cx="181080" cy="6856200"/>
+            <a:ext cx="180720" cy="6855840"/>
           </a:xfrm>
           <a:prstGeom prst="rect">
             <a:avLst/>
@@ -19471,8 +19471,8 @@
         </p:nvSpPr>
         <p:spPr>
           <a:xfrm flipV="1">
-            <a:off x="-2880" y="711360"/>
-            <a:ext cx="1586880" cy="505440"/>
+            <a:off x="-2880" y="710640"/>
+            <a:ext cx="1586520" cy="505080"/>
           </a:xfrm>
           <a:custGeom>
             <a:avLst/>
@@ -19575,12 +19575,12 @@
           </a:bodyPr>
           <a:p>
             <a:r>
-              <a:rPr b="0" lang="es-AR" sz="1800" spc="-1" strike="noStrike">
+              <a:rPr b="0" lang="en-GB" sz="1800" spc="-1" strike="noStrike">
                 <a:latin typeface="Arial"/>
               </a:rPr>
-              <a:t>Click to edit the title text format</a:t>
+              <a:t>Pulse para editar el formato del texto de título</a:t>
             </a:r>
-            <a:endParaRPr b="0" lang="es-AR" sz="1800" spc="-1" strike="noStrike">
+            <a:endParaRPr b="0" lang="en-GB" sz="1800" spc="-1" strike="noStrike">
               <a:latin typeface="Arial"/>
             </a:endParaRPr>
           </a:p>
@@ -19622,12 +19622,12 @@
               <a:buChar char=""/>
             </a:pPr>
             <a:r>
-              <a:rPr b="0" lang="es-AR" sz="1800" spc="-1" strike="noStrike">
+              <a:rPr b="0" lang="en-GB" sz="1800" spc="-1" strike="noStrike">
                 <a:latin typeface="Arial"/>
               </a:rPr>
-              <a:t>Click to edit the outline text format</a:t>
+              <a:t>Pulse para editar el formato de esquema del texto</a:t>
             </a:r>
-            <a:endParaRPr b="0" lang="es-AR" sz="1800" spc="-1" strike="noStrike">
+            <a:endParaRPr b="0" lang="en-GB" sz="1800" spc="-1" strike="noStrike">
               <a:latin typeface="Arial"/>
             </a:endParaRPr>
           </a:p>
@@ -19644,12 +19644,12 @@
               <a:buChar char=""/>
             </a:pPr>
             <a:r>
-              <a:rPr b="0" lang="es-AR" sz="1800" spc="-1" strike="noStrike">
+              <a:rPr b="0" lang="en-GB" sz="1800" spc="-1" strike="noStrike">
                 <a:latin typeface="Arial"/>
               </a:rPr>
-              <a:t>Second Outline Level</a:t>
+              <a:t>Segundo nivel del esquema</a:t>
             </a:r>
-            <a:endParaRPr b="0" lang="es-AR" sz="1800" spc="-1" strike="noStrike">
+            <a:endParaRPr b="0" lang="en-GB" sz="1800" spc="-1" strike="noStrike">
               <a:latin typeface="Arial"/>
             </a:endParaRPr>
           </a:p>
@@ -19666,12 +19666,12 @@
               <a:buChar char=""/>
             </a:pPr>
             <a:r>
-              <a:rPr b="0" lang="es-AR" sz="1800" spc="-1" strike="noStrike">
+              <a:rPr b="0" lang="en-GB" sz="1800" spc="-1" strike="noStrike">
                 <a:latin typeface="Arial"/>
               </a:rPr>
-              <a:t>Third Outline Level</a:t>
+              <a:t>Tercer nivel del esquema</a:t>
             </a:r>
-            <a:endParaRPr b="0" lang="es-AR" sz="1800" spc="-1" strike="noStrike">
+            <a:endParaRPr b="0" lang="en-GB" sz="1800" spc="-1" strike="noStrike">
               <a:latin typeface="Arial"/>
             </a:endParaRPr>
           </a:p>
@@ -19688,12 +19688,12 @@
               <a:buChar char=""/>
             </a:pPr>
             <a:r>
-              <a:rPr b="0" lang="es-AR" sz="1800" spc="-1" strike="noStrike">
+              <a:rPr b="0" lang="en-GB" sz="1800" spc="-1" strike="noStrike">
                 <a:latin typeface="Arial"/>
               </a:rPr>
-              <a:t>Fourth Outline Level</a:t>
+              <a:t>Cuarto nivel del esquema</a:t>
             </a:r>
-            <a:endParaRPr b="0" lang="es-AR" sz="1800" spc="-1" strike="noStrike">
+            <a:endParaRPr b="0" lang="en-GB" sz="1800" spc="-1" strike="noStrike">
               <a:latin typeface="Arial"/>
             </a:endParaRPr>
           </a:p>
@@ -19710,12 +19710,12 @@
               <a:buChar char=""/>
             </a:pPr>
             <a:r>
-              <a:rPr b="0" lang="es-AR" sz="1800" spc="-1" strike="noStrike">
+              <a:rPr b="0" lang="en-GB" sz="1800" spc="-1" strike="noStrike">
                 <a:latin typeface="Arial"/>
               </a:rPr>
-              <a:t>Fifth Outline Level</a:t>
+              <a:t>Quinto nivel del esquema</a:t>
             </a:r>
-            <a:endParaRPr b="0" lang="es-AR" sz="1800" spc="-1" strike="noStrike">
+            <a:endParaRPr b="0" lang="en-GB" sz="1800" spc="-1" strike="noStrike">
               <a:latin typeface="Arial"/>
             </a:endParaRPr>
           </a:p>
@@ -19732,12 +19732,12 @@
               <a:buChar char=""/>
             </a:pPr>
             <a:r>
-              <a:rPr b="0" lang="es-AR" sz="1800" spc="-1" strike="noStrike">
+              <a:rPr b="0" lang="en-GB" sz="1800" spc="-1" strike="noStrike">
                 <a:latin typeface="Arial"/>
               </a:rPr>
-              <a:t>Sixth Outline Level</a:t>
+              <a:t>Sexto nivel del esquema</a:t>
             </a:r>
-            <a:endParaRPr b="0" lang="es-AR" sz="1800" spc="-1" strike="noStrike">
+            <a:endParaRPr b="0" lang="en-GB" sz="1800" spc="-1" strike="noStrike">
               <a:latin typeface="Arial"/>
             </a:endParaRPr>
           </a:p>
@@ -19754,12 +19754,12 @@
               <a:buChar char=""/>
             </a:pPr>
             <a:r>
-              <a:rPr b="0" lang="es-AR" sz="1800" spc="-1" strike="noStrike">
+              <a:rPr b="0" lang="en-GB" sz="1800" spc="-1" strike="noStrike">
                 <a:latin typeface="Arial"/>
               </a:rPr>
-              <a:t>Seventh Outline Level</a:t>
+              <a:t>Séptimo nivel del esquema</a:t>
             </a:r>
-            <a:endParaRPr b="0" lang="es-AR" sz="1800" spc="-1" strike="noStrike">
+            <a:endParaRPr b="0" lang="en-GB" sz="1800" spc="-1" strike="noStrike">
               <a:latin typeface="Arial"/>
             </a:endParaRPr>
           </a:p>
@@ -19801,12 +19801,12 @@
               <a:buChar char=""/>
             </a:pPr>
             <a:r>
-              <a:rPr b="0" lang="es-AR" sz="1800" spc="-1" strike="noStrike">
+              <a:rPr b="0" lang="en-GB" sz="1800" spc="-1" strike="noStrike">
                 <a:latin typeface="Arial"/>
               </a:rPr>
-              <a:t>Click to edit the outline text format</a:t>
+              <a:t>Pulse para editar el formato de esquema del texto</a:t>
             </a:r>
-            <a:endParaRPr b="0" lang="es-AR" sz="1800" spc="-1" strike="noStrike">
+            <a:endParaRPr b="0" lang="en-GB" sz="1800" spc="-1" strike="noStrike">
               <a:latin typeface="Arial"/>
             </a:endParaRPr>
           </a:p>
@@ -19823,12 +19823,12 @@
               <a:buChar char=""/>
             </a:pPr>
             <a:r>
-              <a:rPr b="0" lang="es-AR" sz="1800" spc="-1" strike="noStrike">
+              <a:rPr b="0" lang="en-GB" sz="1800" spc="-1" strike="noStrike">
                 <a:latin typeface="Arial"/>
               </a:rPr>
-              <a:t>Second Outline Level</a:t>
+              <a:t>Segundo nivel del esquema</a:t>
             </a:r>
-            <a:endParaRPr b="0" lang="es-AR" sz="1800" spc="-1" strike="noStrike">
+            <a:endParaRPr b="0" lang="en-GB" sz="1800" spc="-1" strike="noStrike">
               <a:latin typeface="Arial"/>
             </a:endParaRPr>
           </a:p>
@@ -19845,12 +19845,12 @@
               <a:buChar char=""/>
             </a:pPr>
             <a:r>
-              <a:rPr b="0" lang="es-AR" sz="1800" spc="-1" strike="noStrike">
+              <a:rPr b="0" lang="en-GB" sz="1800" spc="-1" strike="noStrike">
                 <a:latin typeface="Arial"/>
               </a:rPr>
-              <a:t>Third Outline Level</a:t>
+              <a:t>Tercer nivel del esquema</a:t>
             </a:r>
-            <a:endParaRPr b="0" lang="es-AR" sz="1800" spc="-1" strike="noStrike">
+            <a:endParaRPr b="0" lang="en-GB" sz="1800" spc="-1" strike="noStrike">
               <a:latin typeface="Arial"/>
             </a:endParaRPr>
           </a:p>
@@ -19867,12 +19867,12 @@
               <a:buChar char=""/>
             </a:pPr>
             <a:r>
-              <a:rPr b="0" lang="es-AR" sz="1800" spc="-1" strike="noStrike">
+              <a:rPr b="0" lang="en-GB" sz="1800" spc="-1" strike="noStrike">
                 <a:latin typeface="Arial"/>
               </a:rPr>
-              <a:t>Fourth Outline Level</a:t>
+              <a:t>Cuarto nivel del esquema</a:t>
             </a:r>
-            <a:endParaRPr b="0" lang="es-AR" sz="1800" spc="-1" strike="noStrike">
+            <a:endParaRPr b="0" lang="en-GB" sz="1800" spc="-1" strike="noStrike">
               <a:latin typeface="Arial"/>
             </a:endParaRPr>
           </a:p>
@@ -19889,12 +19889,12 @@
               <a:buChar char=""/>
             </a:pPr>
             <a:r>
-              <a:rPr b="0" lang="es-AR" sz="1800" spc="-1" strike="noStrike">
+              <a:rPr b="0" lang="en-GB" sz="1800" spc="-1" strike="noStrike">
                 <a:latin typeface="Arial"/>
               </a:rPr>
-              <a:t>Fifth Outline Level</a:t>
+              <a:t>Quinto nivel del esquema</a:t>
             </a:r>
-            <a:endParaRPr b="0" lang="es-AR" sz="1800" spc="-1" strike="noStrike">
+            <a:endParaRPr b="0" lang="en-GB" sz="1800" spc="-1" strike="noStrike">
               <a:latin typeface="Arial"/>
             </a:endParaRPr>
           </a:p>
@@ -19911,12 +19911,12 @@
               <a:buChar char=""/>
             </a:pPr>
             <a:r>
-              <a:rPr b="0" lang="es-AR" sz="1800" spc="-1" strike="noStrike">
+              <a:rPr b="0" lang="en-GB" sz="1800" spc="-1" strike="noStrike">
                 <a:latin typeface="Arial"/>
               </a:rPr>
-              <a:t>Sixth Outline Level</a:t>
+              <a:t>Sexto nivel del esquema</a:t>
             </a:r>
-            <a:endParaRPr b="0" lang="es-AR" sz="1800" spc="-1" strike="noStrike">
+            <a:endParaRPr b="0" lang="en-GB" sz="1800" spc="-1" strike="noStrike">
               <a:latin typeface="Arial"/>
             </a:endParaRPr>
           </a:p>
@@ -19933,12 +19933,12 @@
               <a:buChar char=""/>
             </a:pPr>
             <a:r>
-              <a:rPr b="0" lang="es-AR" sz="1800" spc="-1" strike="noStrike">
+              <a:rPr b="0" lang="en-GB" sz="1800" spc="-1" strike="noStrike">
                 <a:latin typeface="Arial"/>
               </a:rPr>
-              <a:t>Seventh Outline Level</a:t>
+              <a:t>Séptimo nivel del esquema</a:t>
             </a:r>
-            <a:endParaRPr b="0" lang="es-AR" sz="1800" spc="-1" strike="noStrike">
+            <a:endParaRPr b="0" lang="en-GB" sz="1800" spc="-1" strike="noStrike">
               <a:latin typeface="Arial"/>
             </a:endParaRPr>
           </a:p>
@@ -19997,9 +19997,9 @@
         <p:grpSpPr>
           <a:xfrm>
             <a:off x="0" y="228600"/>
-            <a:ext cx="2849760" cy="6636960"/>
+            <a:ext cx="2849400" cy="6636600"/>
             <a:chOff x="0" y="228600"/>
-            <a:chExt cx="2849760" cy="6636960"/>
+            <a:chExt cx="2849400" cy="6636600"/>
           </a:xfrm>
         </p:grpSpPr>
         <p:sp>
@@ -20011,7 +20011,7 @@
           <p:spPr>
             <a:xfrm>
               <a:off x="0" y="2575080"/>
-              <a:ext cx="99000" cy="624240"/>
+              <a:ext cx="98640" cy="623880"/>
             </a:xfrm>
             <a:custGeom>
               <a:avLst/>
@@ -20077,7 +20077,7 @@
           <p:spPr>
             <a:xfrm>
               <a:off x="128520" y="3156480"/>
-              <a:ext cx="644760" cy="2320560"/>
+              <a:ext cx="644400" cy="2320200"/>
             </a:xfrm>
             <a:custGeom>
               <a:avLst/>
@@ -20148,7 +20148,7 @@
           <p:spPr>
             <a:xfrm>
               <a:off x="807120" y="5447160"/>
-              <a:ext cx="607680" cy="1418400"/>
+              <a:ext cx="607320" cy="1418040"/>
             </a:xfrm>
             <a:custGeom>
               <a:avLst/>
@@ -20224,7 +20224,7 @@
           <p:spPr>
             <a:xfrm>
               <a:off x="959760" y="6503760"/>
-              <a:ext cx="169560" cy="361800"/>
+              <a:ext cx="169200" cy="361440"/>
             </a:xfrm>
             <a:custGeom>
               <a:avLst/>
@@ -20280,7 +20280,7 @@
           <p:spPr>
             <a:xfrm>
               <a:off x="100800" y="3201120"/>
-              <a:ext cx="820080" cy="3326760"/>
+              <a:ext cx="819720" cy="3326400"/>
             </a:xfrm>
             <a:custGeom>
               <a:avLst/>
@@ -20371,7 +20371,7 @@
           <p:spPr>
             <a:xfrm>
               <a:off x="22320" y="228600"/>
-              <a:ext cx="104400" cy="2926080"/>
+              <a:ext cx="104040" cy="2925720"/>
             </a:xfrm>
             <a:custGeom>
               <a:avLst/>
@@ -20457,7 +20457,7 @@
           <p:spPr>
             <a:xfrm>
               <a:off x="78120" y="2944080"/>
-              <a:ext cx="76320" cy="492120"/>
+              <a:ext cx="75960" cy="491760"/>
             </a:xfrm>
             <a:custGeom>
               <a:avLst/>
@@ -20523,7 +20523,7 @@
           <p:spPr>
             <a:xfrm>
               <a:off x="769680" y="5478840"/>
-              <a:ext cx="188280" cy="1023120"/>
+              <a:ext cx="187920" cy="1022760"/>
             </a:xfrm>
             <a:custGeom>
               <a:avLst/>
@@ -20609,7 +20609,7 @@
           <p:spPr>
             <a:xfrm>
               <a:off x="775440" y="1398960"/>
-              <a:ext cx="2074320" cy="4046400"/>
+              <a:ext cx="2073960" cy="4046040"/>
             </a:xfrm>
             <a:custGeom>
               <a:avLst/>
@@ -20730,7 +20730,7 @@
           <p:spPr>
             <a:xfrm>
               <a:off x="922680" y="6530040"/>
-              <a:ext cx="160200" cy="335520"/>
+              <a:ext cx="159840" cy="335160"/>
             </a:xfrm>
             <a:custGeom>
               <a:avLst/>
@@ -20786,7 +20786,7 @@
           <p:spPr>
             <a:xfrm>
               <a:off x="769680" y="5359320"/>
-              <a:ext cx="35640" cy="219960"/>
+              <a:ext cx="35280" cy="219600"/>
             </a:xfrm>
             <a:custGeom>
               <a:avLst/>
@@ -20852,7 +20852,7 @@
           <p:spPr>
             <a:xfrm>
               <a:off x="849960" y="6244560"/>
-              <a:ext cx="236880" cy="620640"/>
+              <a:ext cx="236520" cy="620280"/>
             </a:xfrm>
             <a:custGeom>
               <a:avLst/>
@@ -20929,9 +20929,9 @@
         <p:grpSpPr>
           <a:xfrm>
             <a:off x="27360" y="-720"/>
-            <a:ext cx="2354760" cy="6852240"/>
+            <a:ext cx="2354400" cy="6851880"/>
             <a:chOff x="27360" y="-720"/>
-            <a:chExt cx="2354760" cy="6852240"/>
+            <a:chExt cx="2354400" cy="6851880"/>
           </a:xfrm>
         </p:grpSpPr>
         <p:sp>
@@ -20943,7 +20943,7 @@
           <p:spPr>
             <a:xfrm>
               <a:off x="27360" y="-720"/>
-              <a:ext cx="492480" cy="4399200"/>
+              <a:ext cx="492120" cy="4398840"/>
             </a:xfrm>
             <a:custGeom>
               <a:avLst/>
@@ -21052,7 +21052,7 @@
           <p:spPr>
             <a:xfrm>
               <a:off x="550440" y="4316400"/>
-              <a:ext cx="421560" cy="1578960"/>
+              <a:ext cx="421200" cy="1578600"/>
             </a:xfrm>
             <a:custGeom>
               <a:avLst/>
@@ -21126,7 +21126,7 @@
           <p:spPr>
             <a:xfrm>
               <a:off x="1006200" y="5862600"/>
-              <a:ext cx="429120" cy="988920"/>
+              <a:ext cx="428760" cy="988560"/>
             </a:xfrm>
             <a:custGeom>
               <a:avLst/>
@@ -21200,7 +21200,7 @@
           <p:spPr>
             <a:xfrm>
               <a:off x="521640" y="4364280"/>
-              <a:ext cx="550080" cy="2234160"/>
+              <a:ext cx="549720" cy="2233800"/>
             </a:xfrm>
             <a:custGeom>
               <a:avLst/>
@@ -21289,7 +21289,7 @@
           <p:spPr>
             <a:xfrm>
               <a:off x="468000" y="1289160"/>
-              <a:ext cx="172440" cy="3025440"/>
+              <a:ext cx="172080" cy="3025080"/>
             </a:xfrm>
             <a:custGeom>
               <a:avLst/>
@@ -21388,7 +21388,7 @@
           <p:spPr>
             <a:xfrm>
               <a:off x="1111680" y="6571440"/>
-              <a:ext cx="132480" cy="279720"/>
+              <a:ext cx="132120" cy="279360"/>
             </a:xfrm>
             <a:custGeom>
               <a:avLst/>
@@ -21442,7 +21442,7 @@
           <p:spPr>
             <a:xfrm>
               <a:off x="502560" y="4107600"/>
-              <a:ext cx="80640" cy="509760"/>
+              <a:ext cx="80280" cy="509400"/>
             </a:xfrm>
             <a:custGeom>
               <a:avLst/>
@@ -21511,7 +21511,7 @@
           <p:spPr>
             <a:xfrm>
               <a:off x="973800" y="3145680"/>
-              <a:ext cx="1408320" cy="2715120"/>
+              <a:ext cx="1407960" cy="2714760"/>
             </a:xfrm>
             <a:custGeom>
               <a:avLst/>
@@ -21625,7 +21625,7 @@
           <p:spPr>
             <a:xfrm>
               <a:off x="1073520" y="6600240"/>
-              <a:ext cx="118800" cy="251280"/>
+              <a:ext cx="118440" cy="250920"/>
             </a:xfrm>
             <a:custGeom>
               <a:avLst/>
@@ -21679,7 +21679,7 @@
           <p:spPr>
             <a:xfrm>
               <a:off x="973800" y="5897160"/>
-              <a:ext cx="136080" cy="672480"/>
+              <a:ext cx="135720" cy="672120"/>
             </a:xfrm>
             <a:custGeom>
               <a:avLst/>
@@ -21753,7 +21753,7 @@
           <p:spPr>
             <a:xfrm>
               <a:off x="973800" y="5772600"/>
-              <a:ext cx="36360" cy="226080"/>
+              <a:ext cx="36000" cy="225720"/>
             </a:xfrm>
             <a:custGeom>
               <a:avLst/>
@@ -21822,7 +21822,7 @@
           <p:spPr>
             <a:xfrm>
               <a:off x="1006200" y="6322680"/>
-              <a:ext cx="208800" cy="528840"/>
+              <a:ext cx="208440" cy="528480"/>
             </a:xfrm>
             <a:custGeom>
               <a:avLst/>
@@ -21897,7 +21897,7 @@
         <p:spPr>
           <a:xfrm>
             <a:off x="0" y="0"/>
-            <a:ext cx="181080" cy="6856200"/>
+            <a:ext cx="180720" cy="6855840"/>
           </a:xfrm>
           <a:prstGeom prst="rect">
             <a:avLst/>
@@ -21937,8 +21937,8 @@
         </p:nvSpPr>
         <p:spPr>
           <a:xfrm flipV="1">
-            <a:off x="-2880" y="711360"/>
-            <a:ext cx="1586880" cy="505440"/>
+            <a:off x="-2880" y="710640"/>
+            <a:ext cx="1586520" cy="505080"/>
           </a:xfrm>
           <a:custGeom>
             <a:avLst/>
@@ -22042,12 +22042,12 @@
           <a:p>
             <a:pPr algn="ctr"/>
             <a:r>
-              <a:rPr b="0" lang="es-AR" sz="4400" spc="-1" strike="noStrike">
+              <a:rPr b="0" lang="en-GB" sz="4400" spc="-1" strike="noStrike">
                 <a:latin typeface="Arial"/>
               </a:rPr>
-              <a:t>Click to edit the title text format</a:t>
+              <a:t>Pulse para editar el formato del texto de título</a:t>
             </a:r>
-            <a:endParaRPr b="0" lang="es-AR" sz="4400" spc="-1" strike="noStrike">
+            <a:endParaRPr b="0" lang="en-GB" sz="4400" spc="-1" strike="noStrike">
               <a:latin typeface="Arial"/>
             </a:endParaRPr>
           </a:p>
@@ -22089,12 +22089,12 @@
               <a:buChar char=""/>
             </a:pPr>
             <a:r>
-              <a:rPr b="0" lang="es-AR" sz="3200" spc="-1" strike="noStrike">
+              <a:rPr b="0" lang="en-GB" sz="3200" spc="-1" strike="noStrike">
                 <a:latin typeface="Arial"/>
               </a:rPr>
-              <a:t>Click to edit the outline text format</a:t>
+              <a:t>Pulse para editar el formato de esquema del texto</a:t>
             </a:r>
-            <a:endParaRPr b="0" lang="es-AR" sz="3200" spc="-1" strike="noStrike">
+            <a:endParaRPr b="0" lang="en-GB" sz="3200" spc="-1" strike="noStrike">
               <a:latin typeface="Arial"/>
             </a:endParaRPr>
           </a:p>
@@ -22111,12 +22111,12 @@
               <a:buChar char=""/>
             </a:pPr>
             <a:r>
-              <a:rPr b="0" lang="es-AR" sz="2800" spc="-1" strike="noStrike">
+              <a:rPr b="0" lang="en-GB" sz="2800" spc="-1" strike="noStrike">
                 <a:latin typeface="Arial"/>
               </a:rPr>
-              <a:t>Second Outline Level</a:t>
+              <a:t>Segundo nivel del esquema</a:t>
             </a:r>
-            <a:endParaRPr b="0" lang="es-AR" sz="2800" spc="-1" strike="noStrike">
+            <a:endParaRPr b="0" lang="en-GB" sz="2800" spc="-1" strike="noStrike">
               <a:latin typeface="Arial"/>
             </a:endParaRPr>
           </a:p>
@@ -22133,12 +22133,12 @@
               <a:buChar char=""/>
             </a:pPr>
             <a:r>
-              <a:rPr b="0" lang="es-AR" sz="2400" spc="-1" strike="noStrike">
+              <a:rPr b="0" lang="en-GB" sz="2400" spc="-1" strike="noStrike">
                 <a:latin typeface="Arial"/>
               </a:rPr>
-              <a:t>Third Outline Level</a:t>
+              <a:t>Tercer nivel del esquema</a:t>
             </a:r>
-            <a:endParaRPr b="0" lang="es-AR" sz="2400" spc="-1" strike="noStrike">
+            <a:endParaRPr b="0" lang="en-GB" sz="2400" spc="-1" strike="noStrike">
               <a:latin typeface="Arial"/>
             </a:endParaRPr>
           </a:p>
@@ -22155,12 +22155,12 @@
               <a:buChar char=""/>
             </a:pPr>
             <a:r>
-              <a:rPr b="0" lang="es-AR" sz="2000" spc="-1" strike="noStrike">
+              <a:rPr b="0" lang="en-GB" sz="2000" spc="-1" strike="noStrike">
                 <a:latin typeface="Arial"/>
               </a:rPr>
-              <a:t>Fourth Outline Level</a:t>
+              <a:t>Cuarto nivel del esquema</a:t>
             </a:r>
-            <a:endParaRPr b="0" lang="es-AR" sz="2000" spc="-1" strike="noStrike">
+            <a:endParaRPr b="0" lang="en-GB" sz="2000" spc="-1" strike="noStrike">
               <a:latin typeface="Arial"/>
             </a:endParaRPr>
           </a:p>
@@ -22177,12 +22177,12 @@
               <a:buChar char=""/>
             </a:pPr>
             <a:r>
-              <a:rPr b="0" lang="es-AR" sz="2000" spc="-1" strike="noStrike">
+              <a:rPr b="0" lang="en-GB" sz="2000" spc="-1" strike="noStrike">
                 <a:latin typeface="Arial"/>
               </a:rPr>
-              <a:t>Fifth Outline Level</a:t>
+              <a:t>Quinto nivel del esquema</a:t>
             </a:r>
-            <a:endParaRPr b="0" lang="es-AR" sz="2000" spc="-1" strike="noStrike">
+            <a:endParaRPr b="0" lang="en-GB" sz="2000" spc="-1" strike="noStrike">
               <a:latin typeface="Arial"/>
             </a:endParaRPr>
           </a:p>
@@ -22199,12 +22199,12 @@
               <a:buChar char=""/>
             </a:pPr>
             <a:r>
-              <a:rPr b="0" lang="es-AR" sz="2000" spc="-1" strike="noStrike">
+              <a:rPr b="0" lang="en-GB" sz="2000" spc="-1" strike="noStrike">
                 <a:latin typeface="Arial"/>
               </a:rPr>
-              <a:t>Sixth Outline Level</a:t>
+              <a:t>Sexto nivel del esquema</a:t>
             </a:r>
-            <a:endParaRPr b="0" lang="es-AR" sz="2000" spc="-1" strike="noStrike">
+            <a:endParaRPr b="0" lang="en-GB" sz="2000" spc="-1" strike="noStrike">
               <a:latin typeface="Arial"/>
             </a:endParaRPr>
           </a:p>
@@ -22221,12 +22221,12 @@
               <a:buChar char=""/>
             </a:pPr>
             <a:r>
-              <a:rPr b="0" lang="es-AR" sz="2000" spc="-1" strike="noStrike">
+              <a:rPr b="0" lang="en-GB" sz="2000" spc="-1" strike="noStrike">
                 <a:latin typeface="Arial"/>
               </a:rPr>
-              <a:t>Seventh Outline Level</a:t>
+              <a:t>Séptimo nivel del esquema</a:t>
             </a:r>
-            <a:endParaRPr b="0" lang="es-AR" sz="2000" spc="-1" strike="noStrike">
+            <a:endParaRPr b="0" lang="en-GB" sz="2000" spc="-1" strike="noStrike">
               <a:latin typeface="Arial"/>
             </a:endParaRPr>
           </a:p>
@@ -22278,7 +22278,7 @@
         <p:spPr>
           <a:xfrm>
             <a:off x="2952000" y="-360000"/>
-            <a:ext cx="6494760" cy="2045520"/>
+            <a:ext cx="6494400" cy="2045160"/>
           </a:xfrm>
           <a:prstGeom prst="rect">
             <a:avLst/>
@@ -22307,7 +22307,7 @@
             <a:br/>
             <a:br/>
             <a:r>
-              <a:rPr b="0" lang="es-AR" sz="5400" spc="-1" strike="noStrike">
+              <a:rPr b="0" lang="en-GB" sz="5400" spc="-1" strike="noStrike">
                 <a:solidFill>
                   <a:srgbClr val="262626"/>
                 </a:solidFill>
@@ -22317,7 +22317,7 @@
               <a:t>	</a:t>
             </a:r>
             <a:r>
-              <a:rPr b="1" lang="es-AR" sz="6600" spc="-1" strike="noStrike">
+              <a:rPr b="1" lang="en-GB" sz="6600" spc="-1" strike="noStrike">
                 <a:solidFill>
                   <a:srgbClr val="262626"/>
                 </a:solidFill>
@@ -22326,7 +22326,7 @@
               </a:rPr>
               <a:t>PROYECTO #</a:t>
             </a:r>
-            <a:endParaRPr b="0" lang="es-AR" sz="6600" spc="-1" strike="noStrike">
+            <a:endParaRPr b="0" lang="en-GB" sz="6600" spc="-1" strike="noStrike">
               <a:latin typeface="Arial"/>
             </a:endParaRPr>
           </a:p>
@@ -22337,7 +22337,7 @@
               </a:lnSpc>
             </a:pPr>
             <a:r>
-              <a:rPr b="1" lang="es-AR" sz="3600" spc="-1" strike="noStrike">
+              <a:rPr b="1" lang="en-GB" sz="3600" spc="-1" strike="noStrike">
                 <a:solidFill>
                   <a:srgbClr val="262626"/>
                 </a:solidFill>
@@ -22347,7 +22347,7 @@
               <a:t>	</a:t>
             </a:r>
             <a:r>
-              <a:rPr b="1" lang="es-AR" sz="3600" spc="-1" strike="noStrike">
+              <a:rPr b="1" lang="en-GB" sz="3600" spc="-1" strike="noStrike">
                 <a:solidFill>
                   <a:srgbClr val="262626"/>
                 </a:solidFill>
@@ -22357,7 +22357,7 @@
               <a:t>	</a:t>
             </a:r>
             <a:r>
-              <a:rPr b="1" lang="es-AR" sz="3600" spc="-1" strike="noStrike">
+              <a:rPr b="1" lang="en-GB" sz="3600" spc="-1" strike="noStrike">
                 <a:solidFill>
                   <a:srgbClr val="262626"/>
                 </a:solidFill>
@@ -22366,7 +22366,7 @@
               </a:rPr>
               <a:t>Marvellous Da Vinci</a:t>
             </a:r>
-            <a:endParaRPr b="0" lang="es-AR" sz="3600" spc="-1" strike="noStrike">
+            <a:endParaRPr b="0" lang="en-GB" sz="3600" spc="-1" strike="noStrike">
               <a:latin typeface="Arial"/>
             </a:endParaRPr>
           </a:p>
@@ -22381,7 +22381,7 @@
         <p:spPr>
           <a:xfrm>
             <a:off x="2157480" y="3992400"/>
-            <a:ext cx="4466520" cy="2586960"/>
+            <a:ext cx="4466160" cy="2586600"/>
           </a:xfrm>
           <a:prstGeom prst="rect">
             <a:avLst/>
@@ -22411,7 +22411,7 @@
               </a:spcBef>
             </a:pPr>
             <a:r>
-              <a:rPr b="0" lang="es-AR" sz="2800" spc="-1" strike="noStrike">
+              <a:rPr b="0" lang="en-GB" sz="2800" spc="-1" strike="noStrike">
                 <a:solidFill>
                   <a:srgbClr val="595959"/>
                 </a:solidFill>
@@ -22420,12 +22420,12 @@
               </a:rPr>
               <a:t>INTEGRANTES: </a:t>
             </a:r>
-            <a:endParaRPr b="0" lang="es-AR" sz="2800" spc="-1" strike="noStrike">
-              <a:latin typeface="Arial"/>
-            </a:endParaRPr>
-          </a:p>
-          <a:p>
-            <a:pPr marL="285840" indent="-284040">
+            <a:endParaRPr b="0" lang="en-GB" sz="2800" spc="-1" strike="noStrike">
+              <a:latin typeface="Arial"/>
+            </a:endParaRPr>
+          </a:p>
+          <a:p>
+            <a:pPr marL="285840" indent="-283680">
               <a:lnSpc>
                 <a:spcPct val="100000"/>
               </a:lnSpc>
@@ -22439,7 +22439,7 @@
               <a:buChar char="•"/>
             </a:pPr>
             <a:r>
-              <a:rPr b="0" lang="es-AR" sz="2800" spc="-1" strike="noStrike">
+              <a:rPr b="0" lang="en-GB" sz="2800" spc="-1" strike="noStrike">
                 <a:solidFill>
                   <a:srgbClr val="595959"/>
                 </a:solidFill>
@@ -22448,12 +22448,12 @@
               </a:rPr>
               <a:t>Mattioli, Bárbara</a:t>
             </a:r>
-            <a:endParaRPr b="0" lang="es-AR" sz="2800" spc="-1" strike="noStrike">
-              <a:latin typeface="Arial"/>
-            </a:endParaRPr>
-          </a:p>
-          <a:p>
-            <a:pPr marL="285840" indent="-284040">
+            <a:endParaRPr b="0" lang="en-GB" sz="2800" spc="-1" strike="noStrike">
+              <a:latin typeface="Arial"/>
+            </a:endParaRPr>
+          </a:p>
+          <a:p>
+            <a:pPr marL="285840" indent="-283680">
               <a:lnSpc>
                 <a:spcPct val="100000"/>
               </a:lnSpc>
@@ -22467,7 +22467,7 @@
               <a:buChar char="•"/>
             </a:pPr>
             <a:r>
-              <a:rPr b="0" lang="es-AR" sz="2800" spc="-1" strike="noStrike">
+              <a:rPr b="0" lang="en-GB" sz="2800" spc="-1" strike="noStrike">
                 <a:solidFill>
                   <a:srgbClr val="595959"/>
                 </a:solidFill>
@@ -22476,12 +22476,12 @@
               </a:rPr>
               <a:t>Garat, Manuel</a:t>
             </a:r>
-            <a:endParaRPr b="0" lang="es-AR" sz="2800" spc="-1" strike="noStrike">
-              <a:latin typeface="Arial"/>
-            </a:endParaRPr>
-          </a:p>
-          <a:p>
-            <a:pPr marL="285840" indent="-284040">
+            <a:endParaRPr b="0" lang="en-GB" sz="2800" spc="-1" strike="noStrike">
+              <a:latin typeface="Arial"/>
+            </a:endParaRPr>
+          </a:p>
+          <a:p>
+            <a:pPr marL="285840" indent="-283680">
               <a:lnSpc>
                 <a:spcPct val="100000"/>
               </a:lnSpc>
@@ -22495,7 +22495,7 @@
               <a:buChar char="•"/>
             </a:pPr>
             <a:r>
-              <a:rPr b="0" lang="es-AR" sz="2800" spc="-1" strike="noStrike">
+              <a:rPr b="0" lang="en-GB" sz="2800" spc="-1" strike="noStrike">
                 <a:solidFill>
                   <a:srgbClr val="595959"/>
                 </a:solidFill>
@@ -22504,7 +22504,7 @@
               </a:rPr>
               <a:t>Cerdá, Gianni Lucas</a:t>
             </a:r>
-            <a:endParaRPr b="0" lang="es-AR" sz="2800" spc="-1" strike="noStrike">
+            <a:endParaRPr b="0" lang="en-GB" sz="2800" spc="-1" strike="noStrike">
               <a:latin typeface="Arial"/>
             </a:endParaRPr>
           </a:p>
@@ -22519,7 +22519,7 @@
         <p:spPr>
           <a:xfrm>
             <a:off x="3297240" y="2376000"/>
-            <a:ext cx="6494760" cy="638280"/>
+            <a:ext cx="6494400" cy="638280"/>
           </a:xfrm>
           <a:prstGeom prst="rect">
             <a:avLst/>
@@ -22546,7 +22546,7 @@
               </a:lnSpc>
             </a:pPr>
             <a:r>
-              <a:rPr b="0" i="1" lang="es-AR" sz="3600" spc="-1" strike="noStrike">
+              <a:rPr b="0" i="1" lang="en-GB" sz="3600" spc="-1" strike="noStrike">
                 <a:solidFill>
                   <a:srgbClr val="000000"/>
                 </a:solidFill>
@@ -22555,7 +22555,7 @@
               </a:rPr>
               <a:t>Computación Gráfica 2019</a:t>
             </a:r>
-            <a:endParaRPr b="0" lang="es-AR" sz="3600" spc="-1" strike="noStrike">
+            <a:endParaRPr b="0" lang="en-GB" sz="3600" spc="-1" strike="noStrike">
               <a:latin typeface="Arial"/>
             </a:endParaRPr>
           </a:p>
@@ -22570,7 +22570,7 @@
         <p:spPr>
           <a:xfrm>
             <a:off x="7606440" y="6264000"/>
-            <a:ext cx="4489200" cy="455400"/>
+            <a:ext cx="4488840" cy="455400"/>
           </a:xfrm>
           <a:prstGeom prst="rect">
             <a:avLst/>
@@ -22597,7 +22597,7 @@
               </a:lnSpc>
             </a:pPr>
             <a:r>
-              <a:rPr b="0" i="1" lang="es-AR" sz="2400" spc="-1" strike="noStrike">
+              <a:rPr b="0" i="1" lang="en-GB" sz="2400" spc="-1" strike="noStrike">
                 <a:solidFill>
                   <a:srgbClr val="00b050"/>
                 </a:solidFill>
@@ -22606,7 +22606,7 @@
               </a:rPr>
               <a:t>Universidad Nacional del Sur</a:t>
             </a:r>
-            <a:endParaRPr b="0" lang="es-AR" sz="2400" spc="-1" strike="noStrike">
+            <a:endParaRPr b="0" lang="en-GB" sz="2400" spc="-1" strike="noStrike">
               <a:latin typeface="Arial"/>
             </a:endParaRPr>
           </a:p>
@@ -22622,6 +22622,33 @@
       <p:transition spd="slow"/>
     </mc:Fallback>
   </mc:AlternateContent>
+  <p:timing>
+    <p:tnLst>
+      <p:par>
+        <p:cTn id="1" dur="indefinite" restart="never" nodeType="tmRoot">
+          <p:childTnLst>
+            <p:seq>
+              <p:cTn id="2" dur="indefinite" nodeType="mainSeq"/>
+              <p:prevCondLst>
+                <p:cond delay="0" evt="onPrev">
+                  <p:tgtEl>
+                    <p:sldTgt/>
+                  </p:tgtEl>
+                </p:cond>
+              </p:prevCondLst>
+              <p:nextCondLst>
+                <p:cond delay="0" evt="onNext">
+                  <p:tgtEl>
+                    <p:sldTgt/>
+                  </p:tgtEl>
+                </p:cond>
+              </p:nextCondLst>
+            </p:seq>
+          </p:childTnLst>
+        </p:cTn>
+      </p:par>
+    </p:tnLst>
+  </p:timing>
 </p:sld>
 </file>
 
@@ -22651,7 +22678,7 @@
         <p:spPr>
           <a:xfrm>
             <a:off x="2334600" y="434520"/>
-            <a:ext cx="8364240" cy="813960"/>
+            <a:ext cx="8363880" cy="813600"/>
           </a:xfrm>
           <a:prstGeom prst="rect">
             <a:avLst/>
@@ -22678,7 +22705,7 @@
               </a:lnSpc>
             </a:pPr>
             <a:r>
-              <a:rPr b="0" lang="es-AR" sz="5400" spc="-1" strike="noStrike">
+              <a:rPr b="0" lang="en-GB" sz="5400" spc="-1" strike="noStrike">
                 <a:solidFill>
                   <a:srgbClr val="262626"/>
                 </a:solidFill>
@@ -22688,7 +22715,7 @@
               <a:t>	</a:t>
             </a:r>
             <a:r>
-              <a:rPr b="0" lang="es-AR" sz="5400" spc="-1" strike="noStrike">
+              <a:rPr b="0" lang="en-GB" sz="5400" spc="-1" strike="noStrike">
                 <a:solidFill>
                   <a:srgbClr val="262626"/>
                 </a:solidFill>
@@ -22697,7 +22724,7 @@
               </a:rPr>
               <a:t>Escena B: Fire at Will</a:t>
             </a:r>
-            <a:endParaRPr b="0" lang="es-AR" sz="5400" spc="-1" strike="noStrike">
+            <a:endParaRPr b="0" lang="en-GB" sz="5400" spc="-1" strike="noStrike">
               <a:latin typeface="Arial"/>
             </a:endParaRPr>
           </a:p>
@@ -22716,7 +22743,7 @@
         <p:spPr>
           <a:xfrm>
             <a:off x="2949120" y="1681920"/>
-            <a:ext cx="7845120" cy="4779000"/>
+            <a:ext cx="7844760" cy="4778640"/>
           </a:xfrm>
           <a:prstGeom prst="rect">
             <a:avLst/>
@@ -22736,6 +22763,33 @@
       <p:transition spd="slow"/>
     </mc:Fallback>
   </mc:AlternateContent>
+  <p:timing>
+    <p:tnLst>
+      <p:par>
+        <p:cTn id="19" dur="indefinite" restart="never" nodeType="tmRoot">
+          <p:childTnLst>
+            <p:seq>
+              <p:cTn id="20" dur="indefinite" nodeType="mainSeq"/>
+              <p:prevCondLst>
+                <p:cond delay="0" evt="onPrev">
+                  <p:tgtEl>
+                    <p:sldTgt/>
+                  </p:tgtEl>
+                </p:cond>
+              </p:prevCondLst>
+              <p:nextCondLst>
+                <p:cond delay="0" evt="onNext">
+                  <p:tgtEl>
+                    <p:sldTgt/>
+                  </p:tgtEl>
+                </p:cond>
+              </p:nextCondLst>
+            </p:seq>
+          </p:childTnLst>
+        </p:cTn>
+      </p:par>
+    </p:tnLst>
+  </p:timing>
 </p:sld>
 </file>
 
@@ -22765,7 +22819,7 @@
         <p:spPr>
           <a:xfrm>
             <a:off x="2588400" y="719640"/>
-            <a:ext cx="6226920" cy="497520"/>
+            <a:ext cx="6226560" cy="497160"/>
           </a:xfrm>
           <a:prstGeom prst="rect">
             <a:avLst/>
@@ -22792,7 +22846,7 @@
               </a:lnSpc>
             </a:pPr>
             <a:r>
-              <a:rPr b="0" lang="es-AR" sz="3600" spc="-1" strike="noStrike">
+              <a:rPr b="0" lang="en-GB" sz="3600" spc="-1" strike="noStrike">
                 <a:solidFill>
                   <a:srgbClr val="000000"/>
                 </a:solidFill>
@@ -22801,7 +22855,7 @@
               </a:rPr>
               <a:t>Objetos en la Escena B</a:t>
             </a:r>
-            <a:endParaRPr b="0" lang="es-AR" sz="3600" spc="-1" strike="noStrike">
+            <a:endParaRPr b="0" lang="en-GB" sz="3600" spc="-1" strike="noStrike">
               <a:latin typeface="Arial"/>
             </a:endParaRPr>
           </a:p>
@@ -22816,7 +22870,7 @@
         <p:spPr>
           <a:xfrm>
             <a:off x="541800" y="1770480"/>
-            <a:ext cx="5553000" cy="4429080"/>
+            <a:ext cx="5552640" cy="4428720"/>
           </a:xfrm>
           <a:prstGeom prst="rect">
             <a:avLst/>
@@ -22837,7 +22891,7 @@
             <a:normAutofit/>
           </a:bodyPr>
           <a:p>
-            <a:pPr marL="228600" indent="-227520" algn="just">
+            <a:pPr marL="228600" indent="-227160" algn="just">
               <a:lnSpc>
                 <a:spcPct val="90000"/>
               </a:lnSpc>
@@ -22851,7 +22905,7 @@
               <a:buChar char=""/>
             </a:pPr>
             <a:r>
-              <a:rPr b="0" lang="es-AR" sz="1800" spc="-1" strike="noStrike">
+              <a:rPr b="0" lang="en-GB" sz="1800" spc="-1" strike="noStrike">
                 <a:solidFill>
                   <a:srgbClr val="000000"/>
                 </a:solidFill>
@@ -22860,12 +22914,12 @@
               </a:rPr>
               <a:t>En la escena B, se modela el agua sobre la que se encuentra una porción de tierra/arena que soporta un castillo. Cada uno de estos actores posee una aparariencia distinta.</a:t>
             </a:r>
-            <a:endParaRPr b="0" lang="es-AR" sz="1800" spc="-1" strike="noStrike">
-              <a:latin typeface="Arial"/>
-            </a:endParaRPr>
-          </a:p>
-          <a:p>
-            <a:pPr marL="228600" indent="-227520" algn="just">
+            <a:endParaRPr b="0" lang="en-GB" sz="1800" spc="-1" strike="noStrike">
+              <a:latin typeface="Arial"/>
+            </a:endParaRPr>
+          </a:p>
+          <a:p>
+            <a:pPr marL="228600" indent="-227160" algn="just">
               <a:lnSpc>
                 <a:spcPct val="90000"/>
               </a:lnSpc>
@@ -22879,7 +22933,7 @@
               <a:buChar char=""/>
             </a:pPr>
             <a:r>
-              <a:rPr b="0" lang="es-AR" sz="1800" spc="-1" strike="noStrike">
+              <a:rPr b="0" lang="en-GB" sz="1800" spc="-1" strike="noStrike">
                 <a:solidFill>
                   <a:srgbClr val="000000"/>
                 </a:solidFill>
@@ -22888,12 +22942,12 @@
               </a:rPr>
               <a:t>Por otro lado se encuentra un bote huyendo del castillo, con un cañón en su interior que está disparando varias balas hacia la fortificación.</a:t>
             </a:r>
-            <a:endParaRPr b="0" lang="es-AR" sz="1800" spc="-1" strike="noStrike">
-              <a:latin typeface="Arial"/>
-            </a:endParaRPr>
-          </a:p>
-          <a:p>
-            <a:pPr marL="228600" indent="-227520" algn="just">
+            <a:endParaRPr b="0" lang="en-GB" sz="1800" spc="-1" strike="noStrike">
+              <a:latin typeface="Arial"/>
+            </a:endParaRPr>
+          </a:p>
+          <a:p>
+            <a:pPr marL="228600" indent="-227160" algn="just">
               <a:lnSpc>
                 <a:spcPct val="90000"/>
               </a:lnSpc>
@@ -22907,7 +22961,7 @@
               <a:buChar char=""/>
             </a:pPr>
             <a:r>
-              <a:rPr b="0" lang="es-AR" sz="1800" spc="-1" strike="noStrike">
+              <a:rPr b="0" lang="en-GB" sz="1800" spc="-1" strike="noStrike">
                 <a:solidFill>
                   <a:srgbClr val="000000"/>
                 </a:solidFill>
@@ -22916,7 +22970,7 @@
               </a:rPr>
               <a:t>Para la iluminación de la escena, se utiliza una luz puntual.</a:t>
             </a:r>
-            <a:endParaRPr b="0" lang="es-AR" sz="1800" spc="-1" strike="noStrike">
+            <a:endParaRPr b="0" lang="en-GB" sz="1800" spc="-1" strike="noStrike">
               <a:latin typeface="Arial"/>
             </a:endParaRPr>
           </a:p>
@@ -22929,7 +22983,7 @@
                 <a:spcPts val="1001"/>
               </a:spcBef>
             </a:pPr>
-            <a:endParaRPr b="0" lang="es-AR" sz="1800" spc="-1" strike="noStrike">
+            <a:endParaRPr b="0" lang="en-GB" sz="1800" spc="-1" strike="noStrike">
               <a:latin typeface="Arial"/>
             </a:endParaRPr>
           </a:p>
@@ -22948,7 +23002,7 @@
         <p:spPr>
           <a:xfrm>
             <a:off x="6249960" y="1770480"/>
-            <a:ext cx="5723280" cy="4066200"/>
+            <a:ext cx="5722920" cy="4065840"/>
           </a:xfrm>
           <a:prstGeom prst="rect">
             <a:avLst/>
@@ -22968,6 +23022,33 @@
       <p:transition spd="slow"/>
     </mc:Fallback>
   </mc:AlternateContent>
+  <p:timing>
+    <p:tnLst>
+      <p:par>
+        <p:cTn id="21" dur="indefinite" restart="never" nodeType="tmRoot">
+          <p:childTnLst>
+            <p:seq>
+              <p:cTn id="22" dur="indefinite" nodeType="mainSeq"/>
+              <p:prevCondLst>
+                <p:cond delay="0" evt="onPrev">
+                  <p:tgtEl>
+                    <p:sldTgt/>
+                  </p:tgtEl>
+                </p:cond>
+              </p:prevCondLst>
+              <p:nextCondLst>
+                <p:cond delay="0" evt="onNext">
+                  <p:tgtEl>
+                    <p:sldTgt/>
+                  </p:tgtEl>
+                </p:cond>
+              </p:nextCondLst>
+            </p:seq>
+          </p:childTnLst>
+        </p:cTn>
+      </p:par>
+    </p:tnLst>
+  </p:timing>
 </p:sld>
 </file>
 
@@ -22997,7 +23078,7 @@
         <p:spPr>
           <a:xfrm>
             <a:off x="3992040" y="665280"/>
-            <a:ext cx="5485320" cy="497520"/>
+            <a:ext cx="5484960" cy="497160"/>
           </a:xfrm>
           <a:prstGeom prst="rect">
             <a:avLst/>
@@ -23024,7 +23105,7 @@
               </a:lnSpc>
             </a:pPr>
             <a:r>
-              <a:rPr b="0" lang="es-AR" sz="3600" spc="-1" strike="noStrike">
+              <a:rPr b="0" lang="en-GB" sz="3600" spc="-1" strike="noStrike">
                 <a:solidFill>
                   <a:srgbClr val="000000"/>
                 </a:solidFill>
@@ -23033,7 +23114,7 @@
               </a:rPr>
               <a:t>Materiales Utilizados </a:t>
             </a:r>
-            <a:endParaRPr b="0" lang="es-AR" sz="3600" spc="-1" strike="noStrike">
+            <a:endParaRPr b="0" lang="en-GB" sz="3600" spc="-1" strike="noStrike">
               <a:latin typeface="Arial"/>
             </a:endParaRPr>
           </a:p>
@@ -23048,7 +23129,7 @@
         <p:spPr>
           <a:xfrm>
             <a:off x="432000" y="4464000"/>
-            <a:ext cx="6091920" cy="1151280"/>
+            <a:ext cx="6091560" cy="1150920"/>
           </a:xfrm>
           <a:prstGeom prst="rect">
             <a:avLst/>
@@ -23069,7 +23150,7 @@
             <a:noAutofit/>
           </a:bodyPr>
           <a:p>
-            <a:pPr marL="432000" indent="-323280" algn="just">
+            <a:pPr marL="432000" indent="-322920" algn="just">
               <a:lnSpc>
                 <a:spcPct val="100000"/>
               </a:lnSpc>
@@ -23084,7 +23165,7 @@
               <a:buChar char=""/>
             </a:pPr>
             <a:r>
-              <a:rPr b="0" lang="es-AR" sz="2800" spc="-1" strike="noStrike">
+              <a:rPr b="0" lang="en-GB" sz="2800" spc="-1" strike="noStrike">
                 <a:solidFill>
                   <a:srgbClr val="000000"/>
                 </a:solidFill>
@@ -23093,7 +23174,7 @@
               </a:rPr>
               <a:t>Para las banderas, materiales satinados.</a:t>
             </a:r>
-            <a:endParaRPr b="0" lang="es-AR" sz="2800" spc="-1" strike="noStrike">
+            <a:endParaRPr b="0" lang="en-GB" sz="2800" spc="-1" strike="noStrike">
               <a:latin typeface="Arial"/>
             </a:endParaRPr>
           </a:p>
@@ -23108,7 +23189,7 @@
         <p:spPr>
           <a:xfrm>
             <a:off x="648000" y="1722960"/>
-            <a:ext cx="6479280" cy="436320"/>
+            <a:ext cx="6478920" cy="435960"/>
           </a:xfrm>
           <a:prstGeom prst="rect">
             <a:avLst/>
@@ -23137,12 +23218,12 @@
                 <a:spcPts val="1001"/>
               </a:spcBef>
             </a:pPr>
-            <a:endParaRPr b="0" lang="es-AR" sz="1800" spc="-1" strike="noStrike">
-              <a:latin typeface="Arial"/>
-            </a:endParaRPr>
-          </a:p>
-          <a:p>
-            <a:pPr marL="228600" indent="-227520" algn="just">
+            <a:endParaRPr b="0" lang="en-GB" sz="1800" spc="-1" strike="noStrike">
+              <a:latin typeface="Arial"/>
+            </a:endParaRPr>
+          </a:p>
+          <a:p>
+            <a:pPr marL="228600" indent="-227160" algn="just">
               <a:lnSpc>
                 <a:spcPct val="90000"/>
               </a:lnSpc>
@@ -23156,7 +23237,7 @@
               <a:buChar char="•"/>
             </a:pPr>
             <a:r>
-              <a:rPr b="0" lang="es-AR" sz="2800" spc="-1" strike="noStrike">
+              <a:rPr b="0" lang="en-GB" sz="2800" spc="-1" strike="noStrike">
                 <a:solidFill>
                   <a:srgbClr val="000000"/>
                 </a:solidFill>
@@ -23165,12 +23246,12 @@
               </a:rPr>
               <a:t>Para el castillo y la puerta utilizamos materiales rugosos. </a:t>
             </a:r>
-            <a:endParaRPr b="0" lang="es-AR" sz="2800" spc="-1" strike="noStrike">
-              <a:latin typeface="Arial"/>
-            </a:endParaRPr>
-          </a:p>
-          <a:p>
-            <a:pPr marL="228600" indent="-227520" algn="just">
+            <a:endParaRPr b="0" lang="en-GB" sz="2800" spc="-1" strike="noStrike">
+              <a:latin typeface="Arial"/>
+            </a:endParaRPr>
+          </a:p>
+          <a:p>
+            <a:pPr marL="228600" indent="-227160" algn="just">
               <a:lnSpc>
                 <a:spcPct val="90000"/>
               </a:lnSpc>
@@ -23184,7 +23265,7 @@
               <a:buChar char="•"/>
             </a:pPr>
             <a:r>
-              <a:rPr b="0" lang="es-AR" sz="2800" spc="-1" strike="noStrike">
+              <a:rPr b="0" lang="en-GB" sz="2800" spc="-1" strike="noStrike">
                 <a:solidFill>
                   <a:srgbClr val="000000"/>
                 </a:solidFill>
@@ -23193,7 +23274,7 @@
               </a:rPr>
               <a:t>Piedra para el castillo, madera para la puerta. </a:t>
             </a:r>
-            <a:endParaRPr b="0" lang="es-AR" sz="2800" spc="-1" strike="noStrike">
+            <a:endParaRPr b="0" lang="en-GB" sz="2800" spc="-1" strike="noStrike">
               <a:latin typeface="Arial"/>
             </a:endParaRPr>
           </a:p>
@@ -23208,7 +23289,7 @@
         <p:spPr>
           <a:xfrm>
             <a:off x="7600320" y="6249960"/>
-            <a:ext cx="1311480" cy="363960"/>
+            <a:ext cx="1311120" cy="363960"/>
           </a:xfrm>
           <a:prstGeom prst="rect">
             <a:avLst/>
@@ -23235,7 +23316,7 @@
               </a:lnSpc>
             </a:pPr>
             <a:r>
-              <a:rPr b="0" lang="es-AR" sz="1800" spc="-1" strike="noStrike">
+              <a:rPr b="0" lang="en-GB" sz="1800" spc="-1" strike="noStrike">
                 <a:solidFill>
                   <a:srgbClr val="000000"/>
                 </a:solidFill>
@@ -23244,7 +23325,7 @@
               </a:rPr>
               <a:t>Banderas</a:t>
             </a:r>
-            <a:endParaRPr b="0" lang="es-AR" sz="1800" spc="-1" strike="noStrike">
+            <a:endParaRPr b="0" lang="en-GB" sz="1800" spc="-1" strike="noStrike">
               <a:latin typeface="Arial"/>
             </a:endParaRPr>
           </a:p>
@@ -23259,7 +23340,7 @@
         <p:spPr>
           <a:xfrm>
             <a:off x="10589040" y="6244200"/>
-            <a:ext cx="1303920" cy="363960"/>
+            <a:ext cx="1303560" cy="363960"/>
           </a:xfrm>
           <a:prstGeom prst="rect">
             <a:avLst/>
@@ -23286,7 +23367,7 @@
               </a:lnSpc>
             </a:pPr>
             <a:r>
-              <a:rPr b="0" lang="es-AR" sz="1800" spc="-1" strike="noStrike">
+              <a:rPr b="0" lang="en-GB" sz="1800" spc="-1" strike="noStrike">
                 <a:solidFill>
                   <a:srgbClr val="000000"/>
                 </a:solidFill>
@@ -23295,7 +23376,7 @@
               </a:rPr>
               <a:t>Puerta</a:t>
             </a:r>
-            <a:endParaRPr b="0" lang="es-AR" sz="1800" spc="-1" strike="noStrike">
+            <a:endParaRPr b="0" lang="en-GB" sz="1800" spc="-1" strike="noStrike">
               <a:latin typeface="Arial"/>
             </a:endParaRPr>
           </a:p>
@@ -23310,7 +23391,7 @@
         <p:spPr>
           <a:xfrm>
             <a:off x="8985960" y="4180320"/>
-            <a:ext cx="1311480" cy="363960"/>
+            <a:ext cx="1311120" cy="363960"/>
           </a:xfrm>
           <a:prstGeom prst="rect">
             <a:avLst/>
@@ -23337,7 +23418,7 @@
               </a:lnSpc>
             </a:pPr>
             <a:r>
-              <a:rPr b="0" lang="es-AR" sz="1800" spc="-1" strike="noStrike">
+              <a:rPr b="0" lang="en-GB" sz="1800" spc="-1" strike="noStrike">
                 <a:solidFill>
                   <a:srgbClr val="000000"/>
                 </a:solidFill>
@@ -23346,7 +23427,7 @@
               </a:rPr>
               <a:t>Castillo</a:t>
             </a:r>
-            <a:endParaRPr b="0" lang="es-AR" sz="1800" spc="-1" strike="noStrike">
+            <a:endParaRPr b="0" lang="en-GB" sz="1800" spc="-1" strike="noStrike">
               <a:latin typeface="Arial"/>
             </a:endParaRPr>
           </a:p>
@@ -23365,7 +23446,7 @@
         <p:spPr>
           <a:xfrm>
             <a:off x="7474680" y="4858560"/>
-            <a:ext cx="1437120" cy="1260000"/>
+            <a:ext cx="1436760" cy="1259640"/>
           </a:xfrm>
           <a:prstGeom prst="rect">
             <a:avLst/>
@@ -23388,7 +23469,7 @@
         <p:spPr>
           <a:xfrm>
             <a:off x="7714440" y="1755360"/>
-            <a:ext cx="3525840" cy="2423880"/>
+            <a:ext cx="3525480" cy="2423520"/>
           </a:xfrm>
           <a:prstGeom prst="rect">
             <a:avLst/>
@@ -23411,7 +23492,7 @@
         <p:spPr>
           <a:xfrm>
             <a:off x="10298160" y="4858560"/>
-            <a:ext cx="1334520" cy="1260000"/>
+            <a:ext cx="1334160" cy="1259640"/>
           </a:xfrm>
           <a:prstGeom prst="rect">
             <a:avLst/>
@@ -23430,7 +23511,7 @@
         <p:spPr>
           <a:xfrm>
             <a:off x="531360" y="5112000"/>
-            <a:ext cx="6091920" cy="1151280"/>
+            <a:ext cx="6091560" cy="1150920"/>
           </a:xfrm>
           <a:prstGeom prst="rect">
             <a:avLst/>
@@ -23457,6 +23538,33 @@
       <p:transition spd="slow"/>
     </mc:Fallback>
   </mc:AlternateContent>
+  <p:timing>
+    <p:tnLst>
+      <p:par>
+        <p:cTn id="23" dur="indefinite" restart="never" nodeType="tmRoot">
+          <p:childTnLst>
+            <p:seq>
+              <p:cTn id="24" dur="indefinite" nodeType="mainSeq"/>
+              <p:prevCondLst>
+                <p:cond delay="0" evt="onPrev">
+                  <p:tgtEl>
+                    <p:sldTgt/>
+                  </p:tgtEl>
+                </p:cond>
+              </p:prevCondLst>
+              <p:nextCondLst>
+                <p:cond delay="0" evt="onNext">
+                  <p:tgtEl>
+                    <p:sldTgt/>
+                  </p:tgtEl>
+                </p:cond>
+              </p:nextCondLst>
+            </p:seq>
+          </p:childTnLst>
+        </p:cTn>
+      </p:par>
+    </p:tnLst>
+  </p:timing>
 </p:sld>
 </file>
 
@@ -23486,7 +23594,7 @@
         <p:spPr>
           <a:xfrm>
             <a:off x="3152520" y="669600"/>
-            <a:ext cx="5621400" cy="497520"/>
+            <a:ext cx="5621040" cy="497160"/>
           </a:xfrm>
           <a:prstGeom prst="rect">
             <a:avLst/>
@@ -23513,7 +23621,7 @@
               </a:lnSpc>
             </a:pPr>
             <a:r>
-              <a:rPr b="0" lang="es-AR" sz="3600" spc="-1" strike="noStrike">
+              <a:rPr b="0" lang="en-GB" sz="3600" spc="-1" strike="noStrike">
                 <a:solidFill>
                   <a:srgbClr val="000000"/>
                 </a:solidFill>
@@ -23522,7 +23630,7 @@
               </a:rPr>
               <a:t>Materiales Utilizados </a:t>
             </a:r>
-            <a:endParaRPr b="0" lang="es-AR" sz="3600" spc="-1" strike="noStrike">
+            <a:endParaRPr b="0" lang="en-GB" sz="3600" spc="-1" strike="noStrike">
               <a:latin typeface="Arial"/>
             </a:endParaRPr>
           </a:p>
@@ -23537,7 +23645,7 @@
         <p:spPr>
           <a:xfrm>
             <a:off x="1296000" y="2071080"/>
-            <a:ext cx="5543280" cy="3976200"/>
+            <a:ext cx="5542920" cy="3975840"/>
           </a:xfrm>
           <a:prstGeom prst="rect">
             <a:avLst/>
@@ -23566,12 +23674,12 @@
                 <a:spcPts val="1001"/>
               </a:spcBef>
             </a:pPr>
-            <a:endParaRPr b="0" lang="es-AR" sz="1800" spc="-1" strike="noStrike">
-              <a:latin typeface="Arial"/>
-            </a:endParaRPr>
-          </a:p>
-          <a:p>
-            <a:pPr marL="228600" indent="-227520" algn="just">
+            <a:endParaRPr b="0" lang="en-GB" sz="1800" spc="-1" strike="noStrike">
+              <a:latin typeface="Arial"/>
+            </a:endParaRPr>
+          </a:p>
+          <a:p>
+            <a:pPr marL="228600" indent="-227160" algn="just">
               <a:lnSpc>
                 <a:spcPct val="90000"/>
               </a:lnSpc>
@@ -23585,16 +23693,16 @@
               <a:buChar char="•"/>
             </a:pPr>
             <a:r>
-              <a:rPr b="0" lang="es-AR" sz="2800" spc="-1" strike="noStrike">
+              <a:rPr b="0" lang="en-GB" sz="2800" spc="-1" strike="noStrike">
                 <a:solidFill>
                   <a:srgbClr val="000000"/>
                 </a:solidFill>
                 <a:latin typeface="Century Gothic"/>
                 <a:ea typeface="DejaVu Sans"/>
               </a:rPr>
-              <a:t>Para el cañón y las balas utilizamos materiales metálicos. Cromo para el cañón, estaño para las balas.</a:t>
+              <a:t>Para el cañón y las balas utilizamos materiales metálicos.</a:t>
             </a:r>
-            <a:endParaRPr b="0" lang="es-AR" sz="2800" spc="-1" strike="noStrike">
+            <a:endParaRPr b="0" lang="en-GB" sz="2800" spc="-1" strike="noStrike">
               <a:latin typeface="Arial"/>
             </a:endParaRPr>
           </a:p>
@@ -23607,12 +23715,12 @@
                 <a:spcPts val="1001"/>
               </a:spcBef>
             </a:pPr>
-            <a:endParaRPr b="0" lang="es-AR" sz="2800" spc="-1" strike="noStrike">
-              <a:latin typeface="Arial"/>
-            </a:endParaRPr>
-          </a:p>
-          <a:p>
-            <a:pPr marL="228600" indent="-227520" algn="just">
+            <a:endParaRPr b="0" lang="en-GB" sz="2800" spc="-1" strike="noStrike">
+              <a:latin typeface="Arial"/>
+            </a:endParaRPr>
+          </a:p>
+          <a:p>
+            <a:pPr marL="228600" indent="-227160" algn="just">
               <a:lnSpc>
                 <a:spcPct val="90000"/>
               </a:lnSpc>
@@ -23626,16 +23734,16 @@
               <a:buChar char="•"/>
             </a:pPr>
             <a:r>
-              <a:rPr b="0" lang="es-AR" sz="2800" spc="-1" strike="noStrike">
+              <a:rPr b="0" lang="en-GB" sz="2800" spc="-1" strike="noStrike">
                 <a:solidFill>
                   <a:srgbClr val="000000"/>
                 </a:solidFill>
                 <a:latin typeface="Century Gothic"/>
                 <a:ea typeface="DejaVu Sans"/>
               </a:rPr>
-              <a:t>Para el soporte del cañón, ruedas, bote y remos material rugoso (madera).</a:t>
+              <a:t>Para el soporte del cañón, ruedas, bote y remos material rugoso. </a:t>
             </a:r>
-            <a:endParaRPr b="0" lang="es-AR" sz="2800" spc="-1" strike="noStrike">
+            <a:endParaRPr b="0" lang="en-GB" sz="2800" spc="-1" strike="noStrike">
               <a:latin typeface="Arial"/>
             </a:endParaRPr>
           </a:p>
@@ -23648,7 +23756,7 @@
                 <a:spcPts val="1001"/>
               </a:spcBef>
             </a:pPr>
-            <a:endParaRPr b="0" lang="es-AR" sz="2800" spc="-1" strike="noStrike">
+            <a:endParaRPr b="0" lang="en-GB" sz="2800" spc="-1" strike="noStrike">
               <a:latin typeface="Arial"/>
             </a:endParaRPr>
           </a:p>
@@ -23663,7 +23771,7 @@
         <p:spPr>
           <a:xfrm>
             <a:off x="2646720" y="1843920"/>
-            <a:ext cx="2698200" cy="436320"/>
+            <a:ext cx="2697840" cy="435960"/>
           </a:xfrm>
           <a:prstGeom prst="rect">
             <a:avLst/>
@@ -23684,7 +23792,7 @@
             <a:normAutofit/>
           </a:bodyPr>
           <a:p>
-            <a:pPr marL="228600" indent="-227520">
+            <a:pPr marL="228600" indent="-227160">
               <a:lnSpc>
                 <a:spcPct val="90000"/>
               </a:lnSpc>
@@ -23698,7 +23806,7 @@
               <a:buChar char="•"/>
             </a:pPr>
             <a:r>
-              <a:rPr b="0" lang="es-AR" sz="2800" spc="-1" strike="noStrike">
+              <a:rPr b="0" lang="en-GB" sz="2800" spc="-1" strike="noStrike">
                 <a:solidFill>
                   <a:srgbClr val="000000"/>
                 </a:solidFill>
@@ -23707,7 +23815,7 @@
               </a:rPr>
               <a:t>Bote y Cáñon</a:t>
             </a:r>
-            <a:endParaRPr b="0" lang="es-AR" sz="2800" spc="-1" strike="noStrike">
+            <a:endParaRPr b="0" lang="en-GB" sz="2800" spc="-1" strike="noStrike">
               <a:latin typeface="Arial"/>
             </a:endParaRPr>
           </a:p>
@@ -23715,7 +23823,7 @@
       </p:sp>
       <p:pic>
         <p:nvPicPr>
-          <p:cNvPr id="455" name="Imagen 3" descr=""/>
+          <p:cNvPr id="455" name="" descr=""/>
           <p:cNvPicPr/>
           <p:nvPr/>
         </p:nvPicPr>
@@ -23725,8 +23833,8 @@
         </p:blipFill>
         <p:spPr>
           <a:xfrm>
-            <a:off x="7013880" y="2675160"/>
-            <a:ext cx="4523400" cy="2789640"/>
+            <a:off x="7340040" y="2376000"/>
+            <a:ext cx="4683960" cy="3312000"/>
           </a:xfrm>
           <a:prstGeom prst="rect">
             <a:avLst/>
@@ -23746,6 +23854,33 @@
       <p:transition spd="slow"/>
     </mc:Fallback>
   </mc:AlternateContent>
+  <p:timing>
+    <p:tnLst>
+      <p:par>
+        <p:cTn id="25" dur="indefinite" restart="never" nodeType="tmRoot">
+          <p:childTnLst>
+            <p:seq>
+              <p:cTn id="26" dur="indefinite" nodeType="mainSeq"/>
+              <p:prevCondLst>
+                <p:cond delay="0" evt="onPrev">
+                  <p:tgtEl>
+                    <p:sldTgt/>
+                  </p:tgtEl>
+                </p:cond>
+              </p:prevCondLst>
+              <p:nextCondLst>
+                <p:cond delay="0" evt="onNext">
+                  <p:tgtEl>
+                    <p:sldTgt/>
+                  </p:tgtEl>
+                </p:cond>
+              </p:nextCondLst>
+            </p:seq>
+          </p:childTnLst>
+        </p:cTn>
+      </p:par>
+    </p:tnLst>
+  </p:timing>
 </p:sld>
 </file>
 
@@ -23775,7 +23910,7 @@
         <p:spPr>
           <a:xfrm>
             <a:off x="2315520" y="658800"/>
-            <a:ext cx="4766760" cy="497520"/>
+            <a:ext cx="4766400" cy="497160"/>
           </a:xfrm>
           <a:prstGeom prst="rect">
             <a:avLst/>
@@ -23802,7 +23937,7 @@
               </a:lnSpc>
             </a:pPr>
             <a:r>
-              <a:rPr b="0" lang="es-AR" sz="3600" spc="-1" strike="noStrike">
+              <a:rPr b="0" lang="en-GB" sz="3600" spc="-1" strike="noStrike">
                 <a:solidFill>
                   <a:srgbClr val="000000"/>
                 </a:solidFill>
@@ -23812,7 +23947,7 @@
               <a:t>	</a:t>
             </a:r>
             <a:r>
-              <a:rPr b="0" lang="es-AR" sz="3600" spc="-1" strike="noStrike">
+              <a:rPr b="0" lang="en-GB" sz="3600" spc="-1" strike="noStrike">
                 <a:solidFill>
                   <a:srgbClr val="000000"/>
                 </a:solidFill>
@@ -23822,7 +23957,7 @@
               <a:t>	</a:t>
             </a:r>
             <a:r>
-              <a:rPr b="0" lang="es-AR" sz="3600" spc="-1" strike="noStrike">
+              <a:rPr b="0" lang="en-GB" sz="3600" spc="-1" strike="noStrike">
                 <a:solidFill>
                   <a:srgbClr val="000000"/>
                 </a:solidFill>
@@ -23831,7 +23966,7 @@
               </a:rPr>
               <a:t>Iluminación</a:t>
             </a:r>
-            <a:endParaRPr b="0" lang="es-AR" sz="3600" spc="-1" strike="noStrike">
+            <a:endParaRPr b="0" lang="en-GB" sz="3600" spc="-1" strike="noStrike">
               <a:latin typeface="Arial"/>
             </a:endParaRPr>
           </a:p>
@@ -23850,7 +23985,7 @@
         <p:spPr>
           <a:xfrm>
             <a:off x="6862680" y="2423880"/>
-            <a:ext cx="5214240" cy="4275720"/>
+            <a:ext cx="5213880" cy="4275360"/>
           </a:xfrm>
           <a:prstGeom prst="rect">
             <a:avLst/>
@@ -23869,7 +24004,7 @@
         <p:spPr>
           <a:xfrm>
             <a:off x="9470160" y="1698120"/>
-            <a:ext cx="1554840" cy="363960"/>
+            <a:ext cx="1554480" cy="363960"/>
           </a:xfrm>
           <a:prstGeom prst="rect">
             <a:avLst/>
@@ -23896,7 +24031,7 @@
               </a:lnSpc>
             </a:pPr>
             <a:r>
-              <a:rPr b="0" lang="es-AR" sz="1800" spc="-1" strike="noStrike">
+              <a:rPr b="0" lang="en-GB" sz="1800" spc="-1" strike="noStrike">
                 <a:solidFill>
                   <a:srgbClr val="000000"/>
                 </a:solidFill>
@@ -23905,7 +24040,7 @@
               </a:rPr>
               <a:t>Luz Puntual</a:t>
             </a:r>
-            <a:endParaRPr b="0" lang="es-AR" sz="1800" spc="-1" strike="noStrike">
+            <a:endParaRPr b="0" lang="en-GB" sz="1800" spc="-1" strike="noStrike">
               <a:latin typeface="Arial"/>
             </a:endParaRPr>
           </a:p>
@@ -23920,7 +24055,7 @@
         <p:spPr>
           <a:xfrm>
             <a:off x="6231600" y="6700680"/>
-            <a:ext cx="630000" cy="360"/>
+            <a:ext cx="629640" cy="360"/>
           </a:xfrm>
           <a:custGeom>
             <a:avLst/>
@@ -23969,7 +24104,7 @@
         <p:spPr>
           <a:xfrm>
             <a:off x="2036880" y="2559960"/>
-            <a:ext cx="3005640" cy="575280"/>
+            <a:ext cx="3005280" cy="574920"/>
           </a:xfrm>
           <a:prstGeom prst="rect">
             <a:avLst/>
@@ -23990,7 +24125,7 @@
             <a:noAutofit/>
           </a:bodyPr>
           <a:p>
-            <a:pPr marL="228600" indent="-227520">
+            <a:pPr marL="228600" indent="-227160">
               <a:lnSpc>
                 <a:spcPct val="90000"/>
               </a:lnSpc>
@@ -24004,7 +24139,7 @@
               <a:buChar char="•"/>
             </a:pPr>
             <a:r>
-              <a:rPr b="0" lang="es-AR" sz="2800" spc="-1" strike="noStrike">
+              <a:rPr b="0" lang="en-GB" sz="2800" spc="-1" strike="noStrike">
                 <a:solidFill>
                   <a:srgbClr val="000000"/>
                 </a:solidFill>
@@ -24013,7 +24148,7 @@
               </a:rPr>
               <a:t>Color de la luz </a:t>
             </a:r>
-            <a:endParaRPr b="0" lang="es-AR" sz="2800" spc="-1" strike="noStrike">
+            <a:endParaRPr b="0" lang="en-GB" sz="2800" spc="-1" strike="noStrike">
               <a:latin typeface="Arial"/>
             </a:endParaRPr>
           </a:p>
@@ -24028,7 +24163,7 @@
         <p:spPr>
           <a:xfrm>
             <a:off x="739800" y="3770640"/>
-            <a:ext cx="5806080" cy="1742040"/>
+            <a:ext cx="5805720" cy="1741680"/>
           </a:xfrm>
           <a:prstGeom prst="rect">
             <a:avLst/>
@@ -24049,7 +24184,7 @@
             <a:noAutofit/>
           </a:bodyPr>
           <a:p>
-            <a:pPr marL="228600" indent="-227520" algn="just">
+            <a:pPr marL="228600" indent="-227160" algn="just">
               <a:lnSpc>
                 <a:spcPct val="90000"/>
               </a:lnSpc>
@@ -24063,7 +24198,7 @@
               <a:buChar char="•"/>
             </a:pPr>
             <a:r>
-              <a:rPr b="0" lang="es-AR" sz="2400" spc="-1" strike="noStrike">
+              <a:rPr b="0" lang="en-GB" sz="2400" spc="-1" strike="noStrike">
                 <a:solidFill>
                   <a:srgbClr val="000000"/>
                 </a:solidFill>
@@ -24072,7 +24207,7 @@
               </a:rPr>
               <a:t>Para la escena B se incorpora una luz puntual como fuente de luz,  con tipo de fuente de luz cielo azul (grados kelvin alrededor de los 20000K).</a:t>
             </a:r>
-            <a:endParaRPr b="0" lang="es-AR" sz="2400" spc="-1" strike="noStrike">
+            <a:endParaRPr b="0" lang="en-GB" sz="2400" spc="-1" strike="noStrike">
               <a:latin typeface="Arial"/>
             </a:endParaRPr>
           </a:p>
@@ -24085,7 +24220,7 @@
                 <a:spcPts val="1001"/>
               </a:spcBef>
             </a:pPr>
-            <a:endParaRPr b="0" lang="es-AR" sz="2400" spc="-1" strike="noStrike">
+            <a:endParaRPr b="0" lang="en-GB" sz="2400" spc="-1" strike="noStrike">
               <a:latin typeface="Arial"/>
             </a:endParaRPr>
           </a:p>
@@ -24104,7 +24239,7 @@
         <p:spPr>
           <a:xfrm>
             <a:off x="7778520" y="1170720"/>
-            <a:ext cx="1513800" cy="1073880"/>
+            <a:ext cx="1513440" cy="1073520"/>
           </a:xfrm>
           <a:prstGeom prst="rect">
             <a:avLst/>
@@ -24124,6 +24259,33 @@
       <p:transition spd="slow"/>
     </mc:Fallback>
   </mc:AlternateContent>
+  <p:timing>
+    <p:tnLst>
+      <p:par>
+        <p:cTn id="27" dur="indefinite" restart="never" nodeType="tmRoot">
+          <p:childTnLst>
+            <p:seq>
+              <p:cTn id="28" dur="indefinite" nodeType="mainSeq"/>
+              <p:prevCondLst>
+                <p:cond delay="0" evt="onPrev">
+                  <p:tgtEl>
+                    <p:sldTgt/>
+                  </p:tgtEl>
+                </p:cond>
+              </p:prevCondLst>
+              <p:nextCondLst>
+                <p:cond delay="0" evt="onNext">
+                  <p:tgtEl>
+                    <p:sldTgt/>
+                  </p:tgtEl>
+                </p:cond>
+              </p:nextCondLst>
+            </p:seq>
+          </p:childTnLst>
+        </p:cTn>
+      </p:par>
+    </p:tnLst>
+  </p:timing>
 </p:sld>
 </file>
 
@@ -24153,7 +24315,7 @@
         <p:spPr>
           <a:xfrm>
             <a:off x="4374720" y="1297800"/>
-            <a:ext cx="3847320" cy="497520"/>
+            <a:ext cx="3846960" cy="497160"/>
           </a:xfrm>
           <a:prstGeom prst="rect">
             <a:avLst/>
@@ -24180,7 +24342,7 @@
               </a:lnSpc>
             </a:pPr>
             <a:r>
-              <a:rPr b="0" lang="es-AR" sz="3600" spc="-1" strike="noStrike">
+              <a:rPr b="0" lang="en-GB" sz="3600" spc="-1" strike="noStrike">
                 <a:solidFill>
                   <a:srgbClr val="000000"/>
                 </a:solidFill>
@@ -24189,7 +24351,7 @@
               </a:rPr>
               <a:t>Conclusiones</a:t>
             </a:r>
-            <a:endParaRPr b="0" lang="es-AR" sz="3600" spc="-1" strike="noStrike">
+            <a:endParaRPr b="0" lang="en-GB" sz="3600" spc="-1" strike="noStrike">
               <a:latin typeface="Arial"/>
             </a:endParaRPr>
           </a:p>
@@ -24204,7 +24366,7 @@
         <p:spPr>
           <a:xfrm>
             <a:off x="609480" y="2762280"/>
-            <a:ext cx="11126520" cy="1661040"/>
+            <a:ext cx="11126160" cy="1660680"/>
           </a:xfrm>
           <a:prstGeom prst="rect">
             <a:avLst/>
@@ -24234,7 +24396,7 @@
               </a:spcBef>
             </a:pPr>
             <a:r>
-              <a:rPr b="0" lang="es-AR" sz="2400" spc="-1" strike="noStrike">
+              <a:rPr b="0" lang="en-GB" sz="2400" spc="-1" strike="noStrike">
                 <a:solidFill>
                   <a:srgbClr val="000000"/>
                 </a:solidFill>
@@ -24243,7 +24405,7 @@
               </a:rPr>
               <a:t>Como conclusión recordamos cómo, con unas pocas líneas de código adicional en los shaders y en la aplicación, se puede lograr una escena más realista y estéticamente placentera.</a:t>
             </a:r>
-            <a:endParaRPr b="0" lang="es-AR" sz="2400" spc="-1" strike="noStrike">
+            <a:endParaRPr b="0" lang="en-GB" sz="2400" spc="-1" strike="noStrike">
               <a:latin typeface="Arial"/>
             </a:endParaRPr>
           </a:p>
@@ -24257,7 +24419,7 @@
               </a:spcBef>
             </a:pPr>
             <a:r>
-              <a:rPr b="0" lang="es-AR" sz="2400" spc="-1" strike="noStrike">
+              <a:rPr b="0" lang="en-GB" sz="2400" spc="-1" strike="noStrike">
                 <a:solidFill>
                   <a:srgbClr val="000000"/>
                 </a:solidFill>
@@ -24266,7 +24428,7 @@
               </a:rPr>
               <a:t>También cabe destacar cómo distintos BRDF son útiles para modelar ciertos tipos de materiales y cómo, variando unos pocos valores, se pueden lograr efectos totalmente diferentes a los anteriores.</a:t>
             </a:r>
-            <a:endParaRPr b="0" lang="es-AR" sz="2400" spc="-1" strike="noStrike">
+            <a:endParaRPr b="0" lang="en-GB" sz="2400" spc="-1" strike="noStrike">
               <a:latin typeface="Arial"/>
             </a:endParaRPr>
           </a:p>
@@ -24282,6 +24444,33 @@
       <p:transition spd="slow"/>
     </mc:Fallback>
   </mc:AlternateContent>
+  <p:timing>
+    <p:tnLst>
+      <p:par>
+        <p:cTn id="29" dur="indefinite" restart="never" nodeType="tmRoot">
+          <p:childTnLst>
+            <p:seq>
+              <p:cTn id="30" dur="indefinite" nodeType="mainSeq"/>
+              <p:prevCondLst>
+                <p:cond delay="0" evt="onPrev">
+                  <p:tgtEl>
+                    <p:sldTgt/>
+                  </p:tgtEl>
+                </p:cond>
+              </p:prevCondLst>
+              <p:nextCondLst>
+                <p:cond delay="0" evt="onNext">
+                  <p:tgtEl>
+                    <p:sldTgt/>
+                  </p:tgtEl>
+                </p:cond>
+              </p:nextCondLst>
+            </p:seq>
+          </p:childTnLst>
+        </p:cTn>
+      </p:par>
+    </p:tnLst>
+  </p:timing>
 </p:sld>
 </file>
 
@@ -24311,7 +24500,7 @@
         <p:spPr>
           <a:xfrm>
             <a:off x="2593080" y="624240"/>
-            <a:ext cx="3033360" cy="803520"/>
+            <a:ext cx="3033000" cy="803160"/>
           </a:xfrm>
           <a:prstGeom prst="rect">
             <a:avLst/>
@@ -24338,7 +24527,7 @@
               </a:lnSpc>
             </a:pPr>
             <a:r>
-              <a:rPr b="0" lang="es-AR" sz="3600" spc="-1" strike="noStrike">
+              <a:rPr b="0" lang="en-GB" sz="3600" spc="-1" strike="noStrike">
                 <a:solidFill>
                   <a:srgbClr val="262626"/>
                 </a:solidFill>
@@ -24347,7 +24536,7 @@
               </a:rPr>
               <a:t>Referencias</a:t>
             </a:r>
-            <a:endParaRPr b="0" lang="es-AR" sz="3600" spc="-1" strike="noStrike">
+            <a:endParaRPr b="0" lang="en-GB" sz="3600" spc="-1" strike="noStrike">
               <a:latin typeface="Arial"/>
             </a:endParaRPr>
           </a:p>
@@ -24362,7 +24551,7 @@
         <p:spPr>
           <a:xfrm>
             <a:off x="2332080" y="2286000"/>
-            <a:ext cx="8913600" cy="2629800"/>
+            <a:ext cx="8913240" cy="2629440"/>
           </a:xfrm>
           <a:prstGeom prst="rect">
             <a:avLst/>
@@ -24383,7 +24572,7 @@
             <a:noAutofit/>
           </a:bodyPr>
           <a:p>
-            <a:pPr marL="343080" indent="-341280">
+            <a:pPr marL="343080" indent="-340920">
               <a:lnSpc>
                 <a:spcPct val="100000"/>
               </a:lnSpc>
@@ -24397,7 +24586,7 @@
               <a:buChar char=""/>
             </a:pPr>
             <a:r>
-              <a:rPr b="0" lang="es-AR" sz="1800" spc="-1" strike="noStrike" u="sng">
+              <a:rPr b="0" lang="en-GB" sz="1800" spc="-1" strike="noStrike" u="sng">
                 <a:solidFill>
                   <a:srgbClr val="fb4a18"/>
                 </a:solidFill>
@@ -24408,12 +24597,12 @@
               </a:rPr>
               <a:t>planetpixelemporium.com/tutorialpages/light.html</a:t>
             </a:r>
-            <a:endParaRPr b="0" lang="es-AR" sz="1800" spc="-1" strike="noStrike">
-              <a:latin typeface="Arial"/>
-            </a:endParaRPr>
-          </a:p>
-          <a:p>
-            <a:pPr marL="343080" indent="-341280">
+            <a:endParaRPr b="0" lang="en-GB" sz="1800" spc="-1" strike="noStrike">
+              <a:latin typeface="Arial"/>
+            </a:endParaRPr>
+          </a:p>
+          <a:p>
+            <a:pPr marL="343080" indent="-340920">
               <a:lnSpc>
                 <a:spcPct val="100000"/>
               </a:lnSpc>
@@ -24427,7 +24616,7 @@
               <a:buChar char=""/>
             </a:pPr>
             <a:r>
-              <a:rPr b="0" lang="es-AR" sz="1800" spc="-1" strike="noStrike" u="sng">
+              <a:rPr b="0" lang="en-GB" sz="1800" spc="-1" strike="noStrike" u="sng">
                 <a:solidFill>
                   <a:srgbClr val="fb4a18"/>
                 </a:solidFill>
@@ -24438,12 +24627,12 @@
               </a:rPr>
               <a:t>moodle.uns.edu.ar/moodle/pluginfile.php/432353/mod_resource/content/2/13-MaterialesBRDF.pdf</a:t>
             </a:r>
-            <a:endParaRPr b="0" lang="es-AR" sz="1800" spc="-1" strike="noStrike">
-              <a:latin typeface="Arial"/>
-            </a:endParaRPr>
-          </a:p>
-          <a:p>
-            <a:pPr marL="343080" indent="-341280">
+            <a:endParaRPr b="0" lang="en-GB" sz="1800" spc="-1" strike="noStrike">
+              <a:latin typeface="Arial"/>
+            </a:endParaRPr>
+          </a:p>
+          <a:p>
+            <a:pPr marL="343080" indent="-340920">
               <a:lnSpc>
                 <a:spcPct val="100000"/>
               </a:lnSpc>
@@ -24457,7 +24646,7 @@
               <a:buChar char=""/>
             </a:pPr>
             <a:r>
-              <a:rPr b="0" lang="es-AR" sz="1800" spc="-1" strike="noStrike" u="sng">
+              <a:rPr b="0" lang="en-GB" sz="1800" spc="-1" strike="noStrike" u="sng">
                 <a:solidFill>
                   <a:srgbClr val="fb4a18"/>
                 </a:solidFill>
@@ -24468,12 +24657,12 @@
               </a:rPr>
               <a:t>moodle.uns.edu.ar/moodle/pluginfile.php/431467/mod_resource/content/1/12-Iluminaci%C3%B3nSombreado.pdf</a:t>
             </a:r>
-            <a:endParaRPr b="0" lang="es-AR" sz="1800" spc="-1" strike="noStrike">
-              <a:latin typeface="Arial"/>
-            </a:endParaRPr>
-          </a:p>
-          <a:p>
-            <a:pPr marL="343080" indent="-341280">
+            <a:endParaRPr b="0" lang="en-GB" sz="1800" spc="-1" strike="noStrike">
+              <a:latin typeface="Arial"/>
+            </a:endParaRPr>
+          </a:p>
+          <a:p>
+            <a:pPr marL="343080" indent="-340920">
               <a:lnSpc>
                 <a:spcPct val="100000"/>
               </a:lnSpc>
@@ -24487,7 +24676,7 @@
               <a:buChar char=""/>
             </a:pPr>
             <a:r>
-              <a:rPr b="0" lang="es-AR" sz="1800" spc="-1" strike="noStrike" u="sng">
+              <a:rPr b="0" lang="en-GB" sz="1800" spc="-1" strike="noStrike" u="sng">
                 <a:solidFill>
                   <a:srgbClr val="fb4a18"/>
                 </a:solidFill>
@@ -24498,12 +24687,12 @@
               </a:rPr>
               <a:t>s2012_pbs_disney_brdf_notes_v2.pdf</a:t>
             </a:r>
-            <a:endParaRPr b="0" lang="es-AR" sz="1800" spc="-1" strike="noStrike">
-              <a:latin typeface="Arial"/>
-            </a:endParaRPr>
-          </a:p>
-          <a:p>
-            <a:pPr marL="343080" indent="-341280">
+            <a:endParaRPr b="0" lang="en-GB" sz="1800" spc="-1" strike="noStrike">
+              <a:latin typeface="Arial"/>
+            </a:endParaRPr>
+          </a:p>
+          <a:p>
+            <a:pPr marL="343080" indent="-340920">
               <a:lnSpc>
                 <a:spcPct val="100000"/>
               </a:lnSpc>
@@ -24517,7 +24706,7 @@
               <a:buChar char=""/>
             </a:pPr>
             <a:r>
-              <a:rPr b="0" lang="es-AR" sz="1800" spc="-1" strike="noStrike" u="sng">
+              <a:rPr b="0" lang="en-GB" sz="1800" spc="-1" strike="noStrike" u="sng">
                 <a:solidFill>
                   <a:srgbClr val="fb4a18"/>
                 </a:solidFill>
@@ -24528,7 +24717,7 @@
               </a:rPr>
               <a:t>Iluminacion_Disney.pdf</a:t>
             </a:r>
-            <a:endParaRPr b="0" lang="es-AR" sz="1800" spc="-1" strike="noStrike">
+            <a:endParaRPr b="0" lang="en-GB" sz="1800" spc="-1" strike="noStrike">
               <a:latin typeface="Arial"/>
             </a:endParaRPr>
           </a:p>
@@ -24541,7 +24730,7 @@
                 <a:spcPts val="1001"/>
               </a:spcBef>
             </a:pPr>
-            <a:endParaRPr b="0" lang="es-AR" sz="1800" spc="-1" strike="noStrike">
+            <a:endParaRPr b="0" lang="en-GB" sz="1800" spc="-1" strike="noStrike">
               <a:latin typeface="Arial"/>
             </a:endParaRPr>
           </a:p>
@@ -24557,6 +24746,33 @@
       <p:transition spd="slow"/>
     </mc:Fallback>
   </mc:AlternateContent>
+  <p:timing>
+    <p:tnLst>
+      <p:par>
+        <p:cTn id="31" dur="indefinite" restart="never" nodeType="tmRoot">
+          <p:childTnLst>
+            <p:seq>
+              <p:cTn id="32" dur="indefinite" nodeType="mainSeq"/>
+              <p:prevCondLst>
+                <p:cond delay="0" evt="onPrev">
+                  <p:tgtEl>
+                    <p:sldTgt/>
+                  </p:tgtEl>
+                </p:cond>
+              </p:prevCondLst>
+              <p:nextCondLst>
+                <p:cond delay="0" evt="onNext">
+                  <p:tgtEl>
+                    <p:sldTgt/>
+                  </p:tgtEl>
+                </p:cond>
+              </p:nextCondLst>
+            </p:seq>
+          </p:childTnLst>
+        </p:cTn>
+      </p:par>
+    </p:tnLst>
+  </p:timing>
 </p:sld>
 </file>
 
@@ -24586,7 +24802,7 @@
         <p:spPr>
           <a:xfrm>
             <a:off x="2593080" y="624240"/>
-            <a:ext cx="3059280" cy="638640"/>
+            <a:ext cx="3058920" cy="638280"/>
           </a:xfrm>
           <a:prstGeom prst="rect">
             <a:avLst/>
@@ -24613,7 +24829,7 @@
               </a:lnSpc>
             </a:pPr>
             <a:r>
-              <a:rPr b="0" lang="es-AR" sz="3600" spc="-1" strike="noStrike">
+              <a:rPr b="0" lang="en-GB" sz="3600" spc="-1" strike="noStrike">
                 <a:solidFill>
                   <a:srgbClr val="262626"/>
                 </a:solidFill>
@@ -24622,7 +24838,7 @@
               </a:rPr>
               <a:t>ÍNDICE </a:t>
             </a:r>
-            <a:endParaRPr b="0" lang="es-AR" sz="3600" spc="-1" strike="noStrike">
+            <a:endParaRPr b="0" lang="en-GB" sz="3600" spc="-1" strike="noStrike">
               <a:latin typeface="Arial"/>
             </a:endParaRPr>
           </a:p>
@@ -24637,7 +24853,7 @@
         <p:spPr>
           <a:xfrm>
             <a:off x="2377440" y="1098000"/>
-            <a:ext cx="8913600" cy="5301360"/>
+            <a:ext cx="8913240" cy="5301000"/>
           </a:xfrm>
           <a:prstGeom prst="rect">
             <a:avLst/>
@@ -24655,7 +24871,7 @@
         </p:style>
         <p:txBody>
           <a:bodyPr lIns="90000" rIns="90000" tIns="45000" bIns="45000">
-            <a:normAutofit/>
+            <a:normAutofit fontScale="94000"/>
           </a:bodyPr>
           <a:p>
             <a:pPr>
@@ -24666,7 +24882,7 @@
                 <a:spcPts val="1001"/>
               </a:spcBef>
             </a:pPr>
-            <a:endParaRPr b="0" lang="es-AR" sz="1800" spc="-1" strike="noStrike">
+            <a:endParaRPr b="0" lang="en-GB" sz="1800" spc="-1" strike="noStrike">
               <a:latin typeface="Arial"/>
             </a:endParaRPr>
           </a:p>
@@ -24679,12 +24895,12 @@
                 <a:spcPts val="1001"/>
               </a:spcBef>
             </a:pPr>
-            <a:endParaRPr b="0" lang="es-AR" sz="1800" spc="-1" strike="noStrike">
-              <a:latin typeface="Arial"/>
-            </a:endParaRPr>
-          </a:p>
-          <a:p>
-            <a:pPr marL="343080" indent="-341280">
+            <a:endParaRPr b="0" lang="en-GB" sz="1800" spc="-1" strike="noStrike">
+              <a:latin typeface="Arial"/>
+            </a:endParaRPr>
+          </a:p>
+          <a:p>
+            <a:pPr marL="343080" indent="-340920">
               <a:lnSpc>
                 <a:spcPct val="100000"/>
               </a:lnSpc>
@@ -24698,7 +24914,7 @@
               <a:buChar char=""/>
             </a:pPr>
             <a:r>
-              <a:rPr b="0" lang="es-AR" sz="1800" spc="-1" strike="noStrike">
+              <a:rPr b="0" lang="en-GB" sz="1800" spc="-1" strike="noStrike">
                 <a:solidFill>
                   <a:srgbClr val="404040"/>
                 </a:solidFill>
@@ -24708,7 +24924,7 @@
               <a:t> </a:t>
             </a:r>
             <a:r>
-              <a:rPr b="0" lang="es-AR" sz="1800" spc="-1" strike="noStrike">
+              <a:rPr b="0" lang="en-GB" sz="1800" spc="-1" strike="noStrike">
                 <a:solidFill>
                   <a:srgbClr val="404040"/>
                 </a:solidFill>
@@ -24717,12 +24933,12 @@
               </a:rPr>
               <a:t>Implementando la Escena A</a:t>
             </a:r>
-            <a:endParaRPr b="0" lang="es-AR" sz="1800" spc="-1" strike="noStrike">
-              <a:latin typeface="Arial"/>
-            </a:endParaRPr>
-          </a:p>
-          <a:p>
-            <a:pPr lvl="1" marL="743040" indent="-284040">
+            <a:endParaRPr b="0" lang="en-GB" sz="1800" spc="-1" strike="noStrike">
+              <a:latin typeface="Arial"/>
+            </a:endParaRPr>
+          </a:p>
+          <a:p>
+            <a:pPr lvl="1" marL="743040" indent="-283680">
               <a:lnSpc>
                 <a:spcPct val="100000"/>
               </a:lnSpc>
@@ -24736,7 +24952,7 @@
               <a:buAutoNum type="arabicPeriod"/>
             </a:pPr>
             <a:r>
-              <a:rPr b="0" lang="es-AR" sz="1600" spc="-1" strike="noStrike">
+              <a:rPr b="0" lang="en-GB" sz="1600" spc="-1" strike="noStrike">
                 <a:solidFill>
                   <a:srgbClr val="404040"/>
                 </a:solidFill>
@@ -24745,12 +24961,12 @@
               </a:rPr>
               <a:t>Objetos en la escena</a:t>
             </a:r>
-            <a:endParaRPr b="0" lang="es-AR" sz="1600" spc="-1" strike="noStrike">
-              <a:latin typeface="Arial"/>
-            </a:endParaRPr>
-          </a:p>
-          <a:p>
-            <a:pPr lvl="1" marL="743040" indent="-284040">
+            <a:endParaRPr b="0" lang="en-GB" sz="1600" spc="-1" strike="noStrike">
+              <a:latin typeface="Arial"/>
+            </a:endParaRPr>
+          </a:p>
+          <a:p>
+            <a:pPr lvl="1" marL="743040" indent="-283680">
               <a:lnSpc>
                 <a:spcPct val="100000"/>
               </a:lnSpc>
@@ -24764,7 +24980,7 @@
               <a:buAutoNum type="arabicPeriod"/>
             </a:pPr>
             <a:r>
-              <a:rPr b="0" lang="es-AR" sz="1600" spc="-1" strike="noStrike">
+              <a:rPr b="0" lang="en-GB" sz="1600" spc="-1" strike="noStrike">
                 <a:solidFill>
                   <a:srgbClr val="404040"/>
                 </a:solidFill>
@@ -24773,12 +24989,12 @@
               </a:rPr>
               <a:t>Materiales Utilizados</a:t>
             </a:r>
-            <a:endParaRPr b="0" lang="es-AR" sz="1600" spc="-1" strike="noStrike">
-              <a:latin typeface="Arial"/>
-            </a:endParaRPr>
-          </a:p>
-          <a:p>
-            <a:pPr lvl="1" marL="743040" indent="-284040">
+            <a:endParaRPr b="0" lang="en-GB" sz="1600" spc="-1" strike="noStrike">
+              <a:latin typeface="Arial"/>
+            </a:endParaRPr>
+          </a:p>
+          <a:p>
+            <a:pPr lvl="1" marL="743040" indent="-283680">
               <a:lnSpc>
                 <a:spcPct val="100000"/>
               </a:lnSpc>
@@ -24792,7 +25008,7 @@
               <a:buAutoNum type="arabicPeriod"/>
             </a:pPr>
             <a:r>
-              <a:rPr b="0" lang="es-AR" sz="1600" spc="-1" strike="noStrike">
+              <a:rPr b="0" lang="en-GB" sz="1600" spc="-1" strike="noStrike">
                 <a:solidFill>
                   <a:srgbClr val="404040"/>
                 </a:solidFill>
@@ -24801,7 +25017,7 @@
               </a:rPr>
               <a:t>Iluminación</a:t>
             </a:r>
-            <a:endParaRPr b="0" lang="es-AR" sz="1600" spc="-1" strike="noStrike">
+            <a:endParaRPr b="0" lang="en-GB" sz="1600" spc="-1" strike="noStrike">
               <a:latin typeface="Arial"/>
             </a:endParaRPr>
           </a:p>
@@ -24811,12 +25027,12 @@
                 <a:spcPct val="100000"/>
               </a:lnSpc>
             </a:pPr>
-            <a:endParaRPr b="0" lang="es-AR" sz="1600" spc="-1" strike="noStrike">
-              <a:latin typeface="Arial"/>
-            </a:endParaRPr>
-          </a:p>
-          <a:p>
-            <a:pPr marL="343080" indent="-341280">
+            <a:endParaRPr b="0" lang="en-GB" sz="1600" spc="-1" strike="noStrike">
+              <a:latin typeface="Arial"/>
+            </a:endParaRPr>
+          </a:p>
+          <a:p>
+            <a:pPr marL="343080" indent="-340920">
               <a:lnSpc>
                 <a:spcPct val="100000"/>
               </a:lnSpc>
@@ -24830,7 +25046,7 @@
               <a:buChar char=""/>
             </a:pPr>
             <a:r>
-              <a:rPr b="0" lang="es-AR" sz="1800" spc="-1" strike="noStrike">
+              <a:rPr b="0" lang="en-GB" sz="1800" spc="-1" strike="noStrike">
                 <a:solidFill>
                   <a:srgbClr val="404040"/>
                 </a:solidFill>
@@ -24840,7 +25056,7 @@
               <a:t> </a:t>
             </a:r>
             <a:r>
-              <a:rPr b="0" lang="es-AR" sz="1800" spc="-1" strike="noStrike">
+              <a:rPr b="0" lang="en-GB" sz="1800" spc="-1" strike="noStrike">
                 <a:solidFill>
                   <a:srgbClr val="404040"/>
                 </a:solidFill>
@@ -24849,12 +25065,12 @@
               </a:rPr>
               <a:t>Implementando la Escena B</a:t>
             </a:r>
-            <a:endParaRPr b="0" lang="es-AR" sz="1800" spc="-1" strike="noStrike">
-              <a:latin typeface="Arial"/>
-            </a:endParaRPr>
-          </a:p>
-          <a:p>
-            <a:pPr lvl="1" marL="743040" indent="-284040">
+            <a:endParaRPr b="0" lang="en-GB" sz="1800" spc="-1" strike="noStrike">
+              <a:latin typeface="Arial"/>
+            </a:endParaRPr>
+          </a:p>
+          <a:p>
+            <a:pPr lvl="1" marL="743040" indent="-283680">
               <a:lnSpc>
                 <a:spcPct val="100000"/>
               </a:lnSpc>
@@ -24868,7 +25084,7 @@
               <a:buAutoNum type="arabicPeriod"/>
             </a:pPr>
             <a:r>
-              <a:rPr b="0" lang="es-AR" sz="1600" spc="-1" strike="noStrike">
+              <a:rPr b="0" lang="en-GB" sz="1600" spc="-1" strike="noStrike">
                 <a:solidFill>
                   <a:srgbClr val="404040"/>
                 </a:solidFill>
@@ -24877,12 +25093,12 @@
               </a:rPr>
               <a:t>Objetos en la escena</a:t>
             </a:r>
-            <a:endParaRPr b="0" lang="es-AR" sz="1600" spc="-1" strike="noStrike">
-              <a:latin typeface="Arial"/>
-            </a:endParaRPr>
-          </a:p>
-          <a:p>
-            <a:pPr lvl="1" marL="743040" indent="-284040">
+            <a:endParaRPr b="0" lang="en-GB" sz="1600" spc="-1" strike="noStrike">
+              <a:latin typeface="Arial"/>
+            </a:endParaRPr>
+          </a:p>
+          <a:p>
+            <a:pPr lvl="1" marL="743040" indent="-283680">
               <a:lnSpc>
                 <a:spcPct val="100000"/>
               </a:lnSpc>
@@ -24896,7 +25112,7 @@
               <a:buAutoNum type="arabicPeriod"/>
             </a:pPr>
             <a:r>
-              <a:rPr b="0" lang="es-AR" sz="1600" spc="-1" strike="noStrike">
+              <a:rPr b="0" lang="en-GB" sz="1600" spc="-1" strike="noStrike">
                 <a:solidFill>
                   <a:srgbClr val="404040"/>
                 </a:solidFill>
@@ -24905,12 +25121,12 @@
               </a:rPr>
               <a:t>Materiales Utilizados</a:t>
             </a:r>
-            <a:endParaRPr b="0" lang="es-AR" sz="1600" spc="-1" strike="noStrike">
-              <a:latin typeface="Arial"/>
-            </a:endParaRPr>
-          </a:p>
-          <a:p>
-            <a:pPr lvl="1" marL="743040" indent="-284040">
+            <a:endParaRPr b="0" lang="en-GB" sz="1600" spc="-1" strike="noStrike">
+              <a:latin typeface="Arial"/>
+            </a:endParaRPr>
+          </a:p>
+          <a:p>
+            <a:pPr lvl="1" marL="743040" indent="-283680">
               <a:lnSpc>
                 <a:spcPct val="100000"/>
               </a:lnSpc>
@@ -24924,7 +25140,7 @@
               <a:buAutoNum type="arabicPeriod"/>
             </a:pPr>
             <a:r>
-              <a:rPr b="0" lang="es-AR" sz="1600" spc="-1" strike="noStrike">
+              <a:rPr b="0" lang="en-GB" sz="1600" spc="-1" strike="noStrike">
                 <a:solidFill>
                   <a:srgbClr val="404040"/>
                 </a:solidFill>
@@ -24933,7 +25149,7 @@
               </a:rPr>
               <a:t>Iluminación</a:t>
             </a:r>
-            <a:endParaRPr b="0" lang="es-AR" sz="1600" spc="-1" strike="noStrike">
+            <a:endParaRPr b="0" lang="en-GB" sz="1600" spc="-1" strike="noStrike">
               <a:latin typeface="Arial"/>
             </a:endParaRPr>
           </a:p>
@@ -24943,12 +25159,12 @@
                 <a:spcPct val="100000"/>
               </a:lnSpc>
             </a:pPr>
-            <a:endParaRPr b="0" lang="es-AR" sz="1600" spc="-1" strike="noStrike">
-              <a:latin typeface="Arial"/>
-            </a:endParaRPr>
-          </a:p>
-          <a:p>
-            <a:pPr marL="343080" indent="-341280">
+            <a:endParaRPr b="0" lang="en-GB" sz="1600" spc="-1" strike="noStrike">
+              <a:latin typeface="Arial"/>
+            </a:endParaRPr>
+          </a:p>
+          <a:p>
+            <a:pPr marL="343080" indent="-340920">
               <a:lnSpc>
                 <a:spcPct val="100000"/>
               </a:lnSpc>
@@ -24962,7 +25178,7 @@
               <a:buChar char=""/>
             </a:pPr>
             <a:r>
-              <a:rPr b="0" lang="es-AR" sz="1800" spc="-1" strike="noStrike">
+              <a:rPr b="0" lang="en-GB" sz="1800" spc="-1" strike="noStrike">
                 <a:solidFill>
                   <a:srgbClr val="404040"/>
                 </a:solidFill>
@@ -24972,7 +25188,7 @@
               <a:t> </a:t>
             </a:r>
             <a:r>
-              <a:rPr b="0" lang="es-AR" sz="1800" spc="-1" strike="noStrike">
+              <a:rPr b="0" lang="en-GB" sz="1800" spc="-1" strike="noStrike">
                 <a:solidFill>
                   <a:srgbClr val="404040"/>
                 </a:solidFill>
@@ -24981,7 +25197,7 @@
               </a:rPr>
               <a:t>Conclusiones</a:t>
             </a:r>
-            <a:endParaRPr b="0" lang="es-AR" sz="1800" spc="-1" strike="noStrike">
+            <a:endParaRPr b="0" lang="en-GB" sz="1800" spc="-1" strike="noStrike">
               <a:latin typeface="Arial"/>
             </a:endParaRPr>
           </a:p>
@@ -24994,12 +25210,12 @@
                 <a:spcPts val="1001"/>
               </a:spcBef>
             </a:pPr>
-            <a:endParaRPr b="0" lang="es-AR" sz="1800" spc="-1" strike="noStrike">
-              <a:latin typeface="Arial"/>
-            </a:endParaRPr>
-          </a:p>
-          <a:p>
-            <a:pPr marL="343080" indent="-341280">
+            <a:endParaRPr b="0" lang="en-GB" sz="1800" spc="-1" strike="noStrike">
+              <a:latin typeface="Arial"/>
+            </a:endParaRPr>
+          </a:p>
+          <a:p>
+            <a:pPr marL="343080" indent="-340920">
               <a:lnSpc>
                 <a:spcPct val="100000"/>
               </a:lnSpc>
@@ -25013,7 +25229,7 @@
               <a:buChar char=""/>
             </a:pPr>
             <a:r>
-              <a:rPr b="0" lang="es-AR" sz="1800" spc="-1" strike="noStrike">
+              <a:rPr b="0" lang="en-GB" sz="1800" spc="-1" strike="noStrike">
                 <a:solidFill>
                   <a:srgbClr val="404040"/>
                 </a:solidFill>
@@ -25023,7 +25239,7 @@
               <a:t> </a:t>
             </a:r>
             <a:r>
-              <a:rPr b="0" lang="es-AR" sz="1800" spc="-1" strike="noStrike">
+              <a:rPr b="0" lang="en-GB" sz="1800" spc="-1" strike="noStrike">
                 <a:solidFill>
                   <a:srgbClr val="404040"/>
                 </a:solidFill>
@@ -25032,7 +25248,7 @@
               </a:rPr>
               <a:t>Referencias</a:t>
             </a:r>
-            <a:endParaRPr b="0" lang="es-AR" sz="1800" spc="-1" strike="noStrike">
+            <a:endParaRPr b="0" lang="en-GB" sz="1800" spc="-1" strike="noStrike">
               <a:latin typeface="Arial"/>
             </a:endParaRPr>
           </a:p>
@@ -25045,7 +25261,7 @@
                 <a:spcPts val="1001"/>
               </a:spcBef>
             </a:pPr>
-            <a:endParaRPr b="0" lang="es-AR" sz="1800" spc="-1" strike="noStrike">
+            <a:endParaRPr b="0" lang="en-GB" sz="1800" spc="-1" strike="noStrike">
               <a:latin typeface="Arial"/>
             </a:endParaRPr>
           </a:p>
@@ -25061,6 +25277,33 @@
       <p:transition spd="slow"/>
     </mc:Fallback>
   </mc:AlternateContent>
+  <p:timing>
+    <p:tnLst>
+      <p:par>
+        <p:cTn id="3" dur="indefinite" restart="never" nodeType="tmRoot">
+          <p:childTnLst>
+            <p:seq>
+              <p:cTn id="4" dur="indefinite" nodeType="mainSeq"/>
+              <p:prevCondLst>
+                <p:cond delay="0" evt="onPrev">
+                  <p:tgtEl>
+                    <p:sldTgt/>
+                  </p:tgtEl>
+                </p:cond>
+              </p:prevCondLst>
+              <p:nextCondLst>
+                <p:cond delay="0" evt="onNext">
+                  <p:tgtEl>
+                    <p:sldTgt/>
+                  </p:tgtEl>
+                </p:cond>
+              </p:nextCondLst>
+            </p:seq>
+          </p:childTnLst>
+        </p:cTn>
+      </p:par>
+    </p:tnLst>
+  </p:timing>
 </p:sld>
 </file>
 
@@ -25090,7 +25333,7 @@
         <p:spPr>
           <a:xfrm>
             <a:off x="2074320" y="853560"/>
-            <a:ext cx="9934560" cy="865080"/>
+            <a:ext cx="9934200" cy="864720"/>
           </a:xfrm>
           <a:prstGeom prst="rect">
             <a:avLst/>
@@ -25108,7 +25351,7 @@
         </p:style>
         <p:txBody>
           <a:bodyPr lIns="90000" rIns="90000" tIns="45000" bIns="45000">
-            <a:normAutofit/>
+            <a:normAutofit fontScale="87000"/>
           </a:bodyPr>
           <a:p>
             <a:pPr>
@@ -25117,7 +25360,7 @@
               </a:lnSpc>
             </a:pPr>
             <a:r>
-              <a:rPr b="0" lang="es-AR" sz="5400" spc="-1" strike="noStrike">
+              <a:rPr b="0" lang="en-GB" sz="5400" spc="-1" strike="noStrike">
                 <a:solidFill>
                   <a:srgbClr val="262626"/>
                 </a:solidFill>
@@ -25126,7 +25369,7 @@
               </a:rPr>
               <a:t>Escena A: Jack Bauer esferas</a:t>
             </a:r>
-            <a:endParaRPr b="0" lang="es-AR" sz="5400" spc="-1" strike="noStrike">
+            <a:endParaRPr b="0" lang="en-GB" sz="5400" spc="-1" strike="noStrike">
               <a:latin typeface="Arial"/>
             </a:endParaRPr>
           </a:p>
@@ -25145,7 +25388,7 @@
         <p:spPr>
           <a:xfrm>
             <a:off x="3390840" y="2133720"/>
-            <a:ext cx="6292800" cy="4438800"/>
+            <a:ext cx="6292440" cy="4438440"/>
           </a:xfrm>
           <a:prstGeom prst="rect">
             <a:avLst/>
@@ -25165,6 +25408,33 @@
       <p:transition spd="slow"/>
     </mc:Fallback>
   </mc:AlternateContent>
+  <p:timing>
+    <p:tnLst>
+      <p:par>
+        <p:cTn id="5" dur="indefinite" restart="never" nodeType="tmRoot">
+          <p:childTnLst>
+            <p:seq>
+              <p:cTn id="6" dur="indefinite" nodeType="mainSeq"/>
+              <p:prevCondLst>
+                <p:cond delay="0" evt="onPrev">
+                  <p:tgtEl>
+                    <p:sldTgt/>
+                  </p:tgtEl>
+                </p:cond>
+              </p:prevCondLst>
+              <p:nextCondLst>
+                <p:cond delay="0" evt="onNext">
+                  <p:tgtEl>
+                    <p:sldTgt/>
+                  </p:tgtEl>
+                </p:cond>
+              </p:nextCondLst>
+            </p:seq>
+          </p:childTnLst>
+        </p:cTn>
+      </p:par>
+    </p:tnLst>
+  </p:timing>
 </p:sld>
 </file>
 
@@ -25194,7 +25464,7 @@
         <p:spPr>
           <a:xfrm>
             <a:off x="4101120" y="624240"/>
-            <a:ext cx="5446440" cy="1279080"/>
+            <a:ext cx="5446080" cy="1278720"/>
           </a:xfrm>
           <a:prstGeom prst="rect">
             <a:avLst/>
@@ -25221,7 +25491,7 @@
               </a:lnSpc>
             </a:pPr>
             <a:r>
-              <a:rPr b="0" lang="es-AR" sz="3600" spc="-1" strike="noStrike">
+              <a:rPr b="0" lang="en-GB" sz="3600" spc="-1" strike="noStrike">
                 <a:solidFill>
                   <a:srgbClr val="262626"/>
                 </a:solidFill>
@@ -25230,7 +25500,7 @@
               </a:rPr>
               <a:t>Objetos en la Escena A</a:t>
             </a:r>
-            <a:endParaRPr b="0" lang="es-AR" sz="3600" spc="-1" strike="noStrike">
+            <a:endParaRPr b="0" lang="en-GB" sz="3600" spc="-1" strike="noStrike">
               <a:latin typeface="Arial"/>
             </a:endParaRPr>
           </a:p>
@@ -25245,7 +25515,7 @@
         <p:spPr>
           <a:xfrm>
             <a:off x="1355760" y="1800720"/>
-            <a:ext cx="4312080" cy="3775680"/>
+            <a:ext cx="4311720" cy="3775320"/>
           </a:xfrm>
           <a:prstGeom prst="rect">
             <a:avLst/>
@@ -25263,10 +25533,10 @@
         </p:style>
         <p:txBody>
           <a:bodyPr lIns="90000" rIns="90000" tIns="45000" bIns="45000">
-            <a:normAutofit/>
+            <a:normAutofit fontScale="77000"/>
           </a:bodyPr>
           <a:p>
-            <a:pPr marL="343080" indent="-341280" algn="just">
+            <a:pPr marL="343080" indent="-340920" algn="just">
               <a:lnSpc>
                 <a:spcPct val="100000"/>
               </a:lnSpc>
@@ -25280,7 +25550,7 @@
               <a:buChar char=""/>
             </a:pPr>
             <a:r>
-              <a:rPr b="0" lang="es-AR" sz="1800" spc="-1" strike="noStrike">
+              <a:rPr b="0" lang="en-GB" sz="1800" spc="-1" strike="noStrike">
                 <a:solidFill>
                   <a:srgbClr val="404040"/>
                 </a:solidFill>
@@ -25289,12 +25559,12 @@
               </a:rPr>
               <a:t>Para la escena A se dibuja un plano sobre el cual se encuentran 24 esferas, ocho de las cuales tienen un aspecto metálico, otras ocho uno satinado y el resto uno rugoso. Los valores de cada material se obtienen de la tabla proporcionada por la cátedra en la Clase 12 de “Iluminación y Sombreado.”</a:t>
             </a:r>
-            <a:endParaRPr b="0" lang="es-AR" sz="1800" spc="-1" strike="noStrike">
-              <a:latin typeface="Arial"/>
-            </a:endParaRPr>
-          </a:p>
-          <a:p>
-            <a:pPr marL="343080" indent="-341280" algn="just">
+            <a:endParaRPr b="0" lang="en-GB" sz="1800" spc="-1" strike="noStrike">
+              <a:latin typeface="Arial"/>
+            </a:endParaRPr>
+          </a:p>
+          <a:p>
+            <a:pPr marL="343080" indent="-340920" algn="just">
               <a:lnSpc>
                 <a:spcPct val="100000"/>
               </a:lnSpc>
@@ -25308,7 +25578,7 @@
               <a:buChar char=""/>
             </a:pPr>
             <a:r>
-              <a:rPr b="0" lang="es-AR" sz="1800" spc="-1" strike="noStrike">
+              <a:rPr b="0" lang="en-GB" sz="1800" spc="-1" strike="noStrike">
                 <a:solidFill>
                   <a:srgbClr val="404040"/>
                 </a:solidFill>
@@ -25317,7 +25587,7 @@
               </a:rPr>
               <a:t>Posteriormente se agregan a la escena  las luces de tipo direccional, puntual y spot con sus respectivos parámetros.</a:t>
             </a:r>
-            <a:endParaRPr b="0" lang="es-AR" sz="1800" spc="-1" strike="noStrike">
+            <a:endParaRPr b="0" lang="en-GB" sz="1800" spc="-1" strike="noStrike">
               <a:latin typeface="Arial"/>
             </a:endParaRPr>
           </a:p>
@@ -25336,7 +25606,7 @@
         <p:spPr>
           <a:xfrm>
             <a:off x="5852160" y="1921320"/>
-            <a:ext cx="5520600" cy="3472200"/>
+            <a:ext cx="5520240" cy="3471840"/>
           </a:xfrm>
           <a:prstGeom prst="rect">
             <a:avLst/>
@@ -25356,6 +25626,33 @@
       <p:transition spd="slow"/>
     </mc:Fallback>
   </mc:AlternateContent>
+  <p:timing>
+    <p:tnLst>
+      <p:par>
+        <p:cTn id="7" dur="indefinite" restart="never" nodeType="tmRoot">
+          <p:childTnLst>
+            <p:seq>
+              <p:cTn id="8" dur="indefinite" nodeType="mainSeq"/>
+              <p:prevCondLst>
+                <p:cond delay="0" evt="onPrev">
+                  <p:tgtEl>
+                    <p:sldTgt/>
+                  </p:tgtEl>
+                </p:cond>
+              </p:prevCondLst>
+              <p:nextCondLst>
+                <p:cond delay="0" evt="onNext">
+                  <p:tgtEl>
+                    <p:sldTgt/>
+                  </p:tgtEl>
+                </p:cond>
+              </p:nextCondLst>
+            </p:seq>
+          </p:childTnLst>
+        </p:cTn>
+      </p:par>
+    </p:tnLst>
+  </p:timing>
 </p:sld>
 </file>
 
@@ -25385,7 +25682,7 @@
         <p:spPr>
           <a:xfrm>
             <a:off x="4206600" y="597240"/>
-            <a:ext cx="5096880" cy="759240"/>
+            <a:ext cx="5096520" cy="758880"/>
           </a:xfrm>
           <a:prstGeom prst="rect">
             <a:avLst/>
@@ -25412,7 +25709,7 @@
               </a:lnSpc>
             </a:pPr>
             <a:r>
-              <a:rPr b="0" lang="es-AR" sz="3600" spc="-1" strike="noStrike">
+              <a:rPr b="0" lang="en-GB" sz="3600" spc="-1" strike="noStrike">
                 <a:solidFill>
                   <a:srgbClr val="262626"/>
                 </a:solidFill>
@@ -25421,7 +25718,7 @@
               </a:rPr>
               <a:t>Materiales Utilizados </a:t>
             </a:r>
-            <a:endParaRPr b="0" lang="es-AR" sz="3600" spc="-1" strike="noStrike">
+            <a:endParaRPr b="0" lang="en-GB" sz="3600" spc="-1" strike="noStrike">
               <a:latin typeface="Arial"/>
             </a:endParaRPr>
           </a:p>
@@ -25436,7 +25733,7 @@
         <p:spPr>
           <a:xfrm>
             <a:off x="3120840" y="1741320"/>
-            <a:ext cx="3990960" cy="574560"/>
+            <a:ext cx="3990600" cy="574200"/>
           </a:xfrm>
           <a:prstGeom prst="rect">
             <a:avLst/>
@@ -25466,7 +25763,7 @@
               </a:spcBef>
             </a:pPr>
             <a:r>
-              <a:rPr b="0" lang="es-AR" sz="2400" spc="-1" strike="noStrike">
+              <a:rPr b="0" lang="en-GB" sz="2400" spc="-1" strike="noStrike">
                 <a:solidFill>
                   <a:srgbClr val="404040"/>
                 </a:solidFill>
@@ -25475,7 +25772,7 @@
               </a:rPr>
               <a:t>Esferas Metálicas</a:t>
             </a:r>
-            <a:endParaRPr b="0" lang="es-AR" sz="2400" spc="-1" strike="noStrike">
+            <a:endParaRPr b="0" lang="en-GB" sz="2400" spc="-1" strike="noStrike">
               <a:latin typeface="Arial"/>
             </a:endParaRPr>
           </a:p>
@@ -25490,7 +25787,7 @@
         <p:spPr>
           <a:xfrm>
             <a:off x="2589120" y="2548800"/>
-            <a:ext cx="4341240" cy="3352320"/>
+            <a:ext cx="4340880" cy="3351960"/>
           </a:xfrm>
           <a:prstGeom prst="rect">
             <a:avLst/>
@@ -25511,7 +25808,7 @@
             <a:noAutofit/>
           </a:bodyPr>
           <a:p>
-            <a:pPr marL="343080" indent="-341280" algn="just">
+            <a:pPr marL="343080" indent="-340920" algn="just">
               <a:lnSpc>
                 <a:spcPct val="100000"/>
               </a:lnSpc>
@@ -25525,7 +25822,7 @@
               <a:buChar char=""/>
             </a:pPr>
             <a:r>
-              <a:rPr b="0" lang="es-AR" sz="1800" spc="-1" strike="noStrike">
+              <a:rPr b="0" lang="en-GB" sz="1800" spc="-1" strike="noStrike">
                 <a:solidFill>
                   <a:srgbClr val="404040"/>
                 </a:solidFill>
@@ -25535,7 +25832,7 @@
               <a:t>Las esferas de aspecto metálico son de plata pulida (</a:t>
             </a:r>
             <a:r>
-              <a:rPr b="1" lang="es-AR" sz="1800" spc="-1" strike="noStrike">
+              <a:rPr b="1" lang="en-GB" sz="1800" spc="-1" strike="noStrike">
                 <a:solidFill>
                   <a:srgbClr val="000000"/>
                 </a:solidFill>
@@ -25545,7 +25842,7 @@
               <a:t>Polished Silver</a:t>
             </a:r>
             <a:r>
-              <a:rPr b="0" lang="es-AR" sz="1800" spc="-1" strike="noStrike">
+              <a:rPr b="0" lang="en-GB" sz="1800" spc="-1" strike="noStrike">
                 <a:solidFill>
                   <a:srgbClr val="404040"/>
                 </a:solidFill>
@@ -25554,12 +25851,12 @@
               </a:rPr>
               <a:t>).</a:t>
             </a:r>
-            <a:endParaRPr b="0" lang="es-AR" sz="1800" spc="-1" strike="noStrike">
-              <a:latin typeface="Arial"/>
-            </a:endParaRPr>
-          </a:p>
-          <a:p>
-            <a:pPr marL="343080" indent="-341280" algn="just">
+            <a:endParaRPr b="0" lang="en-GB" sz="1800" spc="-1" strike="noStrike">
+              <a:latin typeface="Arial"/>
+            </a:endParaRPr>
+          </a:p>
+          <a:p>
+            <a:pPr marL="343080" indent="-340920" algn="just">
               <a:lnSpc>
                 <a:spcPct val="100000"/>
               </a:lnSpc>
@@ -25573,7 +25870,7 @@
               <a:buChar char=""/>
             </a:pPr>
             <a:r>
-              <a:rPr b="0" lang="es-AR" sz="1800" spc="-1" strike="noStrike">
+              <a:rPr b="0" lang="en-GB" sz="1800" spc="-1" strike="noStrike">
                 <a:solidFill>
                   <a:srgbClr val="404040"/>
                 </a:solidFill>
@@ -25582,7 +25879,7 @@
               </a:rPr>
               <a:t>El modelo de iluminación utilizado para este caso es el de Cook-Torrance para el término especular y Phong  para el difuso.</a:t>
             </a:r>
-            <a:endParaRPr b="0" lang="es-AR" sz="1800" spc="-1" strike="noStrike">
+            <a:endParaRPr b="0" lang="en-GB" sz="1800" spc="-1" strike="noStrike">
               <a:latin typeface="Arial"/>
             </a:endParaRPr>
           </a:p>
@@ -25601,7 +25898,7 @@
         <p:spPr>
           <a:xfrm>
             <a:off x="7113600" y="1741320"/>
-            <a:ext cx="3796560" cy="4159800"/>
+            <a:ext cx="3796200" cy="4159440"/>
           </a:xfrm>
           <a:prstGeom prst="rect">
             <a:avLst/>
@@ -25621,6 +25918,33 @@
       <p:transition spd="slow"/>
     </mc:Fallback>
   </mc:AlternateContent>
+  <p:timing>
+    <p:tnLst>
+      <p:par>
+        <p:cTn id="9" dur="indefinite" restart="never" nodeType="tmRoot">
+          <p:childTnLst>
+            <p:seq>
+              <p:cTn id="10" dur="indefinite" nodeType="mainSeq"/>
+              <p:prevCondLst>
+                <p:cond delay="0" evt="onPrev">
+                  <p:tgtEl>
+                    <p:sldTgt/>
+                  </p:tgtEl>
+                </p:cond>
+              </p:prevCondLst>
+              <p:nextCondLst>
+                <p:cond delay="0" evt="onNext">
+                  <p:tgtEl>
+                    <p:sldTgt/>
+                  </p:tgtEl>
+                </p:cond>
+              </p:nextCondLst>
+            </p:seq>
+          </p:childTnLst>
+        </p:cTn>
+      </p:par>
+    </p:tnLst>
+  </p:timing>
 </p:sld>
 </file>
 
@@ -25650,7 +25974,7 @@
         <p:spPr>
           <a:xfrm>
             <a:off x="2822760" y="617760"/>
-            <a:ext cx="5353560" cy="668160"/>
+            <a:ext cx="5353200" cy="667800"/>
           </a:xfrm>
           <a:prstGeom prst="rect">
             <a:avLst/>
@@ -25677,7 +26001,7 @@
               </a:lnSpc>
             </a:pPr>
             <a:r>
-              <a:rPr b="0" lang="es-AR" sz="3600" spc="-1" strike="noStrike">
+              <a:rPr b="0" lang="en-GB" sz="3600" spc="-1" strike="noStrike">
                 <a:solidFill>
                   <a:srgbClr val="262626"/>
                 </a:solidFill>
@@ -25686,7 +26010,7 @@
               </a:rPr>
               <a:t>Materiales Utilizados </a:t>
             </a:r>
-            <a:endParaRPr b="0" lang="es-AR" sz="3600" spc="-1" strike="noStrike">
+            <a:endParaRPr b="0" lang="en-GB" sz="3600" spc="-1" strike="noStrike">
               <a:latin typeface="Arial"/>
             </a:endParaRPr>
           </a:p>
@@ -25701,7 +26025,7 @@
         <p:spPr>
           <a:xfrm>
             <a:off x="2939400" y="1706040"/>
-            <a:ext cx="3990960" cy="574560"/>
+            <a:ext cx="3990600" cy="574200"/>
           </a:xfrm>
           <a:prstGeom prst="rect">
             <a:avLst/>
@@ -25731,7 +26055,7 @@
               </a:spcBef>
             </a:pPr>
             <a:r>
-              <a:rPr b="0" lang="es-AR" sz="2400" spc="-1" strike="noStrike">
+              <a:rPr b="0" lang="en-GB" sz="2400" spc="-1" strike="noStrike">
                 <a:solidFill>
                   <a:srgbClr val="404040"/>
                 </a:solidFill>
@@ -25740,7 +26064,7 @@
               </a:rPr>
               <a:t>Esferas Satinadas</a:t>
             </a:r>
-            <a:endParaRPr b="0" lang="es-AR" sz="2400" spc="-1" strike="noStrike">
+            <a:endParaRPr b="0" lang="en-GB" sz="2400" spc="-1" strike="noStrike">
               <a:latin typeface="Arial"/>
             </a:endParaRPr>
           </a:p>
@@ -25755,7 +26079,7 @@
         <p:spPr>
           <a:xfrm>
             <a:off x="2589120" y="2548800"/>
-            <a:ext cx="4341240" cy="3352320"/>
+            <a:ext cx="4340880" cy="3351960"/>
           </a:xfrm>
           <a:prstGeom prst="rect">
             <a:avLst/>
@@ -25776,7 +26100,7 @@
             <a:noAutofit/>
           </a:bodyPr>
           <a:p>
-            <a:pPr marL="343080" indent="-341280" algn="just">
+            <a:pPr marL="343080" indent="-340920" algn="just">
               <a:lnSpc>
                 <a:spcPct val="100000"/>
               </a:lnSpc>
@@ -25790,7 +26114,7 @@
               <a:buChar char=""/>
             </a:pPr>
             <a:r>
-              <a:rPr b="0" lang="es-AR" sz="1800" spc="-1" strike="noStrike">
+              <a:rPr b="0" lang="en-GB" sz="1800" spc="-1" strike="noStrike">
                 <a:solidFill>
                   <a:srgbClr val="404040"/>
                 </a:solidFill>
@@ -25800,7 +26124,7 @@
               <a:t>Las esferas de aspecto satinado son de un material símil a una piedra preciosa (</a:t>
             </a:r>
             <a:r>
-              <a:rPr b="1" lang="es-AR" sz="1800" spc="-1" strike="noStrike">
+              <a:rPr b="1" lang="en-GB" sz="1800" spc="-1" strike="noStrike">
                 <a:solidFill>
                   <a:srgbClr val="404040"/>
                 </a:solidFill>
@@ -25810,7 +26134,7 @@
               <a:t>Turquiose</a:t>
             </a:r>
             <a:r>
-              <a:rPr b="0" lang="es-AR" sz="1800" spc="-1" strike="noStrike">
+              <a:rPr b="0" lang="en-GB" sz="1800" spc="-1" strike="noStrike">
                 <a:solidFill>
                   <a:srgbClr val="404040"/>
                 </a:solidFill>
@@ -25819,12 +26143,12 @@
               </a:rPr>
               <a:t>).</a:t>
             </a:r>
-            <a:endParaRPr b="0" lang="es-AR" sz="1800" spc="-1" strike="noStrike">
-              <a:latin typeface="Arial"/>
-            </a:endParaRPr>
-          </a:p>
-          <a:p>
-            <a:pPr marL="343080" indent="-341280" algn="just">
+            <a:endParaRPr b="0" lang="en-GB" sz="1800" spc="-1" strike="noStrike">
+              <a:latin typeface="Arial"/>
+            </a:endParaRPr>
+          </a:p>
+          <a:p>
+            <a:pPr marL="343080" indent="-340920" algn="just">
               <a:lnSpc>
                 <a:spcPct val="100000"/>
               </a:lnSpc>
@@ -25838,7 +26162,7 @@
               <a:buChar char=""/>
             </a:pPr>
             <a:r>
-              <a:rPr b="0" lang="es-AR" sz="1800" spc="-1" strike="noStrike">
+              <a:rPr b="0" lang="en-GB" sz="1800" spc="-1" strike="noStrike">
                 <a:solidFill>
                   <a:srgbClr val="404040"/>
                 </a:solidFill>
@@ -25847,7 +26171,7 @@
               </a:rPr>
               <a:t>Al igual que las esferas metálicas, el modelo de iluminación utilizado es el de Cook-Torrance para el término especular y Phong para el difuso.</a:t>
             </a:r>
-            <a:endParaRPr b="0" lang="es-AR" sz="1800" spc="-1" strike="noStrike">
+            <a:endParaRPr b="0" lang="en-GB" sz="1800" spc="-1" strike="noStrike">
               <a:latin typeface="Arial"/>
             </a:endParaRPr>
           </a:p>
@@ -25860,7 +26184,7 @@
                 <a:spcPts val="1001"/>
               </a:spcBef>
             </a:pPr>
-            <a:endParaRPr b="0" lang="es-AR" sz="1800" spc="-1" strike="noStrike">
+            <a:endParaRPr b="0" lang="en-GB" sz="1800" spc="-1" strike="noStrike">
               <a:latin typeface="Arial"/>
             </a:endParaRPr>
           </a:p>
@@ -25879,7 +26203,7 @@
         <p:spPr>
           <a:xfrm>
             <a:off x="7278480" y="1898640"/>
-            <a:ext cx="2969280" cy="4002480"/>
+            <a:ext cx="2968920" cy="4002120"/>
           </a:xfrm>
           <a:prstGeom prst="rect">
             <a:avLst/>
@@ -25899,6 +26223,33 @@
       <p:transition spd="slow"/>
     </mc:Fallback>
   </mc:AlternateContent>
+  <p:timing>
+    <p:tnLst>
+      <p:par>
+        <p:cTn id="11" dur="indefinite" restart="never" nodeType="tmRoot">
+          <p:childTnLst>
+            <p:seq>
+              <p:cTn id="12" dur="indefinite" nodeType="mainSeq"/>
+              <p:prevCondLst>
+                <p:cond delay="0" evt="onPrev">
+                  <p:tgtEl>
+                    <p:sldTgt/>
+                  </p:tgtEl>
+                </p:cond>
+              </p:prevCondLst>
+              <p:nextCondLst>
+                <p:cond delay="0" evt="onNext">
+                  <p:tgtEl>
+                    <p:sldTgt/>
+                  </p:tgtEl>
+                </p:cond>
+              </p:nextCondLst>
+            </p:seq>
+          </p:childTnLst>
+        </p:cTn>
+      </p:par>
+    </p:tnLst>
+  </p:timing>
 </p:sld>
 </file>
 
@@ -25928,7 +26279,7 @@
         <p:spPr>
           <a:xfrm>
             <a:off x="2593080" y="624240"/>
-            <a:ext cx="8910000" cy="1279080"/>
+            <a:ext cx="8909640" cy="1278720"/>
           </a:xfrm>
           <a:prstGeom prst="rect">
             <a:avLst/>
@@ -25955,7 +26306,7 @@
               </a:lnSpc>
             </a:pPr>
             <a:r>
-              <a:rPr b="0" lang="es-AR" sz="3600" spc="-1" strike="noStrike">
+              <a:rPr b="0" lang="en-GB" sz="3600" spc="-1" strike="noStrike">
                 <a:solidFill>
                   <a:srgbClr val="262626"/>
                 </a:solidFill>
@@ -25964,7 +26315,7 @@
               </a:rPr>
               <a:t>Materiales Utilizados </a:t>
             </a:r>
-            <a:endParaRPr b="0" lang="es-AR" sz="3600" spc="-1" strike="noStrike">
+            <a:endParaRPr b="0" lang="en-GB" sz="3600" spc="-1" strike="noStrike">
               <a:latin typeface="Arial"/>
             </a:endParaRPr>
           </a:p>
@@ -25979,7 +26330,7 @@
         <p:spPr>
           <a:xfrm>
             <a:off x="3233880" y="1905120"/>
-            <a:ext cx="2727360" cy="457560"/>
+            <a:ext cx="2727000" cy="457200"/>
           </a:xfrm>
           <a:prstGeom prst="rect">
             <a:avLst/>
@@ -26009,7 +26360,7 @@
               </a:spcBef>
             </a:pPr>
             <a:r>
-              <a:rPr b="0" lang="es-AR" sz="2400" spc="-1" strike="noStrike">
+              <a:rPr b="0" lang="en-GB" sz="2400" spc="-1" strike="noStrike">
                 <a:solidFill>
                   <a:srgbClr val="404040"/>
                 </a:solidFill>
@@ -26018,7 +26369,7 @@
               </a:rPr>
               <a:t>Esferas Rugosas</a:t>
             </a:r>
-            <a:endParaRPr b="0" lang="es-AR" sz="2400" spc="-1" strike="noStrike">
+            <a:endParaRPr b="0" lang="en-GB" sz="2400" spc="-1" strike="noStrike">
               <a:latin typeface="Arial"/>
             </a:endParaRPr>
           </a:p>
@@ -26033,7 +26384,7 @@
         <p:spPr>
           <a:xfrm>
             <a:off x="2589120" y="2548800"/>
-            <a:ext cx="4341240" cy="3352320"/>
+            <a:ext cx="4340880" cy="3351960"/>
           </a:xfrm>
           <a:prstGeom prst="rect">
             <a:avLst/>
@@ -26054,7 +26405,7 @@
             <a:noAutofit/>
           </a:bodyPr>
           <a:p>
-            <a:pPr marL="343080" indent="-341280" algn="just">
+            <a:pPr marL="343080" indent="-340920" algn="just">
               <a:lnSpc>
                 <a:spcPct val="100000"/>
               </a:lnSpc>
@@ -26068,7 +26419,7 @@
               <a:buChar char=""/>
             </a:pPr>
             <a:r>
-              <a:rPr b="0" lang="es-AR" sz="1800" spc="-1" strike="noStrike">
+              <a:rPr b="0" lang="en-GB" sz="1800" spc="-1" strike="noStrike">
                 <a:solidFill>
                   <a:srgbClr val="404040"/>
                 </a:solidFill>
@@ -26078,7 +26429,7 @@
               <a:t>Las esferas de aspecto ruguso son  de estaño (</a:t>
             </a:r>
             <a:r>
-              <a:rPr b="1" lang="es-AR" sz="1800" spc="-1" strike="noStrike">
+              <a:rPr b="1" lang="en-GB" sz="1800" spc="-1" strike="noStrike">
                 <a:solidFill>
                   <a:srgbClr val="404040"/>
                 </a:solidFill>
@@ -26088,7 +26439,7 @@
               <a:t>Pewter</a:t>
             </a:r>
             <a:r>
-              <a:rPr b="0" lang="es-AR" sz="1800" spc="-1" strike="noStrike">
+              <a:rPr b="0" lang="en-GB" sz="1800" spc="-1" strike="noStrike">
                 <a:solidFill>
                   <a:srgbClr val="404040"/>
                 </a:solidFill>
@@ -26097,12 +26448,12 @@
               </a:rPr>
               <a:t>).</a:t>
             </a:r>
-            <a:endParaRPr b="0" lang="es-AR" sz="1800" spc="-1" strike="noStrike">
-              <a:latin typeface="Arial"/>
-            </a:endParaRPr>
-          </a:p>
-          <a:p>
-            <a:pPr marL="343080" indent="-341280" algn="just">
+            <a:endParaRPr b="0" lang="en-GB" sz="1800" spc="-1" strike="noStrike">
+              <a:latin typeface="Arial"/>
+            </a:endParaRPr>
+          </a:p>
+          <a:p>
+            <a:pPr marL="343080" indent="-340920" algn="just">
               <a:lnSpc>
                 <a:spcPct val="100000"/>
               </a:lnSpc>
@@ -26116,7 +26467,7 @@
               <a:buChar char=""/>
             </a:pPr>
             <a:r>
-              <a:rPr b="0" lang="es-AR" sz="1800" spc="-1" strike="noStrike">
+              <a:rPr b="0" lang="en-GB" sz="1800" spc="-1" strike="noStrike">
                 <a:solidFill>
                   <a:srgbClr val="404040"/>
                 </a:solidFill>
@@ -26125,7 +26476,7 @@
               </a:rPr>
               <a:t>A diferencia del resto, el modelo de iluminación utilizado aquí es el de Ward para el término especular y Phong  para el término difuso.</a:t>
             </a:r>
-            <a:endParaRPr b="0" lang="es-AR" sz="1800" spc="-1" strike="noStrike">
+            <a:endParaRPr b="0" lang="en-GB" sz="1800" spc="-1" strike="noStrike">
               <a:latin typeface="Arial"/>
             </a:endParaRPr>
           </a:p>
@@ -26138,7 +26489,7 @@
                 <a:spcPts val="1001"/>
               </a:spcBef>
             </a:pPr>
-            <a:endParaRPr b="0" lang="es-AR" sz="1800" spc="-1" strike="noStrike">
+            <a:endParaRPr b="0" lang="en-GB" sz="1800" spc="-1" strike="noStrike">
               <a:latin typeface="Arial"/>
             </a:endParaRPr>
           </a:p>
@@ -26151,7 +26502,7 @@
                 <a:spcPts val="1001"/>
               </a:spcBef>
             </a:pPr>
-            <a:endParaRPr b="0" lang="es-AR" sz="1800" spc="-1" strike="noStrike">
+            <a:endParaRPr b="0" lang="en-GB" sz="1800" spc="-1" strike="noStrike">
               <a:latin typeface="Arial"/>
             </a:endParaRPr>
           </a:p>
@@ -26170,7 +26521,7 @@
         <p:spPr>
           <a:xfrm>
             <a:off x="7321680" y="2106000"/>
-            <a:ext cx="3095640" cy="3256560"/>
+            <a:ext cx="3095280" cy="3256200"/>
           </a:xfrm>
           <a:prstGeom prst="rect">
             <a:avLst/>
@@ -26190,6 +26541,33 @@
       <p:transition spd="slow"/>
     </mc:Fallback>
   </mc:AlternateContent>
+  <p:timing>
+    <p:tnLst>
+      <p:par>
+        <p:cTn id="13" dur="indefinite" restart="never" nodeType="tmRoot">
+          <p:childTnLst>
+            <p:seq>
+              <p:cTn id="14" dur="indefinite" nodeType="mainSeq"/>
+              <p:prevCondLst>
+                <p:cond delay="0" evt="onPrev">
+                  <p:tgtEl>
+                    <p:sldTgt/>
+                  </p:tgtEl>
+                </p:cond>
+              </p:prevCondLst>
+              <p:nextCondLst>
+                <p:cond delay="0" evt="onNext">
+                  <p:tgtEl>
+                    <p:sldTgt/>
+                  </p:tgtEl>
+                </p:cond>
+              </p:nextCondLst>
+            </p:seq>
+          </p:childTnLst>
+        </p:cTn>
+      </p:par>
+    </p:tnLst>
+  </p:timing>
 </p:sld>
 </file>
 
@@ -26219,7 +26597,7 @@
         <p:spPr>
           <a:xfrm>
             <a:off x="4956480" y="600480"/>
-            <a:ext cx="2895840" cy="842400"/>
+            <a:ext cx="2895480" cy="842040"/>
           </a:xfrm>
           <a:prstGeom prst="rect">
             <a:avLst/>
@@ -26246,7 +26624,7 @@
               </a:lnSpc>
             </a:pPr>
             <a:r>
-              <a:rPr b="0" lang="es-AR" sz="3600" spc="-1" strike="noStrike">
+              <a:rPr b="0" lang="en-GB" sz="3600" spc="-1" strike="noStrike">
                 <a:solidFill>
                   <a:srgbClr val="262626"/>
                 </a:solidFill>
@@ -26255,7 +26633,7 @@
               </a:rPr>
               <a:t>Iluminación </a:t>
             </a:r>
-            <a:endParaRPr b="0" lang="es-AR" sz="3600" spc="-1" strike="noStrike">
+            <a:endParaRPr b="0" lang="en-GB" sz="3600" spc="-1" strike="noStrike">
               <a:latin typeface="Arial"/>
             </a:endParaRPr>
           </a:p>
@@ -26270,7 +26648,7 @@
         <p:spPr>
           <a:xfrm>
             <a:off x="2406600" y="1768680"/>
-            <a:ext cx="5098320" cy="574560"/>
+            <a:ext cx="5097960" cy="574200"/>
           </a:xfrm>
           <a:prstGeom prst="rect">
             <a:avLst/>
@@ -26300,7 +26678,7 @@
               </a:spcBef>
             </a:pPr>
             <a:r>
-              <a:rPr b="0" lang="es-AR" sz="2400" spc="-1" strike="noStrike">
+              <a:rPr b="0" lang="en-GB" sz="2400" spc="-1" strike="noStrike">
                 <a:solidFill>
                   <a:srgbClr val="404040"/>
                 </a:solidFill>
@@ -26309,7 +26687,7 @@
               </a:rPr>
               <a:t>Tipos de luces</a:t>
             </a:r>
-            <a:endParaRPr b="0" lang="es-AR" sz="2400" spc="-1" strike="noStrike">
+            <a:endParaRPr b="0" lang="en-GB" sz="2400" spc="-1" strike="noStrike">
               <a:latin typeface="Arial"/>
             </a:endParaRPr>
           </a:p>
@@ -26328,7 +26706,7 @@
         <p:spPr>
           <a:xfrm>
             <a:off x="7704720" y="3603960"/>
-            <a:ext cx="1284120" cy="893520"/>
+            <a:ext cx="1283760" cy="893160"/>
           </a:xfrm>
           <a:prstGeom prst="rect">
             <a:avLst/>
@@ -26351,7 +26729,7 @@
         <p:spPr>
           <a:xfrm>
             <a:off x="7704720" y="5271120"/>
-            <a:ext cx="1674720" cy="645840"/>
+            <a:ext cx="1674360" cy="645480"/>
           </a:xfrm>
           <a:prstGeom prst="rect">
             <a:avLst/>
@@ -26374,7 +26752,7 @@
         <p:spPr>
           <a:xfrm>
             <a:off x="7704720" y="1761840"/>
-            <a:ext cx="989280" cy="1164240"/>
+            <a:ext cx="988920" cy="1163880"/>
           </a:xfrm>
           <a:prstGeom prst="rect">
             <a:avLst/>
@@ -26393,7 +26771,7 @@
         <p:spPr>
           <a:xfrm>
             <a:off x="8979120" y="2160360"/>
-            <a:ext cx="1136880" cy="363960"/>
+            <a:ext cx="1136520" cy="363960"/>
           </a:xfrm>
           <a:prstGeom prst="rect">
             <a:avLst/>
@@ -26420,7 +26798,7 @@
               </a:lnSpc>
             </a:pPr>
             <a:r>
-              <a:rPr b="0" lang="es-AR" sz="1800" spc="-1" strike="noStrike">
+              <a:rPr b="0" lang="en-GB" sz="1800" spc="-1" strike="noStrike">
                 <a:solidFill>
                   <a:srgbClr val="000000"/>
                 </a:solidFill>
@@ -26429,7 +26807,7 @@
               </a:rPr>
               <a:t>Luz Spot</a:t>
             </a:r>
-            <a:endParaRPr b="0" lang="es-AR" sz="1800" spc="-1" strike="noStrike">
+            <a:endParaRPr b="0" lang="en-GB" sz="1800" spc="-1" strike="noStrike">
               <a:latin typeface="Arial"/>
             </a:endParaRPr>
           </a:p>
@@ -26444,7 +26822,7 @@
         <p:spPr>
           <a:xfrm>
             <a:off x="9236520" y="3867120"/>
-            <a:ext cx="1554120" cy="363960"/>
+            <a:ext cx="1553760" cy="363960"/>
           </a:xfrm>
           <a:prstGeom prst="rect">
             <a:avLst/>
@@ -26471,7 +26849,7 @@
               </a:lnSpc>
             </a:pPr>
             <a:r>
-              <a:rPr b="0" lang="es-AR" sz="1800" spc="-1" strike="noStrike">
+              <a:rPr b="0" lang="en-GB" sz="1800" spc="-1" strike="noStrike">
                 <a:solidFill>
                   <a:srgbClr val="000000"/>
                 </a:solidFill>
@@ -26480,7 +26858,7 @@
               </a:rPr>
               <a:t>Luz Puntual</a:t>
             </a:r>
-            <a:endParaRPr b="0" lang="es-AR" sz="1800" spc="-1" strike="noStrike">
+            <a:endParaRPr b="0" lang="en-GB" sz="1800" spc="-1" strike="noStrike">
               <a:latin typeface="Arial"/>
             </a:endParaRPr>
           </a:p>
@@ -26495,7 +26873,7 @@
         <p:spPr>
           <a:xfrm>
             <a:off x="9548280" y="5410080"/>
-            <a:ext cx="1876320" cy="363960"/>
+            <a:ext cx="1875960" cy="363960"/>
           </a:xfrm>
           <a:prstGeom prst="rect">
             <a:avLst/>
@@ -26522,7 +26900,7 @@
               </a:lnSpc>
             </a:pPr>
             <a:r>
-              <a:rPr b="0" lang="es-AR" sz="1800" spc="-1" strike="noStrike">
+              <a:rPr b="0" lang="en-GB" sz="1800" spc="-1" strike="noStrike">
                 <a:solidFill>
                   <a:srgbClr val="000000"/>
                 </a:solidFill>
@@ -26531,7 +26909,7 @@
               </a:rPr>
               <a:t>Luz Direccional</a:t>
             </a:r>
-            <a:endParaRPr b="0" lang="es-AR" sz="1800" spc="-1" strike="noStrike">
+            <a:endParaRPr b="0" lang="en-GB" sz="1800" spc="-1" strike="noStrike">
               <a:latin typeface="Arial"/>
             </a:endParaRPr>
           </a:p>
@@ -26546,7 +26924,7 @@
         <p:spPr>
           <a:xfrm>
             <a:off x="2589120" y="2548800"/>
-            <a:ext cx="4341240" cy="3352320"/>
+            <a:ext cx="4340880" cy="3351960"/>
           </a:xfrm>
           <a:prstGeom prst="rect">
             <a:avLst/>
@@ -26564,10 +26942,10 @@
         </p:style>
         <p:txBody>
           <a:bodyPr lIns="90000" rIns="90000" tIns="45000" bIns="45000">
-            <a:normAutofit fontScale="97000"/>
+            <a:normAutofit fontScale="86000"/>
           </a:bodyPr>
           <a:p>
-            <a:pPr marL="343080" indent="-341280" algn="just">
+            <a:pPr marL="343080" indent="-340920" algn="just">
               <a:lnSpc>
                 <a:spcPct val="100000"/>
               </a:lnSpc>
@@ -26581,7 +26959,7 @@
               <a:buChar char=""/>
             </a:pPr>
             <a:r>
-              <a:rPr b="0" lang="es-AR" sz="1800" spc="-1" strike="noStrike">
+              <a:rPr b="0" lang="en-GB" sz="1800" spc="-1" strike="noStrike">
                 <a:solidFill>
                   <a:srgbClr val="404040"/>
                 </a:solidFill>
@@ -26590,12 +26968,12 @@
               </a:rPr>
               <a:t>Para la escena A se incorporan tres tipos de luces (mostradas a la derecha) que, en conjunto, reúnen los siguientes parámetros:</a:t>
             </a:r>
-            <a:endParaRPr b="0" lang="es-AR" sz="1800" spc="-1" strike="noStrike">
-              <a:latin typeface="Arial"/>
-            </a:endParaRPr>
-          </a:p>
-          <a:p>
-            <a:pPr marL="343080" indent="-341280" algn="just">
+            <a:endParaRPr b="0" lang="en-GB" sz="1800" spc="-1" strike="noStrike">
+              <a:latin typeface="Arial"/>
+            </a:endParaRPr>
+          </a:p>
+          <a:p>
+            <a:pPr marL="343080" indent="-340920" algn="just">
               <a:lnSpc>
                 <a:spcPct val="100000"/>
               </a:lnSpc>
@@ -26609,7 +26987,7 @@
               <a:buChar char=""/>
             </a:pPr>
             <a:r>
-              <a:rPr b="0" lang="es-AR" sz="1800" spc="-1" strike="noStrike">
+              <a:rPr b="0" lang="en-GB" sz="1800" spc="-1" strike="noStrike">
                 <a:solidFill>
                   <a:srgbClr val="404040"/>
                 </a:solidFill>
@@ -26618,12 +26996,12 @@
               </a:rPr>
               <a:t>Intensidad </a:t>
             </a:r>
-            <a:endParaRPr b="0" lang="es-AR" sz="1800" spc="-1" strike="noStrike">
-              <a:latin typeface="Arial"/>
-            </a:endParaRPr>
-          </a:p>
-          <a:p>
-            <a:pPr marL="343080" indent="-341280" algn="just">
+            <a:endParaRPr b="0" lang="en-GB" sz="1800" spc="-1" strike="noStrike">
+              <a:latin typeface="Arial"/>
+            </a:endParaRPr>
+          </a:p>
+          <a:p>
+            <a:pPr marL="343080" indent="-340920" algn="just">
               <a:lnSpc>
                 <a:spcPct val="100000"/>
               </a:lnSpc>
@@ -26637,7 +27015,7 @@
               <a:buChar char=""/>
             </a:pPr>
             <a:r>
-              <a:rPr b="0" lang="es-AR" sz="1800" spc="-1" strike="noStrike">
+              <a:rPr b="0" lang="en-GB" sz="1800" spc="-1" strike="noStrike">
                 <a:solidFill>
                   <a:srgbClr val="404040"/>
                 </a:solidFill>
@@ -26646,12 +27024,12 @@
               </a:rPr>
               <a:t>Dirección </a:t>
             </a:r>
-            <a:endParaRPr b="0" lang="es-AR" sz="1800" spc="-1" strike="noStrike">
-              <a:latin typeface="Arial"/>
-            </a:endParaRPr>
-          </a:p>
-          <a:p>
-            <a:pPr marL="343080" indent="-341280" algn="just">
+            <a:endParaRPr b="0" lang="en-GB" sz="1800" spc="-1" strike="noStrike">
+              <a:latin typeface="Arial"/>
+            </a:endParaRPr>
+          </a:p>
+          <a:p>
+            <a:pPr marL="343080" indent="-340920" algn="just">
               <a:lnSpc>
                 <a:spcPct val="100000"/>
               </a:lnSpc>
@@ -26665,7 +27043,7 @@
               <a:buChar char=""/>
             </a:pPr>
             <a:r>
-              <a:rPr b="0" lang="es-AR" sz="1800" spc="-1" strike="noStrike">
+              <a:rPr b="0" lang="en-GB" sz="1800" spc="-1" strike="noStrike">
                 <a:solidFill>
                   <a:srgbClr val="404040"/>
                 </a:solidFill>
@@ -26674,12 +27052,12 @@
               </a:rPr>
               <a:t>Posición </a:t>
             </a:r>
-            <a:endParaRPr b="0" lang="es-AR" sz="1800" spc="-1" strike="noStrike">
-              <a:latin typeface="Arial"/>
-            </a:endParaRPr>
-          </a:p>
-          <a:p>
-            <a:pPr marL="343080" indent="-341280" algn="just">
+            <a:endParaRPr b="0" lang="en-GB" sz="1800" spc="-1" strike="noStrike">
+              <a:latin typeface="Arial"/>
+            </a:endParaRPr>
+          </a:p>
+          <a:p>
+            <a:pPr marL="343080" indent="-340920" algn="just">
               <a:lnSpc>
                 <a:spcPct val="100000"/>
               </a:lnSpc>
@@ -26693,7 +27071,7 @@
               <a:buChar char=""/>
             </a:pPr>
             <a:r>
-              <a:rPr b="0" lang="es-AR" sz="1800" spc="-1" strike="noStrike">
+              <a:rPr b="0" lang="en-GB" sz="1800" spc="-1" strike="noStrike">
                 <a:solidFill>
                   <a:srgbClr val="404040"/>
                 </a:solidFill>
@@ -26702,12 +27080,12 @@
               </a:rPr>
               <a:t>Atenuación</a:t>
             </a:r>
-            <a:endParaRPr b="0" lang="es-AR" sz="1800" spc="-1" strike="noStrike">
-              <a:latin typeface="Arial"/>
-            </a:endParaRPr>
-          </a:p>
-          <a:p>
-            <a:pPr marL="343080" indent="-341280" algn="just">
+            <a:endParaRPr b="0" lang="en-GB" sz="1800" spc="-1" strike="noStrike">
+              <a:latin typeface="Arial"/>
+            </a:endParaRPr>
+          </a:p>
+          <a:p>
+            <a:pPr marL="343080" indent="-340920" algn="just">
               <a:lnSpc>
                 <a:spcPct val="100000"/>
               </a:lnSpc>
@@ -26721,7 +27099,7 @@
               <a:buChar char=""/>
             </a:pPr>
             <a:r>
-              <a:rPr b="0" lang="es-AR" sz="1800" spc="-1" strike="noStrike">
+              <a:rPr b="0" lang="en-GB" sz="1800" spc="-1" strike="noStrike">
                 <a:solidFill>
                   <a:srgbClr val="404040"/>
                 </a:solidFill>
@@ -26730,7 +27108,7 @@
               </a:rPr>
               <a:t>Ángulo</a:t>
             </a:r>
-            <a:endParaRPr b="0" lang="es-AR" sz="1800" spc="-1" strike="noStrike">
+            <a:endParaRPr b="0" lang="en-GB" sz="1800" spc="-1" strike="noStrike">
               <a:latin typeface="Arial"/>
             </a:endParaRPr>
           </a:p>
@@ -26744,7 +27122,7 @@
               </a:spcBef>
             </a:pPr>
             <a:r>
-              <a:rPr b="0" lang="es-AR" sz="1800" spc="-1" strike="noStrike">
+              <a:rPr b="0" lang="en-GB" sz="1800" spc="-1" strike="noStrike">
                 <a:solidFill>
                   <a:srgbClr val="404040"/>
                 </a:solidFill>
@@ -26753,7 +27131,7 @@
               </a:rPr>
               <a:t> </a:t>
             </a:r>
-            <a:endParaRPr b="0" lang="es-AR" sz="1800" spc="-1" strike="noStrike">
+            <a:endParaRPr b="0" lang="en-GB" sz="1800" spc="-1" strike="noStrike">
               <a:latin typeface="Arial"/>
             </a:endParaRPr>
           </a:p>
@@ -26766,7 +27144,7 @@
                 <a:spcPts val="1001"/>
               </a:spcBef>
             </a:pPr>
-            <a:endParaRPr b="0" lang="es-AR" sz="1800" spc="-1" strike="noStrike">
+            <a:endParaRPr b="0" lang="en-GB" sz="1800" spc="-1" strike="noStrike">
               <a:latin typeface="Arial"/>
             </a:endParaRPr>
           </a:p>
@@ -26782,6 +27160,33 @@
       <p:transition spd="slow"/>
     </mc:Fallback>
   </mc:AlternateContent>
+  <p:timing>
+    <p:tnLst>
+      <p:par>
+        <p:cTn id="15" dur="indefinite" restart="never" nodeType="tmRoot">
+          <p:childTnLst>
+            <p:seq>
+              <p:cTn id="16" dur="indefinite" nodeType="mainSeq"/>
+              <p:prevCondLst>
+                <p:cond delay="0" evt="onPrev">
+                  <p:tgtEl>
+                    <p:sldTgt/>
+                  </p:tgtEl>
+                </p:cond>
+              </p:prevCondLst>
+              <p:nextCondLst>
+                <p:cond delay="0" evt="onNext">
+                  <p:tgtEl>
+                    <p:sldTgt/>
+                  </p:tgtEl>
+                </p:cond>
+              </p:nextCondLst>
+            </p:seq>
+          </p:childTnLst>
+        </p:cTn>
+      </p:par>
+    </p:tnLst>
+  </p:timing>
 </p:sld>
 </file>
 
@@ -26811,7 +27216,7 @@
         <p:spPr>
           <a:xfrm>
             <a:off x="5155920" y="919080"/>
-            <a:ext cx="2904480" cy="700560"/>
+            <a:ext cx="2904120" cy="700200"/>
           </a:xfrm>
           <a:prstGeom prst="rect">
             <a:avLst/>
@@ -26838,7 +27243,7 @@
               </a:lnSpc>
             </a:pPr>
             <a:r>
-              <a:rPr b="0" lang="es-AR" sz="3600" spc="-1" strike="noStrike">
+              <a:rPr b="0" lang="en-GB" sz="3600" spc="-1" strike="noStrike">
                 <a:solidFill>
                   <a:srgbClr val="262626"/>
                 </a:solidFill>
@@ -26847,7 +27252,7 @@
               </a:rPr>
               <a:t>Iluminación </a:t>
             </a:r>
-            <a:endParaRPr b="0" lang="es-AR" sz="3600" spc="-1" strike="noStrike">
+            <a:endParaRPr b="0" lang="en-GB" sz="3600" spc="-1" strike="noStrike">
               <a:latin typeface="Arial"/>
             </a:endParaRPr>
           </a:p>
@@ -26862,7 +27267,7 @@
         <p:spPr>
           <a:xfrm>
             <a:off x="1440000" y="2160000"/>
-            <a:ext cx="2455200" cy="574560"/>
+            <a:ext cx="2454840" cy="574200"/>
           </a:xfrm>
           <a:prstGeom prst="rect">
             <a:avLst/>
@@ -26892,7 +27297,7 @@
               </a:spcBef>
             </a:pPr>
             <a:r>
-              <a:rPr b="0" lang="es-AR" sz="2400" spc="-1" strike="noStrike">
+              <a:rPr b="0" lang="en-GB" sz="2400" spc="-1" strike="noStrike">
                 <a:solidFill>
                   <a:srgbClr val="404040"/>
                 </a:solidFill>
@@ -26901,7 +27306,7 @@
               </a:rPr>
               <a:t>Color de la luz </a:t>
             </a:r>
-            <a:endParaRPr b="0" lang="es-AR" sz="2400" spc="-1" strike="noStrike">
+            <a:endParaRPr b="0" lang="en-GB" sz="2400" spc="-1" strike="noStrike">
               <a:latin typeface="Arial"/>
             </a:endParaRPr>
           </a:p>
@@ -26916,7 +27321,7 @@
         <p:spPr>
           <a:xfrm>
             <a:off x="1080000" y="3024000"/>
-            <a:ext cx="4341240" cy="1720080"/>
+            <a:ext cx="4340880" cy="1719720"/>
           </a:xfrm>
           <a:prstGeom prst="rect">
             <a:avLst/>
@@ -26937,7 +27342,7 @@
             <a:noAutofit/>
           </a:bodyPr>
           <a:p>
-            <a:pPr marL="343080" indent="-341280">
+            <a:pPr marL="343080" indent="-340920">
               <a:lnSpc>
                 <a:spcPct val="100000"/>
               </a:lnSpc>
@@ -26951,7 +27356,7 @@
               <a:buChar char=""/>
             </a:pPr>
             <a:r>
-              <a:rPr b="0" lang="es-AR" sz="1800" spc="-1" strike="noStrike">
+              <a:rPr b="0" lang="en-GB" sz="1800" spc="-1" strike="noStrike">
                 <a:solidFill>
                   <a:srgbClr val="404040"/>
                 </a:solidFill>
@@ -26960,12 +27365,12 @@
               </a:rPr>
               <a:t>Tipo de fuentes de luz utilizadas:</a:t>
             </a:r>
-            <a:endParaRPr b="0" lang="es-AR" sz="1800" spc="-1" strike="noStrike">
-              <a:latin typeface="Arial"/>
-            </a:endParaRPr>
-          </a:p>
-          <a:p>
-            <a:pPr marL="343080" indent="-341280">
+            <a:endParaRPr b="0" lang="en-GB" sz="1800" spc="-1" strike="noStrike">
+              <a:latin typeface="Arial"/>
+            </a:endParaRPr>
+          </a:p>
+          <a:p>
+            <a:pPr marL="343080" indent="-340920">
               <a:lnSpc>
                 <a:spcPct val="100000"/>
               </a:lnSpc>
@@ -26979,7 +27384,7 @@
               <a:buChar char=""/>
             </a:pPr>
             <a:r>
-              <a:rPr b="0" lang="es-AR" sz="1800" spc="-1" strike="noStrike">
+              <a:rPr b="0" lang="en-GB" sz="1800" spc="-1" strike="noStrike">
                 <a:solidFill>
                   <a:srgbClr val="00b050"/>
                 </a:solidFill>
@@ -26989,7 +27394,7 @@
               <a:t>Luz Puntual</a:t>
             </a:r>
             <a:r>
-              <a:rPr b="0" lang="es-AR" sz="1800" spc="-1" strike="noStrike">
+              <a:rPr b="0" lang="en-GB" sz="1800" spc="-1" strike="noStrike">
                 <a:solidFill>
                   <a:srgbClr val="404040"/>
                 </a:solidFill>
@@ -26998,12 +27403,12 @@
               </a:rPr>
               <a:t>: Luz de Vela    </a:t>
             </a:r>
-            <a:endParaRPr b="0" lang="es-AR" sz="1800" spc="-1" strike="noStrike">
-              <a:latin typeface="Arial"/>
-            </a:endParaRPr>
-          </a:p>
-          <a:p>
-            <a:pPr marL="343080" indent="-341280">
+            <a:endParaRPr b="0" lang="en-GB" sz="1800" spc="-1" strike="noStrike">
+              <a:latin typeface="Arial"/>
+            </a:endParaRPr>
+          </a:p>
+          <a:p>
+            <a:pPr marL="343080" indent="-340920">
               <a:lnSpc>
                 <a:spcPct val="100000"/>
               </a:lnSpc>
@@ -27017,7 +27422,7 @@
               <a:buChar char=""/>
             </a:pPr>
             <a:r>
-              <a:rPr b="0" lang="es-AR" sz="1800" spc="-1" strike="noStrike">
+              <a:rPr b="0" lang="en-GB" sz="1800" spc="-1" strike="noStrike">
                 <a:solidFill>
                   <a:srgbClr val="ff0000"/>
                 </a:solidFill>
@@ -27027,7 +27432,7 @@
               <a:t>Luz Spot</a:t>
             </a:r>
             <a:r>
-              <a:rPr b="0" lang="es-AR" sz="1800" spc="-1" strike="noStrike">
+              <a:rPr b="0" lang="en-GB" sz="1800" spc="-1" strike="noStrike">
                 <a:solidFill>
                   <a:srgbClr val="404040"/>
                 </a:solidFill>
@@ -27036,12 +27441,12 @@
               </a:rPr>
               <a:t>: Luz Fluorescente</a:t>
             </a:r>
-            <a:endParaRPr b="0" lang="es-AR" sz="1800" spc="-1" strike="noStrike">
-              <a:latin typeface="Arial"/>
-            </a:endParaRPr>
-          </a:p>
-          <a:p>
-            <a:pPr marL="343080" indent="-341280">
+            <a:endParaRPr b="0" lang="en-GB" sz="1800" spc="-1" strike="noStrike">
+              <a:latin typeface="Arial"/>
+            </a:endParaRPr>
+          </a:p>
+          <a:p>
+            <a:pPr marL="343080" indent="-340920">
               <a:lnSpc>
                 <a:spcPct val="100000"/>
               </a:lnSpc>
@@ -27055,7 +27460,7 @@
               <a:buChar char=""/>
             </a:pPr>
             <a:r>
-              <a:rPr b="0" lang="es-AR" sz="1800" spc="-1" strike="noStrike">
+              <a:rPr b="0" lang="en-GB" sz="1800" spc="-1" strike="noStrike">
                 <a:solidFill>
                   <a:srgbClr val="7030a0"/>
                 </a:solidFill>
@@ -27065,7 +27470,7 @@
               <a:t>Luz Direccional</a:t>
             </a:r>
             <a:r>
-              <a:rPr b="0" lang="es-AR" sz="1800" spc="-1" strike="noStrike">
+              <a:rPr b="0" lang="en-GB" sz="1800" spc="-1" strike="noStrike">
                 <a:solidFill>
                   <a:srgbClr val="404040"/>
                 </a:solidFill>
@@ -27074,7 +27479,7 @@
               </a:rPr>
               <a:t>: Cielo Cubierto</a:t>
             </a:r>
-            <a:endParaRPr b="0" lang="es-AR" sz="1800" spc="-1" strike="noStrike">
+            <a:endParaRPr b="0" lang="en-GB" sz="1800" spc="-1" strike="noStrike">
               <a:latin typeface="Arial"/>
             </a:endParaRPr>
           </a:p>
@@ -27087,7 +27492,7 @@
                 <a:spcPts val="1001"/>
               </a:spcBef>
             </a:pPr>
-            <a:endParaRPr b="0" lang="es-AR" sz="1800" spc="-1" strike="noStrike">
+            <a:endParaRPr b="0" lang="en-GB" sz="1800" spc="-1" strike="noStrike">
               <a:latin typeface="Arial"/>
             </a:endParaRPr>
           </a:p>
@@ -27106,7 +27511,7 @@
         <p:spPr>
           <a:xfrm>
             <a:off x="6593400" y="1872000"/>
-            <a:ext cx="5214240" cy="4275720"/>
+            <a:ext cx="5213880" cy="4275360"/>
           </a:xfrm>
           <a:prstGeom prst="rect">
             <a:avLst/>
@@ -27125,7 +27530,7 @@
         <p:spPr>
           <a:xfrm>
             <a:off x="5904000" y="2448000"/>
-            <a:ext cx="629280" cy="360"/>
+            <a:ext cx="628920" cy="360"/>
           </a:xfrm>
           <a:custGeom>
             <a:avLst/>
@@ -27174,7 +27579,7 @@
         <p:spPr>
           <a:xfrm>
             <a:off x="5904000" y="5183640"/>
-            <a:ext cx="629280" cy="360"/>
+            <a:ext cx="628920" cy="360"/>
           </a:xfrm>
           <a:custGeom>
             <a:avLst/>
@@ -27223,7 +27628,7 @@
         <p:spPr>
           <a:xfrm>
             <a:off x="5904000" y="3743640"/>
-            <a:ext cx="629280" cy="360"/>
+            <a:ext cx="628920" cy="360"/>
           </a:xfrm>
           <a:custGeom>
             <a:avLst/>
@@ -27273,6 +27678,33 @@
       <p:transition spd="slow"/>
     </mc:Fallback>
   </mc:AlternateContent>
+  <p:timing>
+    <p:tnLst>
+      <p:par>
+        <p:cTn id="17" dur="indefinite" restart="never" nodeType="tmRoot">
+          <p:childTnLst>
+            <p:seq>
+              <p:cTn id="18" dur="indefinite" nodeType="mainSeq"/>
+              <p:prevCondLst>
+                <p:cond delay="0" evt="onPrev">
+                  <p:tgtEl>
+                    <p:sldTgt/>
+                  </p:tgtEl>
+                </p:cond>
+              </p:prevCondLst>
+              <p:nextCondLst>
+                <p:cond delay="0" evt="onNext">
+                  <p:tgtEl>
+                    <p:sldTgt/>
+                  </p:tgtEl>
+                </p:cond>
+              </p:nextCondLst>
+            </p:seq>
+          </p:childTnLst>
+        </p:cTn>
+      </p:par>
+    </p:tnLst>
+  </p:timing>
 </p:sld>
 </file>
 

--- a/Presentación/Presentacion Proyecto 2.pptx
+++ b/Presentación/Presentacion Proyecto 2.pptx
@@ -22324,7 +22324,7 @@
                 <a:latin typeface="Century Gothic"/>
                 <a:ea typeface="DejaVu Sans"/>
               </a:rPr>
-              <a:t>PROYECTO #</a:t>
+              <a:t>PROYECTO #2</a:t>
             </a:r>
             <a:endParaRPr b="0" lang="en-GB" sz="6600" spc="-1" strike="noStrike">
               <a:latin typeface="Arial"/>
